--- a/TechTalk.pptx
+++ b/TechTalk.pptx
@@ -5,7 +5,7 @@
     <p:sldMasterId id="2147484779" r:id="rId1"/>
   </p:sldMasterIdLst>
   <p:notesMasterIdLst>
-    <p:notesMasterId r:id="rId24"/>
+    <p:notesMasterId r:id="rId25"/>
   </p:notesMasterIdLst>
   <p:sldIdLst>
     <p:sldId id="256" r:id="rId2"/>
@@ -15,21 +15,22 @@
     <p:sldId id="260" r:id="rId6"/>
     <p:sldId id="261" r:id="rId7"/>
     <p:sldId id="263" r:id="rId8"/>
-    <p:sldId id="262" r:id="rId9"/>
-    <p:sldId id="264" r:id="rId10"/>
-    <p:sldId id="265" r:id="rId11"/>
-    <p:sldId id="266" r:id="rId12"/>
-    <p:sldId id="267" r:id="rId13"/>
-    <p:sldId id="268" r:id="rId14"/>
-    <p:sldId id="270" r:id="rId15"/>
-    <p:sldId id="269" r:id="rId16"/>
-    <p:sldId id="271" r:id="rId17"/>
-    <p:sldId id="272" r:id="rId18"/>
-    <p:sldId id="273" r:id="rId19"/>
-    <p:sldId id="274" r:id="rId20"/>
-    <p:sldId id="275" r:id="rId21"/>
-    <p:sldId id="276" r:id="rId22"/>
-    <p:sldId id="277" r:id="rId23"/>
+    <p:sldId id="267" r:id="rId9"/>
+    <p:sldId id="269" r:id="rId10"/>
+    <p:sldId id="278" r:id="rId11"/>
+    <p:sldId id="268" r:id="rId12"/>
+    <p:sldId id="279" r:id="rId13"/>
+    <p:sldId id="280" r:id="rId14"/>
+    <p:sldId id="276" r:id="rId15"/>
+    <p:sldId id="262" r:id="rId16"/>
+    <p:sldId id="265" r:id="rId17"/>
+    <p:sldId id="266" r:id="rId18"/>
+    <p:sldId id="271" r:id="rId19"/>
+    <p:sldId id="272" r:id="rId20"/>
+    <p:sldId id="273" r:id="rId21"/>
+    <p:sldId id="274" r:id="rId22"/>
+    <p:sldId id="275" r:id="rId23"/>
+    <p:sldId id="277" r:id="rId24"/>
   </p:sldIdLst>
   <p:sldSz cx="9144000" cy="6858000" type="screen4x3"/>
   <p:notesSz cx="6858000" cy="9144000"/>
@@ -129,6 +130,22 @@
     </a:lvl9pPr>
   </p:defaultTextStyle>
 </p:presentation>
+</file>
+
+<file path=ppt/commentAuthors.xml><?xml version="1.0" encoding="utf-8"?>
+<p:cmAuthorLst xmlns:a="http://schemas.openxmlformats.org/drawingml/2006/main" xmlns:r="http://schemas.openxmlformats.org/officeDocument/2006/relationships" xmlns:p="http://schemas.openxmlformats.org/presentationml/2006/main">
+  <p:cmAuthor id="0" name="Atul Tiwary" initials="" lastIdx="1" clrIdx="0"/>
+</p:cmAuthorLst>
+</file>
+
+<file path=ppt/comments/comment1.xml><?xml version="1.0" encoding="utf-8"?>
+<p:cmLst xmlns:a="http://schemas.openxmlformats.org/drawingml/2006/main" xmlns:r="http://schemas.openxmlformats.org/officeDocument/2006/relationships" xmlns:p="http://schemas.openxmlformats.org/presentationml/2006/main">
+  <p:cm authorId="0" dt="2013-07-30T10:45:13.059" idx="1">
+    <p:pos x="-4" y="10"/>
+    <p:text>Make the Data stats a table,
+Break up slides into 1:Request, Challenges, 2:Approach, Results</p:text>
+  </p:cm>
+</p:cmLst>
 </file>
 
 <file path=ppt/diagrams/colors1.xml><?xml version="1.0" encoding="utf-8"?>
@@ -2919,7 +2936,7 @@
         <a:p>
           <a:r>
             <a:rPr lang="en-US" dirty="0" smtClean="0"/>
-            <a:t>Front End</a:t>
+            <a:t>Client</a:t>
           </a:r>
           <a:endParaRPr lang="en-US" dirty="0"/>
         </a:p>
@@ -2993,7 +3010,7 @@
         <a:p>
           <a:r>
             <a:rPr lang="en-US" dirty="0" smtClean="0"/>
-            <a:t>Back End</a:t>
+            <a:t>Server</a:t>
           </a:r>
           <a:endParaRPr lang="en-US" dirty="0"/>
         </a:p>
@@ -3032,6 +3049,13 @@
         </dgm:presLayoutVars>
       </dgm:prSet>
       <dgm:spPr/>
+      <dgm:t>
+        <a:bodyPr/>
+        <a:lstStyle/>
+        <a:p>
+          <a:endParaRPr lang="en-US"/>
+        </a:p>
+      </dgm:t>
     </dgm:pt>
     <dgm:pt modelId="{2EA4D8E1-1D61-044E-8F75-0F7588445AE8}" type="pres">
       <dgm:prSet presAssocID="{20C8B0EF-C8DD-964A-895A-45C42056EAD6}" presName="hierFlow" presStyleCnt="0"/>
@@ -3077,10 +3101,24 @@
     <dgm:pt modelId="{880AA306-3C68-5A47-96D3-7BCC26FEA5DB}" type="pres">
       <dgm:prSet presAssocID="{28CB7888-ECB0-0445-9828-7A92C4EAF063}" presName="Name25" presStyleLbl="parChTrans1D2" presStyleIdx="0" presStyleCnt="2"/>
       <dgm:spPr/>
+      <dgm:t>
+        <a:bodyPr/>
+        <a:lstStyle/>
+        <a:p>
+          <a:endParaRPr lang="en-US"/>
+        </a:p>
+      </dgm:t>
     </dgm:pt>
     <dgm:pt modelId="{79AC1BBB-817F-1D4D-9173-48E4614542FA}" type="pres">
       <dgm:prSet presAssocID="{28CB7888-ECB0-0445-9828-7A92C4EAF063}" presName="connTx" presStyleLbl="parChTrans1D2" presStyleIdx="0" presStyleCnt="2"/>
       <dgm:spPr/>
+      <dgm:t>
+        <a:bodyPr/>
+        <a:lstStyle/>
+        <a:p>
+          <a:endParaRPr lang="en-US"/>
+        </a:p>
+      </dgm:t>
     </dgm:pt>
     <dgm:pt modelId="{14A89549-ED2A-3440-AA22-2E73985EC2F8}" type="pres">
       <dgm:prSet presAssocID="{6C536727-A5F9-074F-9780-0A0176582BE3}" presName="Name30" presStyleCnt="0"/>
@@ -3104,10 +3142,24 @@
     <dgm:pt modelId="{883521D9-4F22-094B-B3AF-D1161C2C150F}" type="pres">
       <dgm:prSet presAssocID="{67222959-628F-9D49-B046-09863617E077}" presName="Name25" presStyleLbl="parChTrans1D3" presStyleIdx="0" presStyleCnt="3"/>
       <dgm:spPr/>
+      <dgm:t>
+        <a:bodyPr/>
+        <a:lstStyle/>
+        <a:p>
+          <a:endParaRPr lang="en-US"/>
+        </a:p>
+      </dgm:t>
     </dgm:pt>
     <dgm:pt modelId="{ADA322D4-C5B4-3849-A587-49CF2AE0E8F1}" type="pres">
       <dgm:prSet presAssocID="{67222959-628F-9D49-B046-09863617E077}" presName="connTx" presStyleLbl="parChTrans1D3" presStyleIdx="0" presStyleCnt="3"/>
       <dgm:spPr/>
+      <dgm:t>
+        <a:bodyPr/>
+        <a:lstStyle/>
+        <a:p>
+          <a:endParaRPr lang="en-US"/>
+        </a:p>
+      </dgm:t>
     </dgm:pt>
     <dgm:pt modelId="{86DA1A69-7E4B-084A-A745-6D0DA0079A6C}" type="pres">
       <dgm:prSet presAssocID="{5DDAF7F1-2236-3E43-98D6-7C3F7FD80288}" presName="Name30" presStyleCnt="0"/>
@@ -3116,6 +3168,13 @@
     <dgm:pt modelId="{E3C67DFC-9509-3F4B-B8B2-3FCFA415061E}" type="pres">
       <dgm:prSet presAssocID="{5DDAF7F1-2236-3E43-98D6-7C3F7FD80288}" presName="level2Shape" presStyleLbl="node3" presStyleIdx="0" presStyleCnt="3"/>
       <dgm:spPr/>
+      <dgm:t>
+        <a:bodyPr/>
+        <a:lstStyle/>
+        <a:p>
+          <a:endParaRPr lang="en-US"/>
+        </a:p>
+      </dgm:t>
     </dgm:pt>
     <dgm:pt modelId="{33E88BCE-7E53-E24E-AA8C-566665ACDE02}" type="pres">
       <dgm:prSet presAssocID="{5DDAF7F1-2236-3E43-98D6-7C3F7FD80288}" presName="hierChild3" presStyleCnt="0"/>
@@ -3124,10 +3183,24 @@
     <dgm:pt modelId="{09A31220-B831-E949-8A4A-B3BB3FBA74D9}" type="pres">
       <dgm:prSet presAssocID="{62894669-1773-2E46-84CD-4CC105F812C0}" presName="Name25" presStyleLbl="parChTrans1D3" presStyleIdx="1" presStyleCnt="3"/>
       <dgm:spPr/>
+      <dgm:t>
+        <a:bodyPr/>
+        <a:lstStyle/>
+        <a:p>
+          <a:endParaRPr lang="en-US"/>
+        </a:p>
+      </dgm:t>
     </dgm:pt>
     <dgm:pt modelId="{79BF4AEF-C018-BF46-9CDB-8BCED2B1929E}" type="pres">
       <dgm:prSet presAssocID="{62894669-1773-2E46-84CD-4CC105F812C0}" presName="connTx" presStyleLbl="parChTrans1D3" presStyleIdx="1" presStyleCnt="3"/>
       <dgm:spPr/>
+      <dgm:t>
+        <a:bodyPr/>
+        <a:lstStyle/>
+        <a:p>
+          <a:endParaRPr lang="en-US"/>
+        </a:p>
+      </dgm:t>
     </dgm:pt>
     <dgm:pt modelId="{9148818B-87E1-DD4C-855A-93F2814913BE}" type="pres">
       <dgm:prSet presAssocID="{B5E37C19-BD33-7B4B-A4BF-9F11A7052014}" presName="Name30" presStyleCnt="0"/>
@@ -3136,6 +3209,13 @@
     <dgm:pt modelId="{599C3A1D-DB78-9F4A-926C-E14A1BDF3ADC}" type="pres">
       <dgm:prSet presAssocID="{B5E37C19-BD33-7B4B-A4BF-9F11A7052014}" presName="level2Shape" presStyleLbl="node3" presStyleIdx="1" presStyleCnt="3"/>
       <dgm:spPr/>
+      <dgm:t>
+        <a:bodyPr/>
+        <a:lstStyle/>
+        <a:p>
+          <a:endParaRPr lang="en-US"/>
+        </a:p>
+      </dgm:t>
     </dgm:pt>
     <dgm:pt modelId="{3DAC4E5E-0D8E-774E-AA20-F03D63D904BA}" type="pres">
       <dgm:prSet presAssocID="{B5E37C19-BD33-7B4B-A4BF-9F11A7052014}" presName="hierChild3" presStyleCnt="0"/>
@@ -3144,10 +3224,24 @@
     <dgm:pt modelId="{7C23BBDA-D31A-6940-BE48-8C0E9F84170E}" type="pres">
       <dgm:prSet presAssocID="{1BFC1D36-F7BE-E84B-94E7-C1E115E3F2D6}" presName="Name25" presStyleLbl="parChTrans1D2" presStyleIdx="1" presStyleCnt="2"/>
       <dgm:spPr/>
+      <dgm:t>
+        <a:bodyPr/>
+        <a:lstStyle/>
+        <a:p>
+          <a:endParaRPr lang="en-US"/>
+        </a:p>
+      </dgm:t>
     </dgm:pt>
     <dgm:pt modelId="{80EC4FFE-8995-3542-9903-DA11649FBF2E}" type="pres">
       <dgm:prSet presAssocID="{1BFC1D36-F7BE-E84B-94E7-C1E115E3F2D6}" presName="connTx" presStyleLbl="parChTrans1D2" presStyleIdx="1" presStyleCnt="2"/>
       <dgm:spPr/>
+      <dgm:t>
+        <a:bodyPr/>
+        <a:lstStyle/>
+        <a:p>
+          <a:endParaRPr lang="en-US"/>
+        </a:p>
+      </dgm:t>
     </dgm:pt>
     <dgm:pt modelId="{77ED8A78-B40C-3648-B438-133B8329FB4F}" type="pres">
       <dgm:prSet presAssocID="{BEC4C909-F833-1449-847C-58F51A6FC5BC}" presName="Name30" presStyleCnt="0"/>
@@ -3171,10 +3265,24 @@
     <dgm:pt modelId="{E60BFA7F-DB36-7944-A1B9-F7FB20217B82}" type="pres">
       <dgm:prSet presAssocID="{BFDCCA59-291B-AF4A-A15A-5B124ECEF86F}" presName="Name25" presStyleLbl="parChTrans1D3" presStyleIdx="2" presStyleCnt="3"/>
       <dgm:spPr/>
+      <dgm:t>
+        <a:bodyPr/>
+        <a:lstStyle/>
+        <a:p>
+          <a:endParaRPr lang="en-US"/>
+        </a:p>
+      </dgm:t>
     </dgm:pt>
     <dgm:pt modelId="{DDBBD22E-0FE3-B14C-A005-3633F8518331}" type="pres">
       <dgm:prSet presAssocID="{BFDCCA59-291B-AF4A-A15A-5B124ECEF86F}" presName="connTx" presStyleLbl="parChTrans1D3" presStyleIdx="2" presStyleCnt="3"/>
       <dgm:spPr/>
+      <dgm:t>
+        <a:bodyPr/>
+        <a:lstStyle/>
+        <a:p>
+          <a:endParaRPr lang="en-US"/>
+        </a:p>
+      </dgm:t>
     </dgm:pt>
     <dgm:pt modelId="{26F62616-CD93-2B44-91EB-7B802465C4E2}" type="pres">
       <dgm:prSet presAssocID="{163C86F4-55B3-684D-8789-74BE4CB49AEB}" presName="Name30" presStyleCnt="0"/>
@@ -3455,7 +3563,11 @@
         <a:p>
           <a:r>
             <a:rPr lang="en-US" dirty="0" smtClean="0"/>
-            <a:t>Unpack JSON Into Local Storage</a:t>
+            <a:t>Unpack </a:t>
+          </a:r>
+          <a:r>
+            <a:rPr lang="en-US" dirty="0" smtClean="0"/>
+            <a:t>Pre-Parsed JSON</a:t>
           </a:r>
           <a:endParaRPr lang="en-US" dirty="0"/>
         </a:p>
@@ -3521,7 +3633,22 @@
       </dgm:t>
     </dgm:pt>
     <dgm:pt modelId="{BC4C5131-1FC4-1040-951A-EE432821C12E}">
-      <dgm:prSet phldrT="[Text]"/>
+      <dgm:prSet phldrT="[Text]">
+        <dgm:style>
+          <a:lnRef idx="3">
+            <a:schemeClr val="lt1"/>
+          </a:lnRef>
+          <a:fillRef idx="1">
+            <a:schemeClr val="accent1"/>
+          </a:fillRef>
+          <a:effectRef idx="1">
+            <a:schemeClr val="accent1"/>
+          </a:effectRef>
+          <a:fontRef idx="minor">
+            <a:schemeClr val="lt1"/>
+          </a:fontRef>
+        </dgm:style>
+      </dgm:prSet>
       <dgm:spPr/>
       <dgm:t>
         <a:bodyPr/>
@@ -3537,7 +3664,13 @@
     </dgm:pt>
     <dgm:pt modelId="{68BC7849-A84E-6743-B55E-DD8DDB138566}" type="parTrans" cxnId="{6100030F-D4E8-2D45-B68A-C3D5417FFCB5}">
       <dgm:prSet/>
-      <dgm:spPr/>
+      <dgm:spPr>
+        <a:ln w="38100" cmpd="sng">
+          <a:solidFill>
+            <a:schemeClr val="accent2"/>
+          </a:solidFill>
+        </a:ln>
+      </dgm:spPr>
       <dgm:t>
         <a:bodyPr/>
         <a:lstStyle/>
@@ -3566,7 +3699,7 @@
         <a:p>
           <a:r>
             <a:rPr lang="en-US" dirty="0" smtClean="0"/>
-            <a:t>Front End</a:t>
+            <a:t>Client</a:t>
           </a:r>
           <a:endParaRPr lang="en-US" dirty="0"/>
         </a:p>
@@ -3632,7 +3765,22 @@
       </dgm:t>
     </dgm:pt>
     <dgm:pt modelId="{688BCC7F-8DDF-0342-9420-62AB4939B342}">
-      <dgm:prSet phldrT="[Text]"/>
+      <dgm:prSet phldrT="[Text]">
+        <dgm:style>
+          <a:lnRef idx="0">
+            <a:schemeClr val="accent1"/>
+          </a:lnRef>
+          <a:fillRef idx="3">
+            <a:schemeClr val="accent1"/>
+          </a:fillRef>
+          <a:effectRef idx="3">
+            <a:schemeClr val="accent1"/>
+          </a:effectRef>
+          <a:fontRef idx="minor">
+            <a:schemeClr val="lt1"/>
+          </a:fontRef>
+        </dgm:style>
+      </dgm:prSet>
       <dgm:spPr/>
       <dgm:t>
         <a:bodyPr/>
@@ -3640,7 +3788,7 @@
         <a:p>
           <a:r>
             <a:rPr lang="en-US" dirty="0" smtClean="0"/>
-            <a:t>Back End</a:t>
+            <a:t>Server</a:t>
           </a:r>
           <a:endParaRPr lang="en-US" dirty="0"/>
         </a:p>
@@ -3679,6 +3827,13 @@
         </dgm:presLayoutVars>
       </dgm:prSet>
       <dgm:spPr/>
+      <dgm:t>
+        <a:bodyPr/>
+        <a:lstStyle/>
+        <a:p>
+          <a:endParaRPr lang="en-US"/>
+        </a:p>
+      </dgm:t>
     </dgm:pt>
     <dgm:pt modelId="{51C60972-E5F9-4141-9EAF-A542CE8489DF}" type="pres">
       <dgm:prSet presAssocID="{6D0CD33B-385B-CA43-80A0-CB0F4BF87659}" presName="hierFlow" presStyleCnt="0"/>
@@ -3724,10 +3879,24 @@
     <dgm:pt modelId="{E3A5BF24-1D50-FA48-BFF5-0CDFFB099B4C}" type="pres">
       <dgm:prSet presAssocID="{C49A397F-5A1C-F049-A796-42EFD5AD66FE}" presName="Name25" presStyleLbl="parChTrans1D2" presStyleIdx="0" presStyleCnt="2"/>
       <dgm:spPr/>
+      <dgm:t>
+        <a:bodyPr/>
+        <a:lstStyle/>
+        <a:p>
+          <a:endParaRPr lang="en-US"/>
+        </a:p>
+      </dgm:t>
     </dgm:pt>
     <dgm:pt modelId="{DA5F013F-1DD0-8546-8728-3A379F1A369B}" type="pres">
       <dgm:prSet presAssocID="{C49A397F-5A1C-F049-A796-42EFD5AD66FE}" presName="connTx" presStyleLbl="parChTrans1D2" presStyleIdx="0" presStyleCnt="2"/>
       <dgm:spPr/>
+      <dgm:t>
+        <a:bodyPr/>
+        <a:lstStyle/>
+        <a:p>
+          <a:endParaRPr lang="en-US"/>
+        </a:p>
+      </dgm:t>
     </dgm:pt>
     <dgm:pt modelId="{548B71E9-01B0-8849-B483-4F4013D8D998}" type="pres">
       <dgm:prSet presAssocID="{CB8970B5-DAF4-A545-9B11-86D7E5B30775}" presName="Name30" presStyleCnt="0"/>
@@ -3751,10 +3920,24 @@
     <dgm:pt modelId="{81C2B1E6-7E87-4648-A99A-AB11E83DB179}" type="pres">
       <dgm:prSet presAssocID="{26A58F8C-C995-364B-A9D2-67AE780AA07A}" presName="Name25" presStyleLbl="parChTrans1D2" presStyleIdx="1" presStyleCnt="2"/>
       <dgm:spPr/>
+      <dgm:t>
+        <a:bodyPr/>
+        <a:lstStyle/>
+        <a:p>
+          <a:endParaRPr lang="en-US"/>
+        </a:p>
+      </dgm:t>
     </dgm:pt>
     <dgm:pt modelId="{BA7C26D7-3B66-FE48-9CBD-6BF83A6BC337}" type="pres">
       <dgm:prSet presAssocID="{26A58F8C-C995-364B-A9D2-67AE780AA07A}" presName="connTx" presStyleLbl="parChTrans1D2" presStyleIdx="1" presStyleCnt="2"/>
       <dgm:spPr/>
+      <dgm:t>
+        <a:bodyPr/>
+        <a:lstStyle/>
+        <a:p>
+          <a:endParaRPr lang="en-US"/>
+        </a:p>
+      </dgm:t>
     </dgm:pt>
     <dgm:pt modelId="{8386E98F-2224-FE48-B46C-F5DCF075ED56}" type="pres">
       <dgm:prSet presAssocID="{2854D26F-FA97-0F49-8C3A-632AE6C9B278}" presName="Name30" presStyleCnt="0"/>
@@ -3778,10 +3961,24 @@
     <dgm:pt modelId="{BDAF09D7-08DD-464E-8A6A-42AA052A857C}" type="pres">
       <dgm:prSet presAssocID="{68BC7849-A84E-6743-B55E-DD8DDB138566}" presName="Name25" presStyleLbl="parChTrans1D3" presStyleIdx="0" presStyleCnt="1"/>
       <dgm:spPr/>
+      <dgm:t>
+        <a:bodyPr/>
+        <a:lstStyle/>
+        <a:p>
+          <a:endParaRPr lang="en-US"/>
+        </a:p>
+      </dgm:t>
     </dgm:pt>
     <dgm:pt modelId="{5F7C970B-C52B-FC48-AFCD-485C80375CE9}" type="pres">
       <dgm:prSet presAssocID="{68BC7849-A84E-6743-B55E-DD8DDB138566}" presName="connTx" presStyleLbl="parChTrans1D3" presStyleIdx="0" presStyleCnt="1"/>
       <dgm:spPr/>
+      <dgm:t>
+        <a:bodyPr/>
+        <a:lstStyle/>
+        <a:p>
+          <a:endParaRPr lang="en-US"/>
+        </a:p>
+      </dgm:t>
     </dgm:pt>
     <dgm:pt modelId="{0CB31811-8957-6F45-A678-BDCC30486970}" type="pres">
       <dgm:prSet presAssocID="{BC4C5131-1FC4-1040-951A-EE432821C12E}" presName="Name30" presStyleCnt="0"/>
@@ -3851,6 +4048,13 @@
     <dgm:pt modelId="{E6D8C357-061E-D94D-9223-6F3EE8617AE5}" type="pres">
       <dgm:prSet presAssocID="{B97931C5-20A8-C043-BDB9-C1F1869FA4F5}" presName="bgRect" presStyleLbl="bgShp" presStyleIdx="1" presStyleCnt="3"/>
       <dgm:spPr/>
+      <dgm:t>
+        <a:bodyPr/>
+        <a:lstStyle/>
+        <a:p>
+          <a:endParaRPr lang="en-US"/>
+        </a:p>
+      </dgm:t>
     </dgm:pt>
     <dgm:pt modelId="{AFBE0A3A-BAAD-3443-A952-E7CF80663DCA}" type="pres">
       <dgm:prSet presAssocID="{B97931C5-20A8-C043-BDB9-C1F1869FA4F5}" presName="bgRectTx" presStyleLbl="bgShp" presStyleIdx="1" presStyleCnt="3">
@@ -3859,6 +4063,13 @@
         </dgm:presLayoutVars>
       </dgm:prSet>
       <dgm:spPr/>
+      <dgm:t>
+        <a:bodyPr/>
+        <a:lstStyle/>
+        <a:p>
+          <a:endParaRPr lang="en-US"/>
+        </a:p>
+      </dgm:t>
     </dgm:pt>
     <dgm:pt modelId="{51B4FCA6-81F5-8745-B51A-695DB2741C6D}" type="pres">
       <dgm:prSet presAssocID="{B97931C5-20A8-C043-BDB9-C1F1869FA4F5}" presName="spComp" presStyleCnt="0"/>
@@ -3900,30 +4111,30 @@
     </dgm:pt>
   </dgm:ptLst>
   <dgm:cxnLst>
+    <dgm:cxn modelId="{4C6FC8DF-A389-9346-94EA-0DF9F108D12A}" type="presOf" srcId="{688BCC7F-8DDF-0342-9420-62AB4939B342}" destId="{68331287-1289-854C-91FD-9E44EBBE0C58}" srcOrd="1" destOrd="0" presId="urn:microsoft.com/office/officeart/2005/8/layout/hierarchy5"/>
+    <dgm:cxn modelId="{8C516B6A-7E88-8241-AA67-A00EC288AE51}" srcId="{6D0CD33B-385B-CA43-80A0-CB0F4BF87659}" destId="{B97931C5-20A8-C043-BDB9-C1F1869FA4F5}" srcOrd="2" destOrd="0" parTransId="{02AF4D1A-BCC7-244D-8FCC-298C05B297CA}" sibTransId="{4E42DAA7-A069-1846-B1E0-1074E7780C2B}"/>
     <dgm:cxn modelId="{92D92FE3-90EA-384B-8B65-44F820B9C3A0}" type="presOf" srcId="{B97931C5-20A8-C043-BDB9-C1F1869FA4F5}" destId="{E6D8C357-061E-D94D-9223-6F3EE8617AE5}" srcOrd="0" destOrd="0" presId="urn:microsoft.com/office/officeart/2005/8/layout/hierarchy5"/>
-    <dgm:cxn modelId="{33753317-0960-B648-A32E-84128E6C1DE5}" srcId="{6D0CD33B-385B-CA43-80A0-CB0F4BF87659}" destId="{74A6031D-2CAD-FF49-917A-D27CA521EF2D}" srcOrd="0" destOrd="0" parTransId="{FFC7EA99-7778-DD4A-B7BB-171AE5380B50}" sibTransId="{879C81E4-CC69-3C4E-859E-83BE9549EDBD}"/>
-    <dgm:cxn modelId="{C7A024FC-EFCD-DE45-90D2-6CBB7078CB46}" type="presOf" srcId="{C49A397F-5A1C-F049-A796-42EFD5AD66FE}" destId="{E3A5BF24-1D50-FA48-BFF5-0CDFFB099B4C}" srcOrd="0" destOrd="0" presId="urn:microsoft.com/office/officeart/2005/8/layout/hierarchy5"/>
+    <dgm:cxn modelId="{9C76D912-C96D-4842-A8BC-94A22CE59374}" type="presOf" srcId="{688BCC7F-8DDF-0342-9420-62AB4939B342}" destId="{F33486CF-CDAC-F54D-B7B9-C567DA7CB6A3}" srcOrd="0" destOrd="0" presId="urn:microsoft.com/office/officeart/2005/8/layout/hierarchy5"/>
     <dgm:cxn modelId="{FF2C1254-1D04-8647-852C-A97E48F17B81}" type="presOf" srcId="{68BC7849-A84E-6743-B55E-DD8DDB138566}" destId="{5F7C970B-C52B-FC48-AFCD-485C80375CE9}" srcOrd="1" destOrd="0" presId="urn:microsoft.com/office/officeart/2005/8/layout/hierarchy5"/>
     <dgm:cxn modelId="{6100030F-D4E8-2D45-B68A-C3D5417FFCB5}" srcId="{2854D26F-FA97-0F49-8C3A-632AE6C9B278}" destId="{BC4C5131-1FC4-1040-951A-EE432821C12E}" srcOrd="0" destOrd="0" parTransId="{68BC7849-A84E-6743-B55E-DD8DDB138566}" sibTransId="{E251D043-0D09-EA48-A204-DCC8448DD3FE}"/>
+    <dgm:cxn modelId="{3D908B0C-628A-4147-B5EE-AB00DE3BE307}" type="presOf" srcId="{BC4C5131-1FC4-1040-951A-EE432821C12E}" destId="{C474DD51-E7A0-CA40-A767-B07742133804}" srcOrd="0" destOrd="0" presId="urn:microsoft.com/office/officeart/2005/8/layout/hierarchy5"/>
+    <dgm:cxn modelId="{4EE5AB20-80E4-B041-AA6E-58B7580B42B2}" srcId="{6D0CD33B-385B-CA43-80A0-CB0F4BF87659}" destId="{688BCC7F-8DDF-0342-9420-62AB4939B342}" srcOrd="3" destOrd="0" parTransId="{FA9E2DC7-A8AC-9340-8D2B-81402AAA1F24}" sibTransId="{B18E885A-6EAD-224B-8F12-A1F1DF143032}"/>
+    <dgm:cxn modelId="{29E48271-3448-D040-88C8-900863EFFCF5}" type="presOf" srcId="{0ED96FA4-4468-604D-8815-649BB4A6BC3E}" destId="{39C85A04-01B1-B840-9B60-59611C6DAEBC}" srcOrd="0" destOrd="0" presId="urn:microsoft.com/office/officeart/2005/8/layout/hierarchy5"/>
+    <dgm:cxn modelId="{448CB82A-B0D6-5442-BC90-5CD7535BDDC4}" type="presOf" srcId="{CB8970B5-DAF4-A545-9B11-86D7E5B30775}" destId="{7FEFBD09-B301-6C4B-8712-1E31E2FD05F2}" srcOrd="0" destOrd="0" presId="urn:microsoft.com/office/officeart/2005/8/layout/hierarchy5"/>
+    <dgm:cxn modelId="{9DB7C481-5189-2448-84C6-9C461482FA0F}" type="presOf" srcId="{B97931C5-20A8-C043-BDB9-C1F1869FA4F5}" destId="{AFBE0A3A-BAAD-3443-A952-E7CF80663DCA}" srcOrd="1" destOrd="0" presId="urn:microsoft.com/office/officeart/2005/8/layout/hierarchy5"/>
+    <dgm:cxn modelId="{5BC8E007-E8E3-4B4A-9C34-3FA8DB2DE16A}" srcId="{74A6031D-2CAD-FF49-917A-D27CA521EF2D}" destId="{CB8970B5-DAF4-A545-9B11-86D7E5B30775}" srcOrd="0" destOrd="0" parTransId="{C49A397F-5A1C-F049-A796-42EFD5AD66FE}" sibTransId="{E1597A77-F217-6342-9D3A-CD54276BC608}"/>
+    <dgm:cxn modelId="{67CF8933-341F-C44A-B009-5459D033BC1E}" type="presOf" srcId="{74A6031D-2CAD-FF49-917A-D27CA521EF2D}" destId="{35321E73-850B-224A-9841-9FC770AD5EEB}" srcOrd="0" destOrd="0" presId="urn:microsoft.com/office/officeart/2005/8/layout/hierarchy5"/>
+    <dgm:cxn modelId="{8BEEC83D-557E-2143-A99A-B8592C4A830D}" type="presOf" srcId="{0ED96FA4-4468-604D-8815-649BB4A6BC3E}" destId="{F85CA596-8B87-7049-8C79-2B7ADA11D056}" srcOrd="1" destOrd="0" presId="urn:microsoft.com/office/officeart/2005/8/layout/hierarchy5"/>
     <dgm:cxn modelId="{CD3FD5B4-D56F-274E-8486-0AA1ED559F2D}" type="presOf" srcId="{26A58F8C-C995-364B-A9D2-67AE780AA07A}" destId="{81C2B1E6-7E87-4648-A99A-AB11E83DB179}" srcOrd="0" destOrd="0" presId="urn:microsoft.com/office/officeart/2005/8/layout/hierarchy5"/>
-    <dgm:cxn modelId="{67CF8933-341F-C44A-B009-5459D033BC1E}" type="presOf" srcId="{74A6031D-2CAD-FF49-917A-D27CA521EF2D}" destId="{35321E73-850B-224A-9841-9FC770AD5EEB}" srcOrd="0" destOrd="0" presId="urn:microsoft.com/office/officeart/2005/8/layout/hierarchy5"/>
+    <dgm:cxn modelId="{C7A024FC-EFCD-DE45-90D2-6CBB7078CB46}" type="presOf" srcId="{C49A397F-5A1C-F049-A796-42EFD5AD66FE}" destId="{E3A5BF24-1D50-FA48-BFF5-0CDFFB099B4C}" srcOrd="0" destOrd="0" presId="urn:microsoft.com/office/officeart/2005/8/layout/hierarchy5"/>
     <dgm:cxn modelId="{64F6BB1A-AC0F-2742-B098-122AC10173FE}" srcId="{6D0CD33B-385B-CA43-80A0-CB0F4BF87659}" destId="{0ED96FA4-4468-604D-8815-649BB4A6BC3E}" srcOrd="1" destOrd="0" parTransId="{5F585D2D-BBDD-6D4A-9B18-8BFA0B429073}" sibTransId="{E8F1BF01-2AC4-A244-9F38-74ED89149EBB}"/>
     <dgm:cxn modelId="{C89869EE-E52E-7549-9DCC-93DC1FA40E93}" srcId="{74A6031D-2CAD-FF49-917A-D27CA521EF2D}" destId="{2854D26F-FA97-0F49-8C3A-632AE6C9B278}" srcOrd="1" destOrd="0" parTransId="{26A58F8C-C995-364B-A9D2-67AE780AA07A}" sibTransId="{DB107A81-5BF7-2C43-88A8-E9F647BB1FB7}"/>
+    <dgm:cxn modelId="{33753317-0960-B648-A32E-84128E6C1DE5}" srcId="{6D0CD33B-385B-CA43-80A0-CB0F4BF87659}" destId="{74A6031D-2CAD-FF49-917A-D27CA521EF2D}" srcOrd="0" destOrd="0" parTransId="{FFC7EA99-7778-DD4A-B7BB-171AE5380B50}" sibTransId="{879C81E4-CC69-3C4E-859E-83BE9549EDBD}"/>
+    <dgm:cxn modelId="{B9961C65-A993-C944-8A25-F6A4658EB7C2}" type="presOf" srcId="{26A58F8C-C995-364B-A9D2-67AE780AA07A}" destId="{BA7C26D7-3B66-FE48-9CBD-6BF83A6BC337}" srcOrd="1" destOrd="0" presId="urn:microsoft.com/office/officeart/2005/8/layout/hierarchy5"/>
+    <dgm:cxn modelId="{748719A4-7285-3D45-A633-0041CDC7A6AD}" type="presOf" srcId="{68BC7849-A84E-6743-B55E-DD8DDB138566}" destId="{BDAF09D7-08DD-464E-8A6A-42AA052A857C}" srcOrd="0" destOrd="0" presId="urn:microsoft.com/office/officeart/2005/8/layout/hierarchy5"/>
+    <dgm:cxn modelId="{3DDBDEF1-4A52-BE4B-B850-0FFC9FABF804}" type="presOf" srcId="{2854D26F-FA97-0F49-8C3A-632AE6C9B278}" destId="{24D8A686-A8DA-5947-B8ED-A61A20999C1C}" srcOrd="0" destOrd="0" presId="urn:microsoft.com/office/officeart/2005/8/layout/hierarchy5"/>
+    <dgm:cxn modelId="{22279793-CD44-1A49-8CC8-C28E14F93F62}" type="presOf" srcId="{C49A397F-5A1C-F049-A796-42EFD5AD66FE}" destId="{DA5F013F-1DD0-8546-8728-3A379F1A369B}" srcOrd="1" destOrd="0" presId="urn:microsoft.com/office/officeart/2005/8/layout/hierarchy5"/>
     <dgm:cxn modelId="{4C569358-582C-3F47-89E6-9B50AFA3E6D9}" type="presOf" srcId="{6D0CD33B-385B-CA43-80A0-CB0F4BF87659}" destId="{AD4CCDDF-74B0-4744-93C3-90B24AC18BC4}" srcOrd="0" destOrd="0" presId="urn:microsoft.com/office/officeart/2005/8/layout/hierarchy5"/>
-    <dgm:cxn modelId="{22279793-CD44-1A49-8CC8-C28E14F93F62}" type="presOf" srcId="{C49A397F-5A1C-F049-A796-42EFD5AD66FE}" destId="{DA5F013F-1DD0-8546-8728-3A379F1A369B}" srcOrd="1" destOrd="0" presId="urn:microsoft.com/office/officeart/2005/8/layout/hierarchy5"/>
-    <dgm:cxn modelId="{5BC8E007-E8E3-4B4A-9C34-3FA8DB2DE16A}" srcId="{74A6031D-2CAD-FF49-917A-D27CA521EF2D}" destId="{CB8970B5-DAF4-A545-9B11-86D7E5B30775}" srcOrd="0" destOrd="0" parTransId="{C49A397F-5A1C-F049-A796-42EFD5AD66FE}" sibTransId="{E1597A77-F217-6342-9D3A-CD54276BC608}"/>
-    <dgm:cxn modelId="{448CB82A-B0D6-5442-BC90-5CD7535BDDC4}" type="presOf" srcId="{CB8970B5-DAF4-A545-9B11-86D7E5B30775}" destId="{7FEFBD09-B301-6C4B-8712-1E31E2FD05F2}" srcOrd="0" destOrd="0" presId="urn:microsoft.com/office/officeart/2005/8/layout/hierarchy5"/>
-    <dgm:cxn modelId="{9DB7C481-5189-2448-84C6-9C461482FA0F}" type="presOf" srcId="{B97931C5-20A8-C043-BDB9-C1F1869FA4F5}" destId="{AFBE0A3A-BAAD-3443-A952-E7CF80663DCA}" srcOrd="1" destOrd="0" presId="urn:microsoft.com/office/officeart/2005/8/layout/hierarchy5"/>
-    <dgm:cxn modelId="{748719A4-7285-3D45-A633-0041CDC7A6AD}" type="presOf" srcId="{68BC7849-A84E-6743-B55E-DD8DDB138566}" destId="{BDAF09D7-08DD-464E-8A6A-42AA052A857C}" srcOrd="0" destOrd="0" presId="urn:microsoft.com/office/officeart/2005/8/layout/hierarchy5"/>
-    <dgm:cxn modelId="{3D908B0C-628A-4147-B5EE-AB00DE3BE307}" type="presOf" srcId="{BC4C5131-1FC4-1040-951A-EE432821C12E}" destId="{C474DD51-E7A0-CA40-A767-B07742133804}" srcOrd="0" destOrd="0" presId="urn:microsoft.com/office/officeart/2005/8/layout/hierarchy5"/>
-    <dgm:cxn modelId="{29E48271-3448-D040-88C8-900863EFFCF5}" type="presOf" srcId="{0ED96FA4-4468-604D-8815-649BB4A6BC3E}" destId="{39C85A04-01B1-B840-9B60-59611C6DAEBC}" srcOrd="0" destOrd="0" presId="urn:microsoft.com/office/officeart/2005/8/layout/hierarchy5"/>
-    <dgm:cxn modelId="{4EE5AB20-80E4-B041-AA6E-58B7580B42B2}" srcId="{6D0CD33B-385B-CA43-80A0-CB0F4BF87659}" destId="{688BCC7F-8DDF-0342-9420-62AB4939B342}" srcOrd="3" destOrd="0" parTransId="{FA9E2DC7-A8AC-9340-8D2B-81402AAA1F24}" sibTransId="{B18E885A-6EAD-224B-8F12-A1F1DF143032}"/>
-    <dgm:cxn modelId="{4C6FC8DF-A389-9346-94EA-0DF9F108D12A}" type="presOf" srcId="{688BCC7F-8DDF-0342-9420-62AB4939B342}" destId="{68331287-1289-854C-91FD-9E44EBBE0C58}" srcOrd="1" destOrd="0" presId="urn:microsoft.com/office/officeart/2005/8/layout/hierarchy5"/>
-    <dgm:cxn modelId="{9C76D912-C96D-4842-A8BC-94A22CE59374}" type="presOf" srcId="{688BCC7F-8DDF-0342-9420-62AB4939B342}" destId="{F33486CF-CDAC-F54D-B7B9-C567DA7CB6A3}" srcOrd="0" destOrd="0" presId="urn:microsoft.com/office/officeart/2005/8/layout/hierarchy5"/>
-    <dgm:cxn modelId="{8BEEC83D-557E-2143-A99A-B8592C4A830D}" type="presOf" srcId="{0ED96FA4-4468-604D-8815-649BB4A6BC3E}" destId="{F85CA596-8B87-7049-8C79-2B7ADA11D056}" srcOrd="1" destOrd="0" presId="urn:microsoft.com/office/officeart/2005/8/layout/hierarchy5"/>
-    <dgm:cxn modelId="{B9961C65-A993-C944-8A25-F6A4658EB7C2}" type="presOf" srcId="{26A58F8C-C995-364B-A9D2-67AE780AA07A}" destId="{BA7C26D7-3B66-FE48-9CBD-6BF83A6BC337}" srcOrd="1" destOrd="0" presId="urn:microsoft.com/office/officeart/2005/8/layout/hierarchy5"/>
-    <dgm:cxn modelId="{3DDBDEF1-4A52-BE4B-B850-0FFC9FABF804}" type="presOf" srcId="{2854D26F-FA97-0F49-8C3A-632AE6C9B278}" destId="{24D8A686-A8DA-5947-B8ED-A61A20999C1C}" srcOrd="0" destOrd="0" presId="urn:microsoft.com/office/officeart/2005/8/layout/hierarchy5"/>
-    <dgm:cxn modelId="{8C516B6A-7E88-8241-AA67-A00EC288AE51}" srcId="{6D0CD33B-385B-CA43-80A0-CB0F4BF87659}" destId="{B97931C5-20A8-C043-BDB9-C1F1869FA4F5}" srcOrd="2" destOrd="0" parTransId="{02AF4D1A-BCC7-244D-8FCC-298C05B297CA}" sibTransId="{4E42DAA7-A069-1846-B1E0-1074E7780C2B}"/>
     <dgm:cxn modelId="{5F2569CC-1A77-9D44-BC53-C8E2DE3E0CA8}" type="presParOf" srcId="{AD4CCDDF-74B0-4744-93C3-90B24AC18BC4}" destId="{51C60972-E5F9-4141-9EAF-A542CE8489DF}" srcOrd="0" destOrd="0" presId="urn:microsoft.com/office/officeart/2005/8/layout/hierarchy5"/>
     <dgm:cxn modelId="{030B5B5D-4A50-3348-98B3-B979813DBB79}" type="presParOf" srcId="{51C60972-E5F9-4141-9EAF-A542CE8489DF}" destId="{84D9D0F9-F2A2-AC4E-BA06-711BB897E6D2}" srcOrd="0" destOrd="0" presId="urn:microsoft.com/office/officeart/2005/8/layout/hierarchy5"/>
     <dgm:cxn modelId="{8A461489-9AF6-A346-A962-C41D4C95F5DB}" type="presParOf" srcId="{51C60972-E5F9-4141-9EAF-A542CE8489DF}" destId="{B4A662B0-C60F-1044-991C-88908CFA4F0B}" srcOrd="1" destOrd="0" presId="urn:microsoft.com/office/officeart/2005/8/layout/hierarchy5"/>
@@ -4226,6 +4437,13 @@
         </dgm:presLayoutVars>
       </dgm:prSet>
       <dgm:spPr/>
+      <dgm:t>
+        <a:bodyPr/>
+        <a:lstStyle/>
+        <a:p>
+          <a:endParaRPr lang="en-US"/>
+        </a:p>
+      </dgm:t>
     </dgm:pt>
     <dgm:pt modelId="{E0C47BFB-9AC5-A446-B10B-6AAE15AA232D}" type="pres">
       <dgm:prSet presAssocID="{815FD31C-E2E2-E248-AF91-3250A4422B4E}" presName="cycle" presStyleCnt="0"/>
@@ -4249,6 +4467,13 @@
     <dgm:pt modelId="{08FCF5C8-F98A-8347-B7D9-ACD1F981C649}" type="pres">
       <dgm:prSet presAssocID="{F4B7C484-713F-C44F-AF21-69EA8AC62561}" presName="sibTransFirstNode" presStyleLbl="bgShp" presStyleIdx="0" presStyleCnt="1"/>
       <dgm:spPr/>
+      <dgm:t>
+        <a:bodyPr/>
+        <a:lstStyle/>
+        <a:p>
+          <a:endParaRPr lang="en-US"/>
+        </a:p>
+      </dgm:t>
     </dgm:pt>
     <dgm:pt modelId="{F19F7694-2174-FB4F-8070-97DEC33F58CF}" type="pres">
       <dgm:prSet presAssocID="{B1254EF4-915E-134A-A79E-716DAC2569DA}" presName="nodeFollowingNodes" presStyleLbl="node1" presStyleIdx="1" presStyleCnt="6">
@@ -4272,6 +4497,13 @@
         </dgm:presLayoutVars>
       </dgm:prSet>
       <dgm:spPr/>
+      <dgm:t>
+        <a:bodyPr/>
+        <a:lstStyle/>
+        <a:p>
+          <a:endParaRPr lang="en-US"/>
+        </a:p>
+      </dgm:t>
     </dgm:pt>
     <dgm:pt modelId="{8EDA70DC-859C-7943-8D6A-3D51472E4F9B}" type="pres">
       <dgm:prSet presAssocID="{C28EDD35-C162-4B46-8644-BE850F33091F}" presName="nodeFollowingNodes" presStyleLbl="node1" presStyleIdx="3" presStyleCnt="6">
@@ -4329,8 +4561,8 @@
     <dgm:cxn modelId="{FD343FFB-F27F-1440-B3AE-6B352736DAFF}" srcId="{815FD31C-E2E2-E248-AF91-3250A4422B4E}" destId="{435CF04A-4678-0A4B-BCCD-E4A400579F50}" srcOrd="4" destOrd="0" parTransId="{29AC2512-4194-B449-8877-59ABF558544A}" sibTransId="{5119BC6B-8C00-E942-9B9E-6EF475ADC4C2}"/>
     <dgm:cxn modelId="{7108E878-986E-964B-8217-73053DDCB246}" type="presOf" srcId="{F4B7C484-713F-C44F-AF21-69EA8AC62561}" destId="{08FCF5C8-F98A-8347-B7D9-ACD1F981C649}" srcOrd="0" destOrd="0" presId="urn:microsoft.com/office/officeart/2005/8/layout/cycle3"/>
     <dgm:cxn modelId="{BBE955FA-0419-C046-ABD8-12BF039F759B}" srcId="{815FD31C-E2E2-E248-AF91-3250A4422B4E}" destId="{C28EDD35-C162-4B46-8644-BE850F33091F}" srcOrd="3" destOrd="0" parTransId="{2B4ED7C4-DA39-B34F-AEBA-659235780395}" sibTransId="{EFB7BB89-8AA7-2F48-8DD1-F5EA66FFFC42}"/>
+    <dgm:cxn modelId="{5A4E410C-8BAD-D64F-B28B-43A2E4F324B9}" srcId="{815FD31C-E2E2-E248-AF91-3250A4422B4E}" destId="{CF6978D8-31EE-6C47-9269-3BD0BF9458B7}" srcOrd="5" destOrd="0" parTransId="{FBD9F779-743B-884E-B09C-EC515A74414C}" sibTransId="{370208A3-3A0A-124B-82A1-320F7EA5A1A8}"/>
     <dgm:cxn modelId="{3F81F149-9B5C-3F4E-A773-D1559CCAE005}" type="presOf" srcId="{B1254EF4-915E-134A-A79E-716DAC2569DA}" destId="{F19F7694-2174-FB4F-8070-97DEC33F58CF}" srcOrd="0" destOrd="0" presId="urn:microsoft.com/office/officeart/2005/8/layout/cycle3"/>
-    <dgm:cxn modelId="{5A4E410C-8BAD-D64F-B28B-43A2E4F324B9}" srcId="{815FD31C-E2E2-E248-AF91-3250A4422B4E}" destId="{CF6978D8-31EE-6C47-9269-3BD0BF9458B7}" srcOrd="5" destOrd="0" parTransId="{FBD9F779-743B-884E-B09C-EC515A74414C}" sibTransId="{370208A3-3A0A-124B-82A1-320F7EA5A1A8}"/>
     <dgm:cxn modelId="{2F141F34-4CC0-BE43-90B9-17A369AA2254}" type="presOf" srcId="{C28EDD35-C162-4B46-8644-BE850F33091F}" destId="{8EDA70DC-859C-7943-8D6A-3D51472E4F9B}" srcOrd="0" destOrd="0" presId="urn:microsoft.com/office/officeart/2005/8/layout/cycle3"/>
     <dgm:cxn modelId="{C65CFA25-097A-F34B-8713-E548BC4FCF50}" srcId="{815FD31C-E2E2-E248-AF91-3250A4422B4E}" destId="{B1254EF4-915E-134A-A79E-716DAC2569DA}" srcOrd="1" destOrd="0" parTransId="{6CF22A67-F276-4D4A-8315-A7672D810881}" sibTransId="{16D47A8C-CBE9-9348-819C-F9F11DB74227}"/>
     <dgm:cxn modelId="{6E563A06-E1F0-094E-8B53-5141942AACC7}" type="presOf" srcId="{CF6978D8-31EE-6C47-9269-3BD0BF9458B7}" destId="{3781A804-DF9C-EB4F-B0A0-9B7E1E8C25BA}" srcOrd="0" destOrd="0" presId="urn:microsoft.com/office/officeart/2005/8/layout/cycle3"/>
@@ -4368,8 +4600,8 @@
       </dsp:nvSpPr>
       <dsp:spPr>
         <a:xfrm>
-          <a:off x="573502" y="0"/>
-          <a:ext cx="1896178" cy="3951337"/>
+          <a:off x="356380" y="0"/>
+          <a:ext cx="1566327" cy="3263979"/>
         </a:xfrm>
         <a:prstGeom prst="roundRect">
           <a:avLst>
@@ -4409,12 +4641,12 @@
         <a:fontRef idx="minor"/>
       </dsp:style>
       <dsp:txBody>
-        <a:bodyPr spcFirstLastPara="0" vert="horz" wrap="square" lIns="156464" tIns="156464" rIns="156464" bIns="156464" numCol="1" spcCol="1270" anchor="ctr" anchorCtr="0">
+        <a:bodyPr spcFirstLastPara="0" vert="horz" wrap="square" lIns="128016" tIns="128016" rIns="128016" bIns="128016" numCol="1" spcCol="1270" anchor="ctr" anchorCtr="0">
           <a:noAutofit/>
         </a:bodyPr>
         <a:lstStyle/>
         <a:p>
-          <a:pPr lvl="0" algn="ctr" defTabSz="977900">
+          <a:pPr lvl="0" algn="ctr" defTabSz="800100">
             <a:lnSpc>
               <a:spcPct val="90000"/>
             </a:lnSpc>
@@ -4426,15 +4658,15 @@
             </a:spcAft>
           </a:pPr>
           <a:r>
-            <a:rPr lang="en-US" sz="2200" kern="1200" dirty="0" smtClean="0"/>
-            <a:t>Back End</a:t>
+            <a:rPr lang="en-US" sz="1800" kern="1200" dirty="0" smtClean="0"/>
+            <a:t>Server</a:t>
           </a:r>
-          <a:endParaRPr lang="en-US" sz="2200" kern="1200" dirty="0"/>
+          <a:endParaRPr lang="en-US" sz="1800" kern="1200" dirty="0"/>
         </a:p>
       </dsp:txBody>
       <dsp:txXfrm>
-        <a:off x="573502" y="0"/>
-        <a:ext cx="1896178" cy="1185401"/>
+        <a:off x="356380" y="0"/>
+        <a:ext cx="1566327" cy="979193"/>
       </dsp:txXfrm>
     </dsp:sp>
     <dsp:sp modelId="{CF10DEA9-BD72-504E-81E8-BCF986B4EA99}">
@@ -4444,8 +4676,8 @@
       </dsp:nvSpPr>
       <dsp:spPr>
         <a:xfrm>
-          <a:off x="2785710" y="0"/>
-          <a:ext cx="1896178" cy="3951337"/>
+          <a:off x="2183762" y="0"/>
+          <a:ext cx="1566327" cy="3263979"/>
         </a:xfrm>
         <a:prstGeom prst="roundRect">
           <a:avLst>
@@ -4485,12 +4717,12 @@
         <a:fontRef idx="minor"/>
       </dsp:style>
       <dsp:txBody>
-        <a:bodyPr spcFirstLastPara="0" vert="horz" wrap="square" lIns="156464" tIns="156464" rIns="156464" bIns="156464" numCol="1" spcCol="1270" anchor="ctr" anchorCtr="0">
+        <a:bodyPr spcFirstLastPara="0" vert="horz" wrap="square" lIns="128016" tIns="128016" rIns="128016" bIns="128016" numCol="1" spcCol="1270" anchor="ctr" anchorCtr="0">
           <a:noAutofit/>
         </a:bodyPr>
         <a:lstStyle/>
         <a:p>
-          <a:pPr lvl="0" algn="ctr" defTabSz="977900">
+          <a:pPr lvl="0" algn="ctr" defTabSz="800100">
             <a:lnSpc>
               <a:spcPct val="90000"/>
             </a:lnSpc>
@@ -4502,15 +4734,15 @@
             </a:spcAft>
           </a:pPr>
           <a:r>
-            <a:rPr lang="en-US" sz="2200" kern="1200" dirty="0" smtClean="0"/>
+            <a:rPr lang="en-US" sz="1800" kern="1200" dirty="0" smtClean="0"/>
             <a:t>Intermediate</a:t>
           </a:r>
-          <a:endParaRPr lang="en-US" sz="2200" kern="1200" dirty="0"/>
+          <a:endParaRPr lang="en-US" sz="1800" kern="1200" dirty="0"/>
         </a:p>
       </dsp:txBody>
       <dsp:txXfrm>
-        <a:off x="2785710" y="0"/>
-        <a:ext cx="1896178" cy="1185401"/>
+        <a:off x="2183762" y="0"/>
+        <a:ext cx="1566327" cy="979193"/>
       </dsp:txXfrm>
     </dsp:sp>
     <dsp:sp modelId="{511CCE6E-82A9-BE47-9EC9-DFCA3427BFDF}">
@@ -4520,8 +4752,8 @@
       </dsp:nvSpPr>
       <dsp:spPr>
         <a:xfrm>
-          <a:off x="4997919" y="0"/>
-          <a:ext cx="1896178" cy="3951337"/>
+          <a:off x="4011144" y="0"/>
+          <a:ext cx="1566327" cy="3263979"/>
         </a:xfrm>
         <a:prstGeom prst="roundRect">
           <a:avLst>
@@ -4561,12 +4793,12 @@
         <a:fontRef idx="minor"/>
       </dsp:style>
       <dsp:txBody>
-        <a:bodyPr spcFirstLastPara="0" vert="horz" wrap="square" lIns="156464" tIns="156464" rIns="156464" bIns="156464" numCol="1" spcCol="1270" anchor="ctr" anchorCtr="0">
+        <a:bodyPr spcFirstLastPara="0" vert="horz" wrap="square" lIns="128016" tIns="128016" rIns="128016" bIns="128016" numCol="1" spcCol="1270" anchor="ctr" anchorCtr="0">
           <a:noAutofit/>
         </a:bodyPr>
         <a:lstStyle/>
         <a:p>
-          <a:pPr lvl="0" algn="ctr" defTabSz="977900">
+          <a:pPr lvl="0" algn="ctr" defTabSz="800100">
             <a:lnSpc>
               <a:spcPct val="90000"/>
             </a:lnSpc>
@@ -4578,15 +4810,15 @@
             </a:spcAft>
           </a:pPr>
           <a:r>
-            <a:rPr lang="en-US" sz="2200" kern="1200" dirty="0" smtClean="0"/>
-            <a:t>Front End</a:t>
+            <a:rPr lang="en-US" sz="1800" kern="1200" dirty="0" smtClean="0"/>
+            <a:t>Client</a:t>
           </a:r>
-          <a:endParaRPr lang="en-US" sz="2200" kern="1200" dirty="0"/>
+          <a:endParaRPr lang="en-US" sz="1800" kern="1200" dirty="0"/>
         </a:p>
       </dsp:txBody>
       <dsp:txXfrm>
-        <a:off x="4997919" y="0"/>
-        <a:ext cx="1896178" cy="1185401"/>
+        <a:off x="4011144" y="0"/>
+        <a:ext cx="1566327" cy="979193"/>
       </dsp:txXfrm>
     </dsp:sp>
     <dsp:sp modelId="{BFF1A5FE-0945-B941-9EE7-9A9BF2842EC3}">
@@ -4596,8 +4828,8 @@
       </dsp:nvSpPr>
       <dsp:spPr>
         <a:xfrm>
-          <a:off x="5155934" y="2321451"/>
-          <a:ext cx="1580148" cy="790074"/>
+          <a:off x="4141671" y="1917621"/>
+          <a:ext cx="1305272" cy="652636"/>
         </a:xfrm>
         <a:prstGeom prst="roundRect">
           <a:avLst>
@@ -4661,12 +4893,12 @@
         </a:fontRef>
       </dsp:style>
       <dsp:txBody>
-        <a:bodyPr spcFirstLastPara="0" vert="horz" wrap="square" lIns="10160" tIns="10160" rIns="10160" bIns="10160" numCol="1" spcCol="1270" anchor="ctr" anchorCtr="0">
+        <a:bodyPr spcFirstLastPara="0" vert="horz" wrap="square" lIns="8255" tIns="8255" rIns="8255" bIns="8255" numCol="1" spcCol="1270" anchor="ctr" anchorCtr="0">
           <a:noAutofit/>
         </a:bodyPr>
         <a:lstStyle/>
         <a:p>
-          <a:pPr lvl="0" algn="ctr" defTabSz="711200">
+          <a:pPr lvl="0" algn="ctr" defTabSz="577850">
             <a:lnSpc>
               <a:spcPct val="90000"/>
             </a:lnSpc>
@@ -4678,15 +4910,15 @@
             </a:spcAft>
           </a:pPr>
           <a:r>
-            <a:rPr lang="en-US" sz="1600" kern="1200" dirty="0" smtClean="0"/>
+            <a:rPr lang="en-US" sz="1300" kern="1200" dirty="0" smtClean="0"/>
             <a:t>Display and Chart in Browser Window</a:t>
           </a:r>
-          <a:endParaRPr lang="en-US" sz="1600" kern="1200" dirty="0"/>
+          <a:endParaRPr lang="en-US" sz="1300" kern="1200" dirty="0"/>
         </a:p>
       </dsp:txBody>
       <dsp:txXfrm>
-        <a:off x="5179074" y="2344591"/>
-        <a:ext cx="1533868" cy="743794"/>
+        <a:off x="4160786" y="1936736"/>
+        <a:ext cx="1267042" cy="614406"/>
       </dsp:txXfrm>
     </dsp:sp>
     <dsp:sp modelId="{880AA306-3C68-5A47-96D3-7BCC26FEA5DB}">
@@ -4696,8 +4928,8 @@
       </dsp:nvSpPr>
       <dsp:spPr>
         <a:xfrm rot="13629178">
-          <a:off x="4375184" y="2357773"/>
-          <a:ext cx="929440" cy="35991"/>
+          <a:off x="3496737" y="1944494"/>
+          <a:ext cx="767758" cy="35991"/>
         </a:xfrm>
         <a:custGeom>
           <a:avLst/>
@@ -4711,7 +4943,7 @@
                 <a:pt x="0" y="17995"/>
               </a:moveTo>
               <a:lnTo>
-                <a:pt x="929440" y="17995"/>
+                <a:pt x="767758" y="17995"/>
               </a:lnTo>
             </a:path>
           </a:pathLst>
@@ -4764,8 +4996,8 @@
         </a:p>
       </dsp:txBody>
       <dsp:txXfrm rot="10800000">
-        <a:off x="4816668" y="2352533"/>
-        <a:ext cx="46472" cy="46472"/>
+        <a:off x="3861423" y="1943296"/>
+        <a:ext cx="38387" cy="38387"/>
       </dsp:txXfrm>
     </dsp:sp>
     <dsp:sp modelId="{9A35C978-5F1D-4949-957C-84CB157047A7}">
@@ -4775,8 +5007,8 @@
       </dsp:nvSpPr>
       <dsp:spPr>
         <a:xfrm>
-          <a:off x="2943725" y="1640012"/>
-          <a:ext cx="1580148" cy="790074"/>
+          <a:off x="2314289" y="1354722"/>
+          <a:ext cx="1305272" cy="652636"/>
         </a:xfrm>
         <a:prstGeom prst="roundRect">
           <a:avLst>
@@ -4840,12 +5072,12 @@
         </a:fontRef>
       </dsp:style>
       <dsp:txBody>
-        <a:bodyPr spcFirstLastPara="0" vert="horz" wrap="square" lIns="10160" tIns="10160" rIns="10160" bIns="10160" numCol="1" spcCol="1270" anchor="ctr" anchorCtr="0">
+        <a:bodyPr spcFirstLastPara="0" vert="horz" wrap="square" lIns="8255" tIns="8255" rIns="8255" bIns="8255" numCol="1" spcCol="1270" anchor="ctr" anchorCtr="0">
           <a:noAutofit/>
         </a:bodyPr>
         <a:lstStyle/>
         <a:p>
-          <a:pPr lvl="0" algn="ctr" defTabSz="711200">
+          <a:pPr lvl="0" algn="ctr" defTabSz="577850">
             <a:lnSpc>
               <a:spcPct val="90000"/>
             </a:lnSpc>
@@ -4857,15 +5089,15 @@
             </a:spcAft>
           </a:pPr>
           <a:r>
-            <a:rPr lang="en-US" sz="1600" kern="1200" dirty="0" smtClean="0"/>
+            <a:rPr lang="en-US" sz="1300" kern="1200" dirty="0" smtClean="0"/>
             <a:t>Transform Data (JavaScript)</a:t>
           </a:r>
-          <a:endParaRPr lang="en-US" sz="1600" kern="1200" dirty="0"/>
+          <a:endParaRPr lang="en-US" sz="1300" kern="1200" dirty="0"/>
         </a:p>
       </dsp:txBody>
       <dsp:txXfrm>
-        <a:off x="2966865" y="1663152"/>
-        <a:ext cx="1533868" cy="743794"/>
+        <a:off x="2333404" y="1373837"/>
+        <a:ext cx="1267042" cy="614406"/>
       </dsp:txXfrm>
     </dsp:sp>
     <dsp:sp modelId="{883521D9-4F22-094B-B3AF-D1161C2C150F}">
@@ -4875,8 +5107,8 @@
       </dsp:nvSpPr>
       <dsp:spPr>
         <a:xfrm rot="12942401">
-          <a:off x="2238503" y="1789907"/>
-          <a:ext cx="778383" cy="35991"/>
+          <a:off x="1731745" y="1475412"/>
+          <a:ext cx="642979" cy="35991"/>
         </a:xfrm>
         <a:custGeom>
           <a:avLst/>
@@ -4890,7 +5122,7 @@
                 <a:pt x="0" y="17995"/>
               </a:moveTo>
               <a:lnTo>
-                <a:pt x="778383" y="17995"/>
+                <a:pt x="642979" y="17995"/>
               </a:lnTo>
             </a:path>
           </a:pathLst>
@@ -4943,8 +5175,8 @@
         </a:p>
       </dsp:txBody>
       <dsp:txXfrm rot="10800000">
-        <a:off x="2608236" y="1788443"/>
-        <a:ext cx="38919" cy="38919"/>
+        <a:off x="2037160" y="1477333"/>
+        <a:ext cx="32148" cy="32148"/>
       </dsp:txXfrm>
     </dsp:sp>
     <dsp:sp modelId="{E3C67DFC-9509-3F4B-B8B2-3FCFA415061E}">
@@ -4954,8 +5186,8 @@
       </dsp:nvSpPr>
       <dsp:spPr>
         <a:xfrm>
-          <a:off x="731517" y="1185719"/>
-          <a:ext cx="1580148" cy="790074"/>
+          <a:off x="486907" y="979456"/>
+          <a:ext cx="1305272" cy="652636"/>
         </a:xfrm>
         <a:prstGeom prst="roundRect">
           <a:avLst>
@@ -5019,12 +5251,12 @@
         </a:fontRef>
       </dsp:style>
       <dsp:txBody>
-        <a:bodyPr spcFirstLastPara="0" vert="horz" wrap="square" lIns="10160" tIns="10160" rIns="10160" bIns="10160" numCol="1" spcCol="1270" anchor="ctr" anchorCtr="0">
+        <a:bodyPr spcFirstLastPara="0" vert="horz" wrap="square" lIns="8255" tIns="8255" rIns="8255" bIns="8255" numCol="1" spcCol="1270" anchor="ctr" anchorCtr="0">
           <a:noAutofit/>
         </a:bodyPr>
         <a:lstStyle/>
         <a:p>
-          <a:pPr lvl="0" algn="ctr" defTabSz="711200">
+          <a:pPr lvl="0" algn="ctr" defTabSz="577850">
             <a:lnSpc>
               <a:spcPct val="90000"/>
             </a:lnSpc>
@@ -5036,19 +5268,19 @@
             </a:spcAft>
           </a:pPr>
           <a:r>
-            <a:rPr lang="en-US" sz="1600" kern="1200" dirty="0" err="1" smtClean="0"/>
+            <a:rPr lang="en-US" sz="1300" kern="1200" dirty="0" err="1" smtClean="0"/>
             <a:t>RJMetrics</a:t>
           </a:r>
           <a:r>
-            <a:rPr lang="en-US" sz="1600" kern="1200" dirty="0" smtClean="0"/>
+            <a:rPr lang="en-US" sz="1300" kern="1200" dirty="0" smtClean="0"/>
             <a:t> API Call</a:t>
           </a:r>
-          <a:endParaRPr lang="en-US" sz="1600" kern="1200" dirty="0"/>
+          <a:endParaRPr lang="en-US" sz="1300" kern="1200" dirty="0"/>
         </a:p>
       </dsp:txBody>
       <dsp:txXfrm>
-        <a:off x="754657" y="1208859"/>
-        <a:ext cx="1533868" cy="743794"/>
+        <a:off x="506022" y="998571"/>
+        <a:ext cx="1267042" cy="614406"/>
       </dsp:txXfrm>
     </dsp:sp>
     <dsp:sp modelId="{09A31220-B831-E949-8A4A-B3BB3FBA74D9}">
@@ -5058,8 +5290,8 @@
       </dsp:nvSpPr>
       <dsp:spPr>
         <a:xfrm rot="8657599">
-          <a:off x="2238503" y="2244200"/>
-          <a:ext cx="778383" cy="35991"/>
+          <a:off x="1731745" y="1850678"/>
+          <a:ext cx="642979" cy="35991"/>
         </a:xfrm>
         <a:custGeom>
           <a:avLst/>
@@ -5073,7 +5305,7 @@
                 <a:pt x="0" y="17995"/>
               </a:moveTo>
               <a:lnTo>
-                <a:pt x="778383" y="17995"/>
+                <a:pt x="642979" y="17995"/>
               </a:lnTo>
             </a:path>
           </a:pathLst>
@@ -5126,8 +5358,8 @@
         </a:p>
       </dsp:txBody>
       <dsp:txXfrm rot="10800000">
-        <a:off x="2608236" y="2242736"/>
-        <a:ext cx="38919" cy="38919"/>
+        <a:off x="2037160" y="1852599"/>
+        <a:ext cx="32148" cy="32148"/>
       </dsp:txXfrm>
     </dsp:sp>
     <dsp:sp modelId="{599C3A1D-DB78-9F4A-926C-E14A1BDF3ADC}">
@@ -5137,8 +5369,8 @@
       </dsp:nvSpPr>
       <dsp:spPr>
         <a:xfrm>
-          <a:off x="731517" y="2094305"/>
-          <a:ext cx="1580148" cy="790074"/>
+          <a:off x="486907" y="1729988"/>
+          <a:ext cx="1305272" cy="652636"/>
         </a:xfrm>
         <a:prstGeom prst="roundRect">
           <a:avLst>
@@ -5202,12 +5434,12 @@
         </a:fontRef>
       </dsp:style>
       <dsp:txBody>
-        <a:bodyPr spcFirstLastPara="0" vert="horz" wrap="square" lIns="10160" tIns="10160" rIns="10160" bIns="10160" numCol="1" spcCol="1270" anchor="ctr" anchorCtr="0">
+        <a:bodyPr spcFirstLastPara="0" vert="horz" wrap="square" lIns="8255" tIns="8255" rIns="8255" bIns="8255" numCol="1" spcCol="1270" anchor="ctr" anchorCtr="0">
           <a:noAutofit/>
         </a:bodyPr>
         <a:lstStyle/>
         <a:p>
-          <a:pPr lvl="0" algn="ctr" defTabSz="711200">
+          <a:pPr lvl="0" algn="ctr" defTabSz="577850">
             <a:lnSpc>
               <a:spcPct val="90000"/>
             </a:lnSpc>
@@ -5219,19 +5451,19 @@
             </a:spcAft>
           </a:pPr>
           <a:r>
-            <a:rPr lang="en-US" sz="1600" kern="1200" dirty="0" err="1" smtClean="0"/>
+            <a:rPr lang="en-US" sz="1300" kern="1200" dirty="0" err="1" smtClean="0"/>
             <a:t>Distimo</a:t>
           </a:r>
           <a:r>
-            <a:rPr lang="en-US" sz="1600" kern="1200" dirty="0" smtClean="0"/>
+            <a:rPr lang="en-US" sz="1300" kern="1200" dirty="0" smtClean="0"/>
             <a:t> API Call</a:t>
           </a:r>
-          <a:endParaRPr lang="en-US" sz="1600" kern="1200" dirty="0"/>
+          <a:endParaRPr lang="en-US" sz="1300" kern="1200" dirty="0"/>
         </a:p>
       </dsp:txBody>
       <dsp:txXfrm>
-        <a:off x="754657" y="2117445"/>
-        <a:ext cx="1533868" cy="743794"/>
+        <a:off x="506022" y="1749103"/>
+        <a:ext cx="1267042" cy="614406"/>
       </dsp:txXfrm>
     </dsp:sp>
     <dsp:sp modelId="{7C23BBDA-D31A-6940-BE48-8C0E9F84170E}">
@@ -5241,8 +5473,8 @@
       </dsp:nvSpPr>
       <dsp:spPr>
         <a:xfrm rot="7970822">
-          <a:off x="4375184" y="3039212"/>
-          <a:ext cx="929440" cy="35991"/>
+          <a:off x="3496737" y="2507393"/>
+          <a:ext cx="767758" cy="35991"/>
         </a:xfrm>
         <a:custGeom>
           <a:avLst/>
@@ -5256,7 +5488,7 @@
                 <a:pt x="0" y="17995"/>
               </a:moveTo>
               <a:lnTo>
-                <a:pt x="929440" y="17995"/>
+                <a:pt x="767758" y="17995"/>
               </a:lnTo>
             </a:path>
           </a:pathLst>
@@ -5309,8 +5541,8 @@
         </a:p>
       </dsp:txBody>
       <dsp:txXfrm rot="10800000">
-        <a:off x="4816668" y="3033972"/>
-        <a:ext cx="46472" cy="46472"/>
+        <a:off x="3861423" y="2506195"/>
+        <a:ext cx="38387" cy="38387"/>
       </dsp:txXfrm>
     </dsp:sp>
     <dsp:sp modelId="{162F5968-C9BD-9343-8567-CE1C3517E74A}">
@@ -5320,8 +5552,8 @@
       </dsp:nvSpPr>
       <dsp:spPr>
         <a:xfrm>
-          <a:off x="2943725" y="3002890"/>
-          <a:ext cx="1580148" cy="790074"/>
+          <a:off x="2314289" y="2480520"/>
+          <a:ext cx="1305272" cy="652636"/>
         </a:xfrm>
         <a:prstGeom prst="roundRect">
           <a:avLst>
@@ -5385,12 +5617,12 @@
         </a:fontRef>
       </dsp:style>
       <dsp:txBody>
-        <a:bodyPr spcFirstLastPara="0" vert="horz" wrap="square" lIns="10160" tIns="10160" rIns="10160" bIns="10160" numCol="1" spcCol="1270" anchor="ctr" anchorCtr="0">
+        <a:bodyPr spcFirstLastPara="0" vert="horz" wrap="square" lIns="8255" tIns="8255" rIns="8255" bIns="8255" numCol="1" spcCol="1270" anchor="ctr" anchorCtr="0">
           <a:noAutofit/>
         </a:bodyPr>
         <a:lstStyle/>
         <a:p>
-          <a:pPr lvl="0" algn="ctr" defTabSz="711200">
+          <a:pPr lvl="0" algn="ctr" defTabSz="577850">
             <a:lnSpc>
               <a:spcPct val="90000"/>
             </a:lnSpc>
@@ -5402,15 +5634,15 @@
             </a:spcAft>
           </a:pPr>
           <a:r>
-            <a:rPr lang="en-US" sz="1600" kern="1200" dirty="0" smtClean="0"/>
+            <a:rPr lang="en-US" sz="1300" kern="1200" dirty="0" smtClean="0"/>
             <a:t>Extract Relevant Google Data</a:t>
           </a:r>
-          <a:endParaRPr lang="en-US" sz="1600" kern="1200" dirty="0"/>
+          <a:endParaRPr lang="en-US" sz="1300" kern="1200" dirty="0"/>
         </a:p>
       </dsp:txBody>
       <dsp:txXfrm>
-        <a:off x="2966865" y="3026030"/>
-        <a:ext cx="1533868" cy="743794"/>
+        <a:off x="2333404" y="2499635"/>
+        <a:ext cx="1267042" cy="614406"/>
       </dsp:txXfrm>
     </dsp:sp>
     <dsp:sp modelId="{E60BFA7F-DB36-7944-A1B9-F7FB20217B82}">
@@ -5420,8 +5652,8 @@
       </dsp:nvSpPr>
       <dsp:spPr>
         <a:xfrm rot="10800000">
-          <a:off x="2311665" y="3379932"/>
-          <a:ext cx="632059" cy="35991"/>
+          <a:off x="1792180" y="2788843"/>
+          <a:ext cx="522109" cy="35991"/>
         </a:xfrm>
         <a:custGeom>
           <a:avLst/>
@@ -5435,7 +5667,7 @@
                 <a:pt x="0" y="17995"/>
               </a:moveTo>
               <a:lnTo>
-                <a:pt x="632059" y="17995"/>
+                <a:pt x="522109" y="17995"/>
               </a:lnTo>
             </a:path>
           </a:pathLst>
@@ -5488,8 +5720,8 @@
         </a:p>
       </dsp:txBody>
       <dsp:txXfrm rot="10800000">
-        <a:off x="2611894" y="3382126"/>
-        <a:ext cx="31602" cy="31602"/>
+        <a:off x="2040182" y="2793785"/>
+        <a:ext cx="26105" cy="26105"/>
       </dsp:txXfrm>
     </dsp:sp>
     <dsp:sp modelId="{23241940-67F3-5247-BF43-0459A1CC438B}">
@@ -5499,8 +5731,8 @@
       </dsp:nvSpPr>
       <dsp:spPr>
         <a:xfrm>
-          <a:off x="731517" y="3002890"/>
-          <a:ext cx="1580148" cy="790074"/>
+          <a:off x="486907" y="2480520"/>
+          <a:ext cx="1305272" cy="652636"/>
         </a:xfrm>
         <a:prstGeom prst="roundRect">
           <a:avLst>
@@ -5564,12 +5796,12 @@
         </a:fontRef>
       </dsp:style>
       <dsp:txBody>
-        <a:bodyPr spcFirstLastPara="0" vert="horz" wrap="square" lIns="10160" tIns="10160" rIns="10160" bIns="10160" numCol="1" spcCol="1270" anchor="ctr" anchorCtr="0">
+        <a:bodyPr spcFirstLastPara="0" vert="horz" wrap="square" lIns="8255" tIns="8255" rIns="8255" bIns="8255" numCol="1" spcCol="1270" anchor="ctr" anchorCtr="0">
           <a:noAutofit/>
         </a:bodyPr>
         <a:lstStyle/>
         <a:p>
-          <a:pPr lvl="0" algn="ctr" defTabSz="711200">
+          <a:pPr lvl="0" algn="ctr" defTabSz="577850">
             <a:lnSpc>
               <a:spcPct val="90000"/>
             </a:lnSpc>
@@ -5581,15 +5813,15 @@
             </a:spcAft>
           </a:pPr>
           <a:r>
-            <a:rPr lang="en-US" sz="1600" kern="1200" dirty="0" smtClean="0"/>
+            <a:rPr lang="en-US" sz="1300" kern="1200" dirty="0" smtClean="0"/>
             <a:t>Google Authentication/API Calls</a:t>
           </a:r>
-          <a:endParaRPr lang="en-US" sz="1600" kern="1200" dirty="0"/>
+          <a:endParaRPr lang="en-US" sz="1300" kern="1200" dirty="0"/>
         </a:p>
       </dsp:txBody>
       <dsp:txXfrm>
-        <a:off x="754657" y="3026030"/>
-        <a:ext cx="1533868" cy="743794"/>
+        <a:off x="506022" y="2499635"/>
+        <a:ext cx="1267042" cy="614406"/>
       </dsp:txXfrm>
     </dsp:sp>
   </dsp:spTree>
@@ -5619,37 +5851,62 @@
             <a:gd name="adj" fmla="val 10000"/>
           </a:avLst>
         </a:prstGeom>
-        <a:solidFill>
-          <a:schemeClr val="accent3">
-            <a:tint val="55000"/>
-            <a:hueOff val="0"/>
-            <a:satOff val="0"/>
-            <a:lumOff val="0"/>
-            <a:alphaOff val="0"/>
-          </a:schemeClr>
-        </a:solidFill>
+        <a:gradFill rotWithShape="1">
+          <a:gsLst>
+            <a:gs pos="0">
+              <a:schemeClr val="accent1">
+                <a:tint val="100000"/>
+                <a:shade val="100000"/>
+                <a:satMod val="100000"/>
+                <a:lumMod val="90000"/>
+              </a:schemeClr>
+            </a:gs>
+            <a:gs pos="100000">
+              <a:schemeClr val="accent1">
+                <a:tint val="95000"/>
+                <a:shade val="100000"/>
+                <a:satMod val="110000"/>
+                <a:lumMod val="105000"/>
+              </a:schemeClr>
+            </a:gs>
+          </a:gsLst>
+          <a:path path="circle">
+            <a:fillToRect l="40000" t="100000" r="40000" b="100000"/>
+          </a:path>
+        </a:gradFill>
         <a:ln>
           <a:noFill/>
         </a:ln>
         <a:effectLst>
-          <a:outerShdw blurRad="50800" dist="12700" dir="5400000" rotWithShape="0">
+          <a:outerShdw blurRad="50800" dist="25400" dir="5040000" rotWithShape="0">
             <a:srgbClr val="000000">
-              <a:alpha val="37000"/>
+              <a:alpha val="44000"/>
             </a:srgbClr>
           </a:outerShdw>
         </a:effectLst>
+        <a:scene3d>
+          <a:camera prst="orthographicFront">
+            <a:rot lat="0" lon="0" rev="0"/>
+          </a:camera>
+          <a:lightRig rig="threePt" dir="tl"/>
+        </a:scene3d>
+        <a:sp3d prstMaterial="dkEdge">
+          <a:bevelT w="38100" h="25400" prst="coolSlant"/>
+        </a:sp3d>
       </dsp:spPr>
       <dsp:style>
         <a:lnRef idx="0">
-          <a:scrgbClr r="0" g="0" b="0"/>
+          <a:schemeClr val="accent1"/>
         </a:lnRef>
-        <a:fillRef idx="1">
-          <a:scrgbClr r="0" g="0" b="0"/>
+        <a:fillRef idx="3">
+          <a:schemeClr val="accent1"/>
         </a:fillRef>
-        <a:effectRef idx="2">
-          <a:scrgbClr r="0" g="0" b="0"/>
+        <a:effectRef idx="3">
+          <a:schemeClr val="accent1"/>
         </a:effectRef>
-        <a:fontRef idx="minor"/>
+        <a:fontRef idx="minor">
+          <a:schemeClr val="lt1"/>
+        </a:fontRef>
       </dsp:style>
       <dsp:txBody>
         <a:bodyPr spcFirstLastPara="0" vert="horz" wrap="square" lIns="220472" tIns="220472" rIns="220472" bIns="220472" numCol="1" spcCol="1270" anchor="ctr" anchorCtr="0">
@@ -5670,7 +5927,7 @@
           </a:pPr>
           <a:r>
             <a:rPr lang="en-US" sz="3100" kern="1200" dirty="0" smtClean="0"/>
-            <a:t>Back End</a:t>
+            <a:t>Server</a:t>
           </a:r>
           <a:endParaRPr lang="en-US" sz="3100" kern="1200" dirty="0"/>
         </a:p>
@@ -5822,7 +6079,7 @@
           </a:pPr>
           <a:r>
             <a:rPr lang="en-US" sz="3100" kern="1200" dirty="0" smtClean="0"/>
-            <a:t>Front End</a:t>
+            <a:t>Client</a:t>
           </a:r>
           <a:endParaRPr lang="en-US" sz="3100" kern="1200" dirty="0"/>
         </a:p>
@@ -6105,7 +6362,11 @@
           </a:pPr>
           <a:r>
             <a:rPr lang="en-US" sz="2100" kern="1200" dirty="0" smtClean="0"/>
-            <a:t>Unpack JSON Into Local Storage</a:t>
+            <a:t>Unpack </a:t>
+          </a:r>
+          <a:r>
+            <a:rPr lang="en-US" sz="2100" kern="1200" dirty="0" smtClean="0"/>
+            <a:t>Pre-Parsed JSON</a:t>
           </a:r>
           <a:endParaRPr lang="en-US" sz="2100" kern="1200" dirty="0"/>
         </a:p>
@@ -6324,15 +6585,9 @@
           </a:pathLst>
         </a:custGeom>
         <a:noFill/>
-        <a:ln w="9525" cap="flat" cmpd="sng" algn="ctr">
+        <a:ln w="38100" cap="flat" cmpd="sng" algn="ctr">
           <a:solidFill>
-            <a:schemeClr val="accent3">
-              <a:tint val="70000"/>
-              <a:hueOff val="0"/>
-              <a:satOff val="0"/>
-              <a:lumOff val="0"/>
-              <a:alphaOff val="0"/>
-            </a:schemeClr>
+            <a:schemeClr val="accent2"/>
           </a:solidFill>
           <a:prstDash val="solid"/>
         </a:ln>
@@ -6390,59 +6645,26 @@
             <a:gd name="adj" fmla="val 10000"/>
           </a:avLst>
         </a:prstGeom>
-        <a:gradFill rotWithShape="0">
-          <a:gsLst>
-            <a:gs pos="0">
-              <a:schemeClr val="accent3">
-                <a:tint val="99000"/>
-                <a:hueOff val="0"/>
-                <a:satOff val="0"/>
-                <a:lumOff val="0"/>
-                <a:alphaOff val="0"/>
-                <a:tint val="100000"/>
-                <a:shade val="100000"/>
-                <a:satMod val="100000"/>
-                <a:lumMod val="90000"/>
-              </a:schemeClr>
-            </a:gs>
-            <a:gs pos="100000">
-              <a:schemeClr val="accent3">
-                <a:tint val="99000"/>
-                <a:hueOff val="0"/>
-                <a:satOff val="0"/>
-                <a:lumOff val="0"/>
-                <a:alphaOff val="0"/>
-                <a:tint val="95000"/>
-                <a:shade val="100000"/>
-                <a:satMod val="110000"/>
-                <a:lumMod val="105000"/>
-              </a:schemeClr>
-            </a:gs>
-          </a:gsLst>
-          <a:path path="circle">
-            <a:fillToRect l="40000" t="100000" r="40000" b="100000"/>
-          </a:path>
-        </a:gradFill>
-        <a:ln>
-          <a:noFill/>
+        <a:solidFill>
+          <a:schemeClr val="accent1"/>
+        </a:solidFill>
+        <a:ln w="25400" cap="flat" cmpd="sng" algn="ctr">
+          <a:solidFill>
+            <a:schemeClr val="lt1"/>
+          </a:solidFill>
+          <a:prstDash val="solid"/>
         </a:ln>
-        <a:effectLst>
-          <a:outerShdw blurRad="50800" dist="12700" dir="5400000" rotWithShape="0">
-            <a:srgbClr val="000000">
-              <a:alpha val="37000"/>
-            </a:srgbClr>
-          </a:outerShdw>
-        </a:effectLst>
+        <a:effectLst/>
       </dsp:spPr>
       <dsp:style>
-        <a:lnRef idx="0">
-          <a:scrgbClr r="0" g="0" b="0"/>
+        <a:lnRef idx="3">
+          <a:schemeClr val="lt1"/>
         </a:lnRef>
-        <a:fillRef idx="3">
-          <a:scrgbClr r="0" g="0" b="0"/>
+        <a:fillRef idx="1">
+          <a:schemeClr val="accent1"/>
         </a:fillRef>
-        <a:effectRef idx="2">
-          <a:scrgbClr r="0" g="0" b="0"/>
+        <a:effectRef idx="1">
+          <a:schemeClr val="accent1"/>
         </a:effectRef>
         <a:fontRef idx="minor">
           <a:schemeClr val="lt1"/>
@@ -11880,7 +12102,7 @@
           <a:p>
             <a:fld id="{3A4B4888-17FE-CA4E-8B53-0D9711543E69}" type="datetimeFigureOut">
               <a:rPr lang="en-US" smtClean="0"/>
-              <a:t>7/29/13</a:t>
+              <a:t>7/30/13</a:t>
             </a:fld>
             <a:endParaRPr lang="en-US"/>
           </a:p>
@@ -12192,28 +12414,29 @@
           <a:bodyPr/>
           <a:lstStyle/>
           <a:p>
-            <a:endParaRPr lang="en-US"/>
-          </a:p>
-          <a:p>
-            <a:r>
-              <a:rPr lang="en-US"/>
+            <a:endParaRPr lang="en-US" smtClean="0"/>
+          </a:p>
+          <a:p>
+            <a:r>
+              <a:rPr lang="en-US" smtClean="0"/>
               <a:t>----- Meeting Notes (7/29/13 14:56) -----</a:t>
             </a:r>
           </a:p>
           <a:p>
             <a:r>
-              <a:rPr lang="en-US"/>
+              <a:rPr lang="en-US" smtClean="0"/>
               <a:t>Thank you for coming</a:t>
             </a:r>
           </a:p>
           <a:p>
-            <a:endParaRPr lang="en-US"/>
-          </a:p>
-          <a:p>
-            <a:r>
-              <a:rPr lang="en-US"/>
+            <a:endParaRPr lang="en-US" smtClean="0"/>
+          </a:p>
+          <a:p>
+            <a:r>
+              <a:rPr lang="en-US" smtClean="0"/>
               <a:t>Have learned a lot, am here to showcase that knowledge as a data engineering intern for the past 8 weeks</a:t>
             </a:r>
+            <a:endParaRPr lang="en-US" dirty="0"/>
           </a:p>
         </p:txBody>
       </p:sp>
@@ -12302,13 +12525,22 @@
           <a:p>
             <a:r>
               <a:rPr lang="en-US"/>
-              <a:t>----- Meeting Notes (7/29/13 15:18) -----</a:t>
+              <a:t>----- Meeting Notes (7/29/13 15:35) -----</a:t>
             </a:r>
           </a:p>
           <a:p>
             <a:r>
               <a:rPr lang="en-US"/>
-              <a:t>What the old structure was like</a:t>
+              <a:t>For Motion Design Team: Analyzed Character Frequencies in Videos so that they could decide what types of characters to analyze when deciding upon fonts in videos</a:t>
+            </a:r>
+          </a:p>
+          <a:p>
+            <a:endParaRPr lang="en-US"/>
+          </a:p>
+          <a:p>
+            <a:r>
+              <a:rPr lang="en-US"/>
+              <a:t>As expected, the vast majority of the characters were in English, but there was a very wide variety of East Asian characters that had low frequencies each, but collectively a statistically significant chunk of the characters in use</a:t>
             </a:r>
           </a:p>
         </p:txBody>
@@ -12330,7 +12562,7 @@
           <a:p>
             <a:fld id="{0DF6DCD2-9341-4943-974F-8A7DB5210F84}" type="slidenum">
               <a:rPr lang="en-US" smtClean="0"/>
-              <a:t>10</a:t>
+              <a:t>11</a:t>
             </a:fld>
             <a:endParaRPr lang="en-US"/>
           </a:p>
@@ -12339,7 +12571,7 @@
     </p:spTree>
     <p:extLst>
       <p:ext uri="{BB962C8B-B14F-4D97-AF65-F5344CB8AC3E}">
-        <p14:creationId xmlns:p14="http://schemas.microsoft.com/office/powerpoint/2010/main" val="893480251"/>
+        <p14:creationId xmlns:p14="http://schemas.microsoft.com/office/powerpoint/2010/main" val="3867729835"/>
       </p:ext>
     </p:extLst>
   </p:cSld>
@@ -12398,13 +12630,31 @@
           <a:p>
             <a:r>
               <a:rPr lang="en-US"/>
-              <a:t>----- Meeting Notes (7/29/13 15:18) -----</a:t>
+              <a:t>----- Meeting Notes (7/29/13 15:51) -----</a:t>
             </a:r>
           </a:p>
           <a:p>
             <a:r>
               <a:rPr lang="en-US"/>
-              <a:t>New structure (explain the cyclic caching part)</a:t>
+              <a:t>Also analyzed record samples from autolaunch mongo database</a:t>
+            </a:r>
+          </a:p>
+          <a:p>
+            <a:endParaRPr lang="en-US"/>
+          </a:p>
+          <a:p>
+            <a:r>
+              <a:rPr lang="en-US"/>
+              <a:t>Developed a map-reduce mongo query that boiled samples down into summaries of how long we had each instance on</a:t>
+            </a:r>
+          </a:p>
+          <a:p>
+            <a:endParaRPr lang="en-US"/>
+          </a:p>
+          <a:p>
+            <a:r>
+              <a:rPr lang="en-US"/>
+              <a:t>These two things should be helpful in the ongoing analysis over our EC2 usage and efficiency questions</a:t>
             </a:r>
           </a:p>
         </p:txBody>
@@ -12426,7 +12676,7 @@
           <a:p>
             <a:fld id="{0DF6DCD2-9341-4943-974F-8A7DB5210F84}" type="slidenum">
               <a:rPr lang="en-US" smtClean="0"/>
-              <a:t>11</a:t>
+              <a:t>14</a:t>
             </a:fld>
             <a:endParaRPr lang="en-US"/>
           </a:p>
@@ -12435,7 +12685,7 @@
     </p:spTree>
     <p:extLst>
       <p:ext uri="{BB962C8B-B14F-4D97-AF65-F5344CB8AC3E}">
-        <p14:creationId xmlns:p14="http://schemas.microsoft.com/office/powerpoint/2010/main" val="233742100"/>
+        <p14:creationId xmlns:p14="http://schemas.microsoft.com/office/powerpoint/2010/main" val="1050165014"/>
       </p:ext>
     </p:extLst>
   </p:cSld>
@@ -12500,7 +12750,7 @@
           <a:p>
             <a:r>
               <a:rPr lang="en-US"/>
-              <a:t>Discuss Some of The More Insightful Database Queries</a:t>
+              <a:t>Discuss speeding up the dash</a:t>
             </a:r>
           </a:p>
         </p:txBody>
@@ -12522,7 +12772,7 @@
           <a:p>
             <a:fld id="{0DF6DCD2-9341-4943-974F-8A7DB5210F84}" type="slidenum">
               <a:rPr lang="en-US" smtClean="0"/>
-              <a:t>12</a:t>
+              <a:t>15</a:t>
             </a:fld>
             <a:endParaRPr lang="en-US"/>
           </a:p>
@@ -12531,7 +12781,7 @@
     </p:spTree>
     <p:extLst>
       <p:ext uri="{BB962C8B-B14F-4D97-AF65-F5344CB8AC3E}">
-        <p14:creationId xmlns:p14="http://schemas.microsoft.com/office/powerpoint/2010/main" val="606633037"/>
+        <p14:creationId xmlns:p14="http://schemas.microsoft.com/office/powerpoint/2010/main" val="1669450227"/>
       </p:ext>
     </p:extLst>
   </p:cSld>
@@ -12590,22 +12840,13 @@
           <a:p>
             <a:r>
               <a:rPr lang="en-US"/>
-              <a:t>----- Meeting Notes (7/29/13 15:35) -----</a:t>
+              <a:t>----- Meeting Notes (7/29/13 15:18) -----</a:t>
             </a:r>
           </a:p>
           <a:p>
             <a:r>
               <a:rPr lang="en-US"/>
-              <a:t>For Motion Design Team: Analyzed Character Frequencies in Videos so that they could decide what types of characters to analyze when deciding upon fonts in videos</a:t>
-            </a:r>
-          </a:p>
-          <a:p>
-            <a:endParaRPr lang="en-US"/>
-          </a:p>
-          <a:p>
-            <a:r>
-              <a:rPr lang="en-US"/>
-              <a:t>As expected, the vast majority of the characters were in English, but there was a very wide variety of East Asian characters that had low frequencies each, but collectively a statistically significant chunk of the characters in use</a:t>
+              <a:t>What the old structure was like</a:t>
             </a:r>
           </a:p>
         </p:txBody>
@@ -12627,7 +12868,7 @@
           <a:p>
             <a:fld id="{0DF6DCD2-9341-4943-974F-8A7DB5210F84}" type="slidenum">
               <a:rPr lang="en-US" smtClean="0"/>
-              <a:t>13</a:t>
+              <a:t>16</a:t>
             </a:fld>
             <a:endParaRPr lang="en-US"/>
           </a:p>
@@ -12636,7 +12877,7 @@
     </p:spTree>
     <p:extLst>
       <p:ext uri="{BB962C8B-B14F-4D97-AF65-F5344CB8AC3E}">
-        <p14:creationId xmlns:p14="http://schemas.microsoft.com/office/powerpoint/2010/main" val="3867729835"/>
+        <p14:creationId xmlns:p14="http://schemas.microsoft.com/office/powerpoint/2010/main" val="893480251"/>
       </p:ext>
     </p:extLst>
   </p:cSld>
@@ -12695,46 +12936,13 @@
           <a:p>
             <a:r>
               <a:rPr lang="en-US"/>
-              <a:t>----- Meeting Notes (7/29/13 15:35) -----</a:t>
+              <a:t>----- Meeting Notes (7/29/13 15:18) -----</a:t>
             </a:r>
           </a:p>
           <a:p>
             <a:r>
               <a:rPr lang="en-US"/>
-              <a:t>Evaluation of Efficacy of Creation Flow Release (iOS)</a:t>
-            </a:r>
-          </a:p>
-          <a:p>
-            <a:r>
-              <a:rPr lang="en-US"/>
-              <a:t>----- Meeting Notes (7/29/13 15:38) -----</a:t>
-            </a:r>
-          </a:p>
-          <a:p>
-            <a:r>
-              <a:rPr lang="en-US"/>
-              <a:t>These were the numbers we looked at for before and after the release of creation flow.</a:t>
-            </a:r>
-          </a:p>
-          <a:p>
-            <a:endParaRPr lang="en-US"/>
-          </a:p>
-          <a:p>
-            <a:r>
-              <a:rPr lang="en-US"/>
-              <a:t>In fact, creates per user went slightly down after the release of creation flow</a:t>
-            </a:r>
-          </a:p>
-          <a:p>
-            <a:r>
-              <a:rPr lang="en-US"/>
-              <a:t>----- Meeting Notes (7/29/13 15:42) -----</a:t>
-            </a:r>
-          </a:p>
-          <a:p>
-            <a:r>
-              <a:rPr lang="en-US"/>
-              <a:t>Still might be too early to draw conclusions however</a:t>
+              <a:t>New structure (explain the cyclic caching part)</a:t>
             </a:r>
           </a:p>
         </p:txBody>
@@ -12756,7 +12964,7 @@
           <a:p>
             <a:fld id="{0DF6DCD2-9341-4943-974F-8A7DB5210F84}" type="slidenum">
               <a:rPr lang="en-US" smtClean="0"/>
-              <a:t>14</a:t>
+              <a:t>17</a:t>
             </a:fld>
             <a:endParaRPr lang="en-US"/>
           </a:p>
@@ -12765,7 +12973,7 @@
     </p:spTree>
     <p:extLst>
       <p:ext uri="{BB962C8B-B14F-4D97-AF65-F5344CB8AC3E}">
-        <p14:creationId xmlns:p14="http://schemas.microsoft.com/office/powerpoint/2010/main" val="1568877308"/>
+        <p14:creationId xmlns:p14="http://schemas.microsoft.com/office/powerpoint/2010/main" val="233742100"/>
       </p:ext>
     </p:extLst>
   </p:cSld>
@@ -12824,22 +13032,13 @@
           <a:p>
             <a:r>
               <a:rPr lang="en-US"/>
-              <a:t>----- Meeting Notes (7/29/13 15:27) -----</a:t>
+              <a:t>----- Meeting Notes (7/29/13 15:42) -----</a:t>
             </a:r>
           </a:p>
           <a:p>
             <a:r>
               <a:rPr lang="en-US"/>
-              <a:t>Since Photograhers Use this feature more than expected, we can add print-ordering functionality (or however they seem to link their page) directly from the videos instead of through a normal page.</a:t>
-            </a:r>
-          </a:p>
-          <a:p>
-            <a:endParaRPr lang="en-US"/>
-          </a:p>
-          <a:p>
-            <a:r>
-              <a:rPr lang="en-US"/>
-              <a:t>Might be useful to analyze how businesses use this feature to link to different product pages, maybe use multiple CTAs for different demographics of user…?</a:t>
+              <a:t>Would like to bring attention to a subtle, but useful bug fix in statty2</a:t>
             </a:r>
           </a:p>
         </p:txBody>
@@ -12861,7 +13060,7 @@
           <a:p>
             <a:fld id="{0DF6DCD2-9341-4943-974F-8A7DB5210F84}" type="slidenum">
               <a:rPr lang="en-US" smtClean="0"/>
-              <a:t>15</a:t>
+              <a:t>18</a:t>
             </a:fld>
             <a:endParaRPr lang="en-US"/>
           </a:p>
@@ -12870,7 +13069,7 @@
     </p:spTree>
     <p:extLst>
       <p:ext uri="{BB962C8B-B14F-4D97-AF65-F5344CB8AC3E}">
-        <p14:creationId xmlns:p14="http://schemas.microsoft.com/office/powerpoint/2010/main" val="1420679728"/>
+        <p14:creationId xmlns:p14="http://schemas.microsoft.com/office/powerpoint/2010/main" val="3711920277"/>
       </p:ext>
     </p:extLst>
   </p:cSld>
@@ -12935,7 +13134,19 @@
           <a:p>
             <a:r>
               <a:rPr lang="en-US"/>
-              <a:t>Would like to bring attention to a subtle, but useful bug fix in statty2</a:t>
+              <a:t>Fixed the Bug where statty2 would reset the rollup (weekly, hourly, etc) upon changing and refreshing a different parameter.</a:t>
+            </a:r>
+          </a:p>
+          <a:p>
+            <a:r>
+              <a:rPr lang="en-US"/>
+              <a:t>----- Meeting Notes (7/29/13 15:44) -----</a:t>
+            </a:r>
+          </a:p>
+          <a:p>
+            <a:r>
+              <a:rPr lang="en-US"/>
+              <a:t>Was only a one-line fix, but took considerable time to track it down across the whole application</a:t>
             </a:r>
           </a:p>
         </p:txBody>
@@ -12957,7 +13168,7 @@
           <a:p>
             <a:fld id="{0DF6DCD2-9341-4943-974F-8A7DB5210F84}" type="slidenum">
               <a:rPr lang="en-US" smtClean="0"/>
-              <a:t>16</a:t>
+              <a:t>19</a:t>
             </a:fld>
             <a:endParaRPr lang="en-US"/>
           </a:p>
@@ -12966,7 +13177,7 @@
     </p:spTree>
     <p:extLst>
       <p:ext uri="{BB962C8B-B14F-4D97-AF65-F5344CB8AC3E}">
-        <p14:creationId xmlns:p14="http://schemas.microsoft.com/office/powerpoint/2010/main" val="3711920277"/>
+        <p14:creationId xmlns:p14="http://schemas.microsoft.com/office/powerpoint/2010/main" val="1636087448"/>
       </p:ext>
     </p:extLst>
   </p:cSld>
@@ -13025,25 +13236,13 @@
           <a:p>
             <a:r>
               <a:rPr lang="en-US"/>
-              <a:t>----- Meeting Notes (7/29/13 15:42) -----</a:t>
+              <a:t>----- Meeting Notes (7/29/13 15:45) -----</a:t>
             </a:r>
           </a:p>
           <a:p>
             <a:r>
               <a:rPr lang="en-US"/>
-              <a:t>Fixed the Bug where statty2 would reset the rollup (weekly, hourly, etc) upon changing and refreshing a different parameter.</a:t>
-            </a:r>
-          </a:p>
-          <a:p>
-            <a:r>
-              <a:rPr lang="en-US"/>
-              <a:t>----- Meeting Notes (7/29/13 15:44) -----</a:t>
-            </a:r>
-          </a:p>
-          <a:p>
-            <a:r>
-              <a:rPr lang="en-US"/>
-              <a:t>Was only a one-line fix, but took considerable time to track it down across the whole application</a:t>
+              <a:t>Now, that bug is fixed, should be a much better user experience for most</a:t>
             </a:r>
           </a:p>
         </p:txBody>
@@ -13065,7 +13264,7 @@
           <a:p>
             <a:fld id="{0DF6DCD2-9341-4943-974F-8A7DB5210F84}" type="slidenum">
               <a:rPr lang="en-US" smtClean="0"/>
-              <a:t>17</a:t>
+              <a:t>20</a:t>
             </a:fld>
             <a:endParaRPr lang="en-US"/>
           </a:p>
@@ -13074,7 +13273,7 @@
     </p:spTree>
     <p:extLst>
       <p:ext uri="{BB962C8B-B14F-4D97-AF65-F5344CB8AC3E}">
-        <p14:creationId xmlns:p14="http://schemas.microsoft.com/office/powerpoint/2010/main" val="1636087448"/>
+        <p14:creationId xmlns:p14="http://schemas.microsoft.com/office/powerpoint/2010/main" val="824746684"/>
       </p:ext>
     </p:extLst>
   </p:cSld>
@@ -13133,13 +13332,13 @@
           <a:p>
             <a:r>
               <a:rPr lang="en-US"/>
-              <a:t>----- Meeting Notes (7/29/13 15:45) -----</a:t>
+              <a:t>----- Meeting Notes (7/29/13 15:51) -----</a:t>
             </a:r>
           </a:p>
           <a:p>
             <a:r>
               <a:rPr lang="en-US"/>
-              <a:t>Now, that bug is fixed, should be a much better user experience for most</a:t>
+              <a:t>As part of an ongoing project, I did some work on analyzing our Amazon EC2 (cloud compute) usage in different ways</a:t>
             </a:r>
           </a:p>
         </p:txBody>
@@ -13161,7 +13360,7 @@
           <a:p>
             <a:fld id="{0DF6DCD2-9341-4943-974F-8A7DB5210F84}" type="slidenum">
               <a:rPr lang="en-US" smtClean="0"/>
-              <a:t>18</a:t>
+              <a:t>21</a:t>
             </a:fld>
             <a:endParaRPr lang="en-US"/>
           </a:p>
@@ -13170,7 +13369,7 @@
     </p:spTree>
     <p:extLst>
       <p:ext uri="{BB962C8B-B14F-4D97-AF65-F5344CB8AC3E}">
-        <p14:creationId xmlns:p14="http://schemas.microsoft.com/office/powerpoint/2010/main" val="824746684"/>
+        <p14:creationId xmlns:p14="http://schemas.microsoft.com/office/powerpoint/2010/main" val="2023545973"/>
       </p:ext>
     </p:extLst>
   </p:cSld>
@@ -13235,7 +13434,25 @@
           <a:p>
             <a:r>
               <a:rPr lang="en-US"/>
-              <a:t>As part of an ongoing project, I did some work on analyzing our Amazon EC2 (cloud compute) usage in different ways</a:t>
+              <a:t>Part of It–new report in statty2</a:t>
+            </a:r>
+          </a:p>
+          <a:p>
+            <a:endParaRPr lang="en-US"/>
+          </a:p>
+          <a:p>
+            <a:r>
+              <a:rPr lang="en-US"/>
+              <a:t>displays two new metrics (compute time per video length, and total render time)</a:t>
+            </a:r>
+          </a:p>
+          <a:p>
+            <a:endParaRPr lang="en-US"/>
+          </a:p>
+          <a:p>
+            <a:r>
+              <a:rPr lang="en-US"/>
+              <a:t>displays it for chosen time periods, can be broken down by any combination of style, format, subscription type, or nothing</a:t>
             </a:r>
           </a:p>
         </p:txBody>
@@ -13257,7 +13474,7 @@
           <a:p>
             <a:fld id="{0DF6DCD2-9341-4943-974F-8A7DB5210F84}" type="slidenum">
               <a:rPr lang="en-US" smtClean="0"/>
-              <a:t>19</a:t>
+              <a:t>22</a:t>
             </a:fld>
             <a:endParaRPr lang="en-US"/>
           </a:p>
@@ -13266,7 +13483,7 @@
     </p:spTree>
     <p:extLst>
       <p:ext uri="{BB962C8B-B14F-4D97-AF65-F5344CB8AC3E}">
-        <p14:creationId xmlns:p14="http://schemas.microsoft.com/office/powerpoint/2010/main" val="2023545973"/>
+        <p14:creationId xmlns:p14="http://schemas.microsoft.com/office/powerpoint/2010/main" val="3751877847"/>
       </p:ext>
     </p:extLst>
   </p:cSld>
@@ -13320,31 +13537,32 @@
           <a:bodyPr/>
           <a:lstStyle/>
           <a:p>
-            <a:endParaRPr lang="en-US"/>
-          </a:p>
-          <a:p>
-            <a:r>
-              <a:rPr lang="en-US"/>
+            <a:endParaRPr lang="en-US" smtClean="0"/>
+          </a:p>
+          <a:p>
+            <a:r>
+              <a:rPr lang="en-US" smtClean="0"/>
               <a:t>----- Meeting Notes (7/29/13 14:56) -----</a:t>
             </a:r>
           </a:p>
           <a:p>
             <a:r>
-              <a:rPr lang="en-US"/>
+              <a:rPr lang="en-US" smtClean="0"/>
               <a:t>To Give a </a:t>
             </a:r>
           </a:p>
           <a:p>
             <a:r>
-              <a:rPr lang="en-US"/>
+              <a:rPr lang="en-US" smtClean="0"/>
               <a:t>----- Meeting Notes (7/29/13 15:18) -----</a:t>
             </a:r>
           </a:p>
           <a:p>
             <a:r>
-              <a:rPr lang="en-US"/>
+              <a:rPr lang="en-US" smtClean="0"/>
               <a:t>Give a brief overview of what I will talk about today</a:t>
             </a:r>
+            <a:endParaRPr lang="en-US" dirty="0"/>
           </a:p>
         </p:txBody>
       </p:sp>
@@ -13439,25 +13657,7 @@
           <a:p>
             <a:r>
               <a:rPr lang="en-US"/>
-              <a:t>Part of It–new report in statty2</a:t>
-            </a:r>
-          </a:p>
-          <a:p>
-            <a:endParaRPr lang="en-US"/>
-          </a:p>
-          <a:p>
-            <a:r>
-              <a:rPr lang="en-US"/>
-              <a:t>displays two new metrics (compute time per video length, and total render time)</a:t>
-            </a:r>
-          </a:p>
-          <a:p>
-            <a:endParaRPr lang="en-US"/>
-          </a:p>
-          <a:p>
-            <a:r>
-              <a:rPr lang="en-US"/>
-              <a:t>displays it for chosen time periods, can be broken down by any combination of style, format, subscription type, or nothing</a:t>
+              <a:t>That brings me to the conclusion of my presentation. Does anyone have questions?</a:t>
             </a:r>
           </a:p>
         </p:txBody>
@@ -13479,217 +13679,7 @@
           <a:p>
             <a:fld id="{0DF6DCD2-9341-4943-974F-8A7DB5210F84}" type="slidenum">
               <a:rPr lang="en-US" smtClean="0"/>
-              <a:t>20</a:t>
-            </a:fld>
-            <a:endParaRPr lang="en-US"/>
-          </a:p>
-        </p:txBody>
-      </p:sp>
-    </p:spTree>
-    <p:extLst>
-      <p:ext uri="{BB962C8B-B14F-4D97-AF65-F5344CB8AC3E}">
-        <p14:creationId xmlns:p14="http://schemas.microsoft.com/office/powerpoint/2010/main" val="3751877847"/>
-      </p:ext>
-    </p:extLst>
-  </p:cSld>
-  <p:clrMapOvr>
-    <a:masterClrMapping/>
-  </p:clrMapOvr>
-</p:notes>
-</file>
-
-<file path=ppt/notesSlides/notesSlide21.xml><?xml version="1.0" encoding="utf-8"?>
-<p:notes xmlns:a="http://schemas.openxmlformats.org/drawingml/2006/main" xmlns:r="http://schemas.openxmlformats.org/officeDocument/2006/relationships" xmlns:p="http://schemas.openxmlformats.org/presentationml/2006/main">
-  <p:cSld>
-    <p:spTree>
-      <p:nvGrpSpPr>
-        <p:cNvPr id="1" name=""/>
-        <p:cNvGrpSpPr/>
-        <p:nvPr/>
-      </p:nvGrpSpPr>
-      <p:grpSpPr>
-        <a:xfrm>
-          <a:off x="0" y="0"/>
-          <a:ext cx="0" cy="0"/>
-          <a:chOff x="0" y="0"/>
-          <a:chExt cx="0" cy="0"/>
-        </a:xfrm>
-      </p:grpSpPr>
-      <p:sp>
-        <p:nvSpPr>
-          <p:cNvPr id="2" name="Slide Image Placeholder 1"/>
-          <p:cNvSpPr>
-            <a:spLocks noGrp="1" noRot="1" noChangeAspect="1"/>
-          </p:cNvSpPr>
-          <p:nvPr>
-            <p:ph type="sldImg"/>
-          </p:nvPr>
-        </p:nvSpPr>
-        <p:spPr/>
-      </p:sp>
-      <p:sp>
-        <p:nvSpPr>
-          <p:cNvPr id="3" name="Notes Placeholder 2"/>
-          <p:cNvSpPr>
-            <a:spLocks noGrp="1"/>
-          </p:cNvSpPr>
-          <p:nvPr>
-            <p:ph type="body" idx="1"/>
-          </p:nvPr>
-        </p:nvSpPr>
-        <p:spPr/>
-        <p:txBody>
-          <a:bodyPr/>
-          <a:lstStyle/>
-          <a:p>
-            <a:endParaRPr lang="en-US"/>
-          </a:p>
-          <a:p>
-            <a:r>
-              <a:rPr lang="en-US"/>
-              <a:t>----- Meeting Notes (7/29/13 15:51) -----</a:t>
-            </a:r>
-          </a:p>
-          <a:p>
-            <a:r>
-              <a:rPr lang="en-US"/>
-              <a:t>Also analyzed record samples from autolaunch mongo database</a:t>
-            </a:r>
-          </a:p>
-          <a:p>
-            <a:endParaRPr lang="en-US"/>
-          </a:p>
-          <a:p>
-            <a:r>
-              <a:rPr lang="en-US"/>
-              <a:t>Developed a map-reduce mongo query that boiled samples down into summaries of how long we had each instance on</a:t>
-            </a:r>
-          </a:p>
-          <a:p>
-            <a:endParaRPr lang="en-US"/>
-          </a:p>
-          <a:p>
-            <a:r>
-              <a:rPr lang="en-US"/>
-              <a:t>These two things should be helpful in the ongoing analysis over our EC2 usage and efficiency questions</a:t>
-            </a:r>
-          </a:p>
-        </p:txBody>
-      </p:sp>
-      <p:sp>
-        <p:nvSpPr>
-          <p:cNvPr id="4" name="Slide Number Placeholder 3"/>
-          <p:cNvSpPr>
-            <a:spLocks noGrp="1"/>
-          </p:cNvSpPr>
-          <p:nvPr>
-            <p:ph type="sldNum" sz="quarter" idx="10"/>
-          </p:nvPr>
-        </p:nvSpPr>
-        <p:spPr/>
-        <p:txBody>
-          <a:bodyPr/>
-          <a:lstStyle/>
-          <a:p>
-            <a:fld id="{0DF6DCD2-9341-4943-974F-8A7DB5210F84}" type="slidenum">
-              <a:rPr lang="en-US" smtClean="0"/>
-              <a:t>21</a:t>
-            </a:fld>
-            <a:endParaRPr lang="en-US"/>
-          </a:p>
-        </p:txBody>
-      </p:sp>
-    </p:spTree>
-    <p:extLst>
-      <p:ext uri="{BB962C8B-B14F-4D97-AF65-F5344CB8AC3E}">
-        <p14:creationId xmlns:p14="http://schemas.microsoft.com/office/powerpoint/2010/main" val="1050165014"/>
-      </p:ext>
-    </p:extLst>
-  </p:cSld>
-  <p:clrMapOvr>
-    <a:masterClrMapping/>
-  </p:clrMapOvr>
-</p:notes>
-</file>
-
-<file path=ppt/notesSlides/notesSlide22.xml><?xml version="1.0" encoding="utf-8"?>
-<p:notes xmlns:a="http://schemas.openxmlformats.org/drawingml/2006/main" xmlns:r="http://schemas.openxmlformats.org/officeDocument/2006/relationships" xmlns:p="http://schemas.openxmlformats.org/presentationml/2006/main">
-  <p:cSld>
-    <p:spTree>
-      <p:nvGrpSpPr>
-        <p:cNvPr id="1" name=""/>
-        <p:cNvGrpSpPr/>
-        <p:nvPr/>
-      </p:nvGrpSpPr>
-      <p:grpSpPr>
-        <a:xfrm>
-          <a:off x="0" y="0"/>
-          <a:ext cx="0" cy="0"/>
-          <a:chOff x="0" y="0"/>
-          <a:chExt cx="0" cy="0"/>
-        </a:xfrm>
-      </p:grpSpPr>
-      <p:sp>
-        <p:nvSpPr>
-          <p:cNvPr id="2" name="Slide Image Placeholder 1"/>
-          <p:cNvSpPr>
-            <a:spLocks noGrp="1" noRot="1" noChangeAspect="1"/>
-          </p:cNvSpPr>
-          <p:nvPr>
-            <p:ph type="sldImg"/>
-          </p:nvPr>
-        </p:nvSpPr>
-        <p:spPr/>
-      </p:sp>
-      <p:sp>
-        <p:nvSpPr>
-          <p:cNvPr id="3" name="Notes Placeholder 2"/>
-          <p:cNvSpPr>
-            <a:spLocks noGrp="1"/>
-          </p:cNvSpPr>
-          <p:nvPr>
-            <p:ph type="body" idx="1"/>
-          </p:nvPr>
-        </p:nvSpPr>
-        <p:spPr/>
-        <p:txBody>
-          <a:bodyPr/>
-          <a:lstStyle/>
-          <a:p>
-            <a:endParaRPr lang="en-US"/>
-          </a:p>
-          <a:p>
-            <a:r>
-              <a:rPr lang="en-US"/>
-              <a:t>----- Meeting Notes (7/29/13 15:51) -----</a:t>
-            </a:r>
-          </a:p>
-          <a:p>
-            <a:r>
-              <a:rPr lang="en-US"/>
-              <a:t>That brings me to the conclusion of my presentation. Does anyone have questions?</a:t>
-            </a:r>
-          </a:p>
-        </p:txBody>
-      </p:sp>
-      <p:sp>
-        <p:nvSpPr>
-          <p:cNvPr id="4" name="Slide Number Placeholder 3"/>
-          <p:cNvSpPr>
-            <a:spLocks noGrp="1"/>
-          </p:cNvSpPr>
-          <p:nvPr>
-            <p:ph type="sldNum" sz="quarter" idx="10"/>
-          </p:nvPr>
-        </p:nvSpPr>
-        <p:spPr/>
-        <p:txBody>
-          <a:bodyPr/>
-          <a:lstStyle/>
-          <a:p>
-            <a:fld id="{0DF6DCD2-9341-4943-974F-8A7DB5210F84}" type="slidenum">
-              <a:rPr lang="en-US" smtClean="0"/>
-              <a:t>22</a:t>
+              <a:t>23</a:t>
             </a:fld>
             <a:endParaRPr lang="en-US"/>
           </a:p>
@@ -13752,37 +13742,38 @@
           <a:bodyPr/>
           <a:lstStyle/>
           <a:p>
-            <a:endParaRPr lang="en-US"/>
-          </a:p>
-          <a:p>
-            <a:r>
-              <a:rPr lang="en-US"/>
+            <a:endParaRPr lang="en-US" smtClean="0"/>
+          </a:p>
+          <a:p>
+            <a:r>
+              <a:rPr lang="en-US" smtClean="0"/>
               <a:t>----- Meeting Notes (7/29/13 15:18) -----</a:t>
             </a:r>
           </a:p>
           <a:p>
             <a:r>
-              <a:rPr lang="en-US"/>
+              <a:rPr lang="en-US" smtClean="0"/>
               <a:t>From studies, know plenty of Java, fair bit of C</a:t>
             </a:r>
           </a:p>
           <a:p>
-            <a:endParaRPr lang="en-US"/>
-          </a:p>
-          <a:p>
-            <a:r>
-              <a:rPr lang="en-US"/>
+            <a:endParaRPr lang="en-US" smtClean="0"/>
+          </a:p>
+          <a:p>
+            <a:r>
+              <a:rPr lang="en-US" smtClean="0"/>
               <a:t>Never really looked at or studied high level languages (Ruby, R, etc)</a:t>
             </a:r>
           </a:p>
           <a:p>
-            <a:endParaRPr lang="en-US"/>
-          </a:p>
-          <a:p>
-            <a:r>
-              <a:rPr lang="en-US"/>
+            <a:endParaRPr lang="en-US" smtClean="0"/>
+          </a:p>
+          <a:p>
+            <a:r>
+              <a:rPr lang="en-US" smtClean="0"/>
               <a:t>Knew what databases where, but never "used" one or wrote queries or performed analytics through them</a:t>
             </a:r>
+            <a:endParaRPr lang="en-US" dirty="0"/>
           </a:p>
         </p:txBody>
       </p:sp>
@@ -13866,28 +13857,29 @@
           <a:bodyPr/>
           <a:lstStyle/>
           <a:p>
-            <a:endParaRPr lang="en-US"/>
-          </a:p>
-          <a:p>
-            <a:r>
-              <a:rPr lang="en-US"/>
+            <a:endParaRPr lang="en-US" smtClean="0"/>
+          </a:p>
+          <a:p>
+            <a:r>
+              <a:rPr lang="en-US" smtClean="0"/>
               <a:t>----- Meeting Notes (7/29/13 15:18) -----</a:t>
             </a:r>
           </a:p>
           <a:p>
             <a:r>
-              <a:rPr lang="en-US"/>
+              <a:rPr lang="en-US" smtClean="0"/>
               <a:t>Quickly Picked Up Ruby and R, learned a little JavaScript here and there</a:t>
             </a:r>
           </a:p>
           <a:p>
-            <a:endParaRPr lang="en-US"/>
-          </a:p>
-          <a:p>
-            <a:r>
-              <a:rPr lang="en-US"/>
+            <a:endParaRPr lang="en-US" smtClean="0"/>
+          </a:p>
+          <a:p>
+            <a:r>
+              <a:rPr lang="en-US" smtClean="0"/>
               <a:t>Learned how to use Git well (not a language, but very important to know for programming)</a:t>
             </a:r>
+            <a:endParaRPr lang="en-US" dirty="0"/>
           </a:p>
         </p:txBody>
       </p:sp>
@@ -13971,64 +13963,73 @@
           <a:bodyPr/>
           <a:lstStyle/>
           <a:p>
-            <a:endParaRPr lang="en-US"/>
-          </a:p>
-          <a:p>
-            <a:r>
-              <a:rPr lang="en-US"/>
+            <a:endParaRPr lang="en-US" dirty="0" smtClean="0"/>
+          </a:p>
+          <a:p>
+            <a:r>
+              <a:rPr lang="en-US" dirty="0" smtClean="0"/>
               <a:t>----- Meeting Notes (7/29/13 15:18) -----</a:t>
             </a:r>
           </a:p>
           <a:p>
             <a:r>
-              <a:rPr lang="en-US"/>
+              <a:rPr lang="en-US" dirty="0" smtClean="0"/>
               <a:t>Learned basic syntax and ruby ideas from Ruby The Hard Way</a:t>
             </a:r>
           </a:p>
           <a:p>
-            <a:endParaRPr lang="en-US"/>
-          </a:p>
-          <a:p>
-            <a:r>
-              <a:rPr lang="en-US"/>
+            <a:endParaRPr lang="en-US" dirty="0" smtClean="0"/>
+          </a:p>
+          <a:p>
+            <a:r>
+              <a:rPr lang="en-US" dirty="0" smtClean="0"/>
               <a:t>Technical Details About the Language: Ruby Programming Language Book</a:t>
             </a:r>
           </a:p>
           <a:p>
-            <a:endParaRPr lang="en-US"/>
-          </a:p>
-          <a:p>
-            <a:r>
-              <a:rPr lang="en-US"/>
+            <a:endParaRPr lang="en-US" dirty="0" smtClean="0"/>
+          </a:p>
+          <a:p>
+            <a:r>
+              <a:rPr lang="en-US" dirty="0" smtClean="0"/>
               <a:t>JavaScript: Bits and pieces from the internet, some semblance to Java</a:t>
             </a:r>
           </a:p>
           <a:p>
-            <a:endParaRPr lang="en-US"/>
-          </a:p>
-          <a:p>
-            <a:r>
-              <a:rPr lang="en-US"/>
-              <a:t>Of Course, can't forget about StackOverflow (immensely useful for little issues)</a:t>
-            </a:r>
-          </a:p>
-          <a:p>
-            <a:endParaRPr lang="en-US"/>
-          </a:p>
-          <a:p>
-            <a:r>
-              <a:rPr lang="en-US"/>
+            <a:endParaRPr lang="en-US" dirty="0" smtClean="0"/>
+          </a:p>
+          <a:p>
+            <a:r>
+              <a:rPr lang="en-US" dirty="0" smtClean="0"/>
+              <a:t>Of Course, can't forget about </a:t>
+            </a:r>
+            <a:r>
+              <a:rPr lang="en-US" dirty="0" err="1" smtClean="0"/>
+              <a:t>StackOverflow</a:t>
+            </a:r>
+            <a:r>
+              <a:rPr lang="en-US" dirty="0" smtClean="0"/>
+              <a:t> (immensely useful for little issues)</a:t>
+            </a:r>
+          </a:p>
+          <a:p>
+            <a:endParaRPr lang="en-US" dirty="0" smtClean="0"/>
+          </a:p>
+          <a:p>
+            <a:r>
+              <a:rPr lang="en-US" dirty="0" smtClean="0"/>
               <a:t>Comparison: I think high-level languages are great to get stuff done fast, at the expense of concreteness and speed (Ruby: different syntax styles across people, sometime unclear functions, lack of strong typing can cause confusion across large applications, very slow)</a:t>
             </a:r>
           </a:p>
           <a:p>
-            <a:endParaRPr lang="en-US"/>
-          </a:p>
-          <a:p>
-            <a:r>
-              <a:rPr lang="en-US"/>
+            <a:endParaRPr lang="en-US" dirty="0" smtClean="0"/>
+          </a:p>
+          <a:p>
+            <a:r>
+              <a:rPr lang="en-US" dirty="0" smtClean="0"/>
               <a:t>Lower level languages aren't perfect either (Java: very verbose, strong typing can get kind of annoying, lack of some cool built-in functions)</a:t>
             </a:r>
+            <a:endParaRPr lang="en-US" dirty="0"/>
           </a:p>
         </p:txBody>
       </p:sp>
@@ -14369,7 +14370,7 @@
           <a:p>
             <a:r>
               <a:rPr lang="en-US"/>
-              <a:t>Discuss speeding up the dash</a:t>
+              <a:t>Discuss Some of The More Insightful Database Queries</a:t>
             </a:r>
           </a:p>
         </p:txBody>
@@ -14400,7 +14401,7 @@
     </p:spTree>
     <p:extLst>
       <p:ext uri="{BB962C8B-B14F-4D97-AF65-F5344CB8AC3E}">
-        <p14:creationId xmlns:p14="http://schemas.microsoft.com/office/powerpoint/2010/main" val="1669450227"/>
+        <p14:creationId xmlns:p14="http://schemas.microsoft.com/office/powerpoint/2010/main" val="606633037"/>
       </p:ext>
     </p:extLst>
   </p:cSld>
@@ -14454,34 +14455,7 @@
           <a:bodyPr/>
           <a:lstStyle/>
           <a:p>
-            <a:endParaRPr lang="en-US"/>
-          </a:p>
-          <a:p>
-            <a:r>
-              <a:rPr lang="en-US"/>
-              <a:t>----- Meeting Notes (7/29/13 15:18) -----</a:t>
-            </a:r>
-          </a:p>
-          <a:p>
-            <a:r>
-              <a:rPr lang="en-US"/>
-              <a:t>Beginning: when user visited the site, the application would pull the data from API calls at that moment, perform data transforms in the browser in javascript, and use the d3 library for charting. Was Very slow.</a:t>
-            </a:r>
-          </a:p>
-          <a:p>
-            <a:r>
-              <a:rPr lang="en-US"/>
-              <a:t>Wasn't very scalable because of the large individual scripts used for each data source and the specificity of the JS file for each input source</a:t>
-            </a:r>
-          </a:p>
-          <a:p>
-            <a:endParaRPr lang="en-US"/>
-          </a:p>
-          <a:p>
-            <a:r>
-              <a:rPr lang="en-US"/>
-              <a:t>After: Stores required data on server periodically. Has more scalable, hierarchical structure for data exchange and integration, will migrate to NVD3 (better-looking charts and effects) for future charting</a:t>
-            </a:r>
+            <a:endParaRPr lang="en-US" dirty="0"/>
           </a:p>
         </p:txBody>
       </p:sp>
@@ -14511,7 +14485,7 @@
     </p:spTree>
     <p:extLst>
       <p:ext uri="{BB962C8B-B14F-4D97-AF65-F5344CB8AC3E}">
-        <p14:creationId xmlns:p14="http://schemas.microsoft.com/office/powerpoint/2010/main" val="3673919509"/>
+        <p14:creationId xmlns:p14="http://schemas.microsoft.com/office/powerpoint/2010/main" val="1420679728"/>
       </p:ext>
     </p:extLst>
   </p:cSld>
@@ -15017,7 +14991,7 @@
             <a:fld id="{25AE17C7-B787-4E50-994D-5E804113A1E9}" type="datetime4">
               <a:rPr lang="en-US" smtClean="0"/>
               <a:pPr/>
-              <a:t>July 29, 2013</a:t>
+              <a:t>July 30, 2013</a:t>
             </a:fld>
             <a:endParaRPr lang="en-US" dirty="0"/>
           </a:p>
@@ -15245,7 +15219,7 @@
             <a:fld id="{E694C003-38E8-486A-9BFD-47E55D87241C}" type="datetime1">
               <a:rPr lang="en-US" smtClean="0"/>
               <a:pPr/>
-              <a:t>7/29/13</a:t>
+              <a:t>7/30/13</a:t>
             </a:fld>
             <a:endParaRPr lang="en-US"/>
           </a:p>
@@ -15422,7 +15396,7 @@
             <a:fld id="{E059EAA3-934B-41DB-B3B1-806F4BE5CC37}" type="datetime1">
               <a:rPr lang="en-US" smtClean="0"/>
               <a:pPr/>
-              <a:t>7/29/13</a:t>
+              <a:t>7/30/13</a:t>
             </a:fld>
             <a:endParaRPr lang="en-US"/>
           </a:p>
@@ -15589,7 +15563,7 @@
             <a:fld id="{8F97F932-D99A-4087-BFB1-EA42FAFC8D2C}" type="datetime1">
               <a:rPr lang="en-US" smtClean="0"/>
               <a:pPr/>
-              <a:t>7/29/13</a:t>
+              <a:t>7/30/13</a:t>
             </a:fld>
             <a:endParaRPr lang="en-US"/>
           </a:p>
@@ -15832,7 +15806,7 @@
             <a:fld id="{679F0FCF-2EA5-4FF5-AF14-1CA9C8854AAB}" type="datetime4">
               <a:rPr lang="en-US" smtClean="0"/>
               <a:pPr/>
-              <a:t>July 29, 2013</a:t>
+              <a:t>July 30, 2013</a:t>
             </a:fld>
             <a:endParaRPr lang="en-US" dirty="0"/>
           </a:p>
@@ -15947,7 +15921,7 @@
             <a:fld id="{8FB3498D-21C7-408B-8EF5-5B55DEF0BFD5}" type="datetime1">
               <a:rPr lang="en-US" smtClean="0"/>
               <a:pPr/>
-              <a:t>7/29/13</a:t>
+              <a:t>7/30/13</a:t>
             </a:fld>
             <a:endParaRPr lang="en-US"/>
           </a:p>
@@ -16326,7 +16300,7 @@
             <a:fld id="{84DB246E-8FD1-42FF-94A4-E4133095C37A}" type="datetime1">
               <a:rPr lang="en-US" smtClean="0"/>
               <a:pPr/>
-              <a:t>7/29/13</a:t>
+              <a:t>7/30/13</a:t>
             </a:fld>
             <a:endParaRPr lang="en-US"/>
           </a:p>
@@ -21973,7 +21947,7 @@
             <a:fld id="{A93939D4-B818-4372-B1EE-7CB6D5BBC74A}" type="datetime1">
               <a:rPr lang="en-US" smtClean="0"/>
               <a:pPr/>
-              <a:t>7/29/13</a:t>
+              <a:t>7/30/13</a:t>
             </a:fld>
             <a:endParaRPr lang="en-US"/>
           </a:p>
@@ -22065,7 +22039,7 @@
             <a:fld id="{2F35E438-4D0D-4834-B658-A90420491D98}" type="datetime1">
               <a:rPr lang="en-US" smtClean="0"/>
               <a:pPr/>
-              <a:t>7/29/13</a:t>
+              <a:t>7/30/13</a:t>
             </a:fld>
             <a:endParaRPr lang="en-US"/>
           </a:p>
@@ -22339,7 +22313,7 @@
             <a:fld id="{76F8ADFA-7142-4015-85E6-1712F15FA709}" type="datetime1">
               <a:rPr lang="en-US" smtClean="0"/>
               <a:pPr/>
-              <a:t>7/29/13</a:t>
+              <a:t>7/30/13</a:t>
             </a:fld>
             <a:endParaRPr lang="en-US"/>
           </a:p>
@@ -22649,7 +22623,7 @@
             <a:fld id="{34A581E0-D653-4D78-A48F-41D80498BC7E}" type="datetime1">
               <a:rPr lang="en-US" smtClean="0"/>
               <a:pPr/>
-              <a:t>7/29/13</a:t>
+              <a:t>7/30/13</a:t>
             </a:fld>
             <a:endParaRPr lang="en-US"/>
           </a:p>
@@ -22888,7 +22862,7 @@
             <a:fld id="{8B3AFFF1-9C47-49F0-AE12-AF188F3F4E82}" type="datetime1">
               <a:rPr lang="en-US" smtClean="0"/>
               <a:pPr/>
-              <a:t>7/29/13</a:t>
+              <a:t>7/30/13</a:t>
             </a:fld>
             <a:endParaRPr lang="en-US" dirty="0"/>
           </a:p>
@@ -23412,15 +23386,7 @@
           <a:p>
             <a:r>
               <a:rPr lang="en-US" dirty="0" smtClean="0"/>
-              <a:t>8 </a:t>
-            </a:r>
-            <a:r>
-              <a:rPr lang="en-US" dirty="0" smtClean="0"/>
-              <a:t>Weeks </a:t>
-            </a:r>
-            <a:r>
-              <a:rPr lang="en-US" dirty="0" smtClean="0"/>
-              <a:t>at </a:t>
+              <a:t>8 Weeks at </a:t>
             </a:r>
             <a:r>
               <a:rPr lang="en-US" dirty="0"/>
@@ -23519,7 +23485,112 @@
           <a:p>
             <a:r>
               <a:rPr lang="en-US" dirty="0" smtClean="0"/>
-              <a:t>Structure–Before</a:t>
+              <a:t>CTA Usage</a:t>
+            </a:r>
+            <a:endParaRPr lang="en-US" dirty="0"/>
+          </a:p>
+        </p:txBody>
+      </p:sp>
+      <p:sp>
+        <p:nvSpPr>
+          <p:cNvPr id="3" name="Content Placeholder 2"/>
+          <p:cNvSpPr>
+            <a:spLocks noGrp="1"/>
+          </p:cNvSpPr>
+          <p:nvPr>
+            <p:ph idx="1"/>
+          </p:nvPr>
+        </p:nvSpPr>
+        <p:spPr/>
+        <p:txBody>
+          <a:bodyPr>
+            <a:normAutofit lnSpcReduction="10000"/>
+          </a:bodyPr>
+          <a:lstStyle/>
+          <a:p>
+            <a:pPr marL="0" indent="0">
+              <a:buNone/>
+            </a:pPr>
+            <a:r>
+              <a:rPr lang="en-US" dirty="0" smtClean="0"/>
+              <a:t>Approach to Challenges:</a:t>
+            </a:r>
+          </a:p>
+          <a:p>
+            <a:pPr lvl="1"/>
+            <a:r>
+              <a:rPr lang="en-US" dirty="0" smtClean="0"/>
+              <a:t>Use R (+</a:t>
+            </a:r>
+            <a:r>
+              <a:rPr lang="en-US" dirty="0" err="1" smtClean="0"/>
+              <a:t>rmysql</a:t>
+            </a:r>
+            <a:r>
+              <a:rPr lang="en-US" dirty="0" smtClean="0"/>
+              <a:t>) to query and reuse results across databases</a:t>
+            </a:r>
+          </a:p>
+          <a:p>
+            <a:pPr lvl="1"/>
+            <a:r>
+              <a:rPr lang="en-US" dirty="0" smtClean="0"/>
+              <a:t>Learn Regex to Deduce User Type From Multiple Columns</a:t>
+            </a:r>
+          </a:p>
+          <a:p>
+            <a:pPr marL="0" indent="0">
+              <a:buNone/>
+            </a:pPr>
+            <a:r>
+              <a:rPr lang="en-US" dirty="0" smtClean="0"/>
+              <a:t>Results:</a:t>
+            </a:r>
+            <a:endParaRPr lang="en-US" dirty="0"/>
+          </a:p>
+          <a:p>
+            <a:endParaRPr lang="en-US" dirty="0" smtClean="0"/>
+          </a:p>
+          <a:p>
+            <a:endParaRPr lang="en-US" dirty="0" smtClean="0"/>
+          </a:p>
+          <a:p>
+            <a:endParaRPr lang="en-US" dirty="0"/>
+          </a:p>
+          <a:p>
+            <a:pPr marL="0" indent="0">
+              <a:buNone/>
+            </a:pPr>
+            <a:r>
+              <a:rPr lang="en-US" dirty="0"/>
+              <a:t>Conclusions: </a:t>
+            </a:r>
+            <a:r>
+              <a:rPr lang="en-US" dirty="0" smtClean="0"/>
+              <a:t>Surprisingly High Number of Photographers and Businesses Use The Feature, Should Investigate How To Repackage It</a:t>
+            </a:r>
+            <a:endParaRPr lang="en-US" dirty="0"/>
+          </a:p>
+        </p:txBody>
+      </p:sp>
+      <p:sp>
+        <p:nvSpPr>
+          <p:cNvPr id="4" name="Text Placeholder 3"/>
+          <p:cNvSpPr>
+            <a:spLocks noGrp="1"/>
+          </p:cNvSpPr>
+          <p:nvPr>
+            <p:ph type="body" sz="half" idx="2"/>
+          </p:nvPr>
+        </p:nvSpPr>
+        <p:spPr/>
+        <p:txBody>
+          <a:bodyPr/>
+          <a:lstStyle/>
+          <a:p>
+            <a:r>
+              <a:rPr lang="en-US" dirty="0"/>
+              <a:t>For Tom Clifton to Evaluate the Feature</a:t>
             </a:r>
             <a:endParaRPr lang="en-US" dirty="0"/>
           </a:p>
@@ -23527,33 +23598,224 @@
       </p:sp>
       <p:graphicFrame>
         <p:nvGraphicFramePr>
-          <p:cNvPr id="8" name="Content Placeholder 7"/>
+          <p:cNvPr id="5" name="Table 4"/>
           <p:cNvGraphicFramePr>
             <a:graphicFrameLocks noGrp="1"/>
           </p:cNvGraphicFramePr>
           <p:nvPr>
-            <p:ph idx="1"/>
             <p:extLst>
               <p:ext uri="{D42A27DB-BD31-4B8C-83A1-F6EECF244321}">
-                <p14:modId xmlns:p14="http://schemas.microsoft.com/office/powerpoint/2010/main" val="3454548103"/>
+                <p14:modId xmlns:p14="http://schemas.microsoft.com/office/powerpoint/2010/main" val="3772070190"/>
               </p:ext>
             </p:extLst>
           </p:nvPr>
         </p:nvGraphicFramePr>
         <p:xfrm>
-          <a:off x="838200" y="2038388"/>
-          <a:ext cx="7467600" cy="3951337"/>
+          <a:off x="4543943" y="3081628"/>
+          <a:ext cx="3387810" cy="1097280"/>
         </p:xfrm>
         <a:graphic>
-          <a:graphicData uri="http://schemas.openxmlformats.org/drawingml/2006/diagram">
-            <dgm:relIds xmlns:dgm="http://schemas.openxmlformats.org/drawingml/2006/diagram" xmlns:r="http://schemas.openxmlformats.org/officeDocument/2006/relationships" r:dm="rId3" r:lo="rId4" r:qs="rId5" r:cs="rId6"/>
+          <a:graphicData uri="http://schemas.openxmlformats.org/drawingml/2006/table">
+            <a:tbl>
+              <a:tblPr firstRow="1" bandRow="1">
+                <a:tableStyleId>{5C22544A-7EE6-4342-B048-85BDC9FD1C3A}</a:tableStyleId>
+              </a:tblPr>
+              <a:tblGrid>
+                <a:gridCol w="1129270"/>
+                <a:gridCol w="1129270"/>
+                <a:gridCol w="1129270"/>
+              </a:tblGrid>
+              <a:tr h="273104">
+                <a:tc>
+                  <a:txBody>
+                    <a:bodyPr/>
+                    <a:lstStyle/>
+                    <a:p>
+                      <a:r>
+                        <a:rPr lang="en-US" sz="1200" dirty="0" smtClean="0"/>
+                        <a:t>User</a:t>
+                      </a:r>
+                      <a:r>
+                        <a:rPr lang="en-US" sz="1200" baseline="0" dirty="0" smtClean="0"/>
+                        <a:t> Type</a:t>
+                      </a:r>
+                      <a:endParaRPr lang="en-US" sz="1200" dirty="0"/>
+                    </a:p>
+                  </a:txBody>
+                  <a:tcPr/>
+                </a:tc>
+                <a:tc>
+                  <a:txBody>
+                    <a:bodyPr/>
+                    <a:lstStyle/>
+                    <a:p>
+                      <a:r>
+                        <a:rPr lang="en-US" sz="1200" dirty="0" smtClean="0"/>
+                        <a:t>%</a:t>
+                      </a:r>
+                      <a:r>
+                        <a:rPr lang="en-US" sz="1200" baseline="0" dirty="0" smtClean="0"/>
+                        <a:t> of Users</a:t>
+                      </a:r>
+                      <a:endParaRPr lang="en-US" sz="1200" dirty="0"/>
+                    </a:p>
+                  </a:txBody>
+                  <a:tcPr/>
+                </a:tc>
+                <a:tc>
+                  <a:txBody>
+                    <a:bodyPr/>
+                    <a:lstStyle/>
+                    <a:p>
+                      <a:r>
+                        <a:rPr lang="en-US" sz="1200" dirty="0" smtClean="0"/>
+                        <a:t>% of Videos</a:t>
+                      </a:r>
+                      <a:endParaRPr lang="en-US" sz="1200" dirty="0"/>
+                    </a:p>
+                  </a:txBody>
+                  <a:tcPr/>
+                </a:tc>
+              </a:tr>
+              <a:tr h="273104">
+                <a:tc>
+                  <a:txBody>
+                    <a:bodyPr/>
+                    <a:lstStyle/>
+                    <a:p>
+                      <a:r>
+                        <a:rPr lang="en-US" sz="1200" dirty="0" smtClean="0"/>
+                        <a:t>Personal</a:t>
+                      </a:r>
+                    </a:p>
+                  </a:txBody>
+                  <a:tcPr/>
+                </a:tc>
+                <a:tc>
+                  <a:txBody>
+                    <a:bodyPr/>
+                    <a:lstStyle/>
+                    <a:p>
+                      <a:r>
+                        <a:rPr lang="en-US" sz="1200" dirty="0" smtClean="0"/>
+                        <a:t>1</a:t>
+                      </a:r>
+                      <a:endParaRPr lang="en-US" sz="1200" dirty="0"/>
+                    </a:p>
+                  </a:txBody>
+                  <a:tcPr/>
+                </a:tc>
+                <a:tc>
+                  <a:txBody>
+                    <a:bodyPr/>
+                    <a:lstStyle/>
+                    <a:p>
+                      <a:r>
+                        <a:rPr lang="en-US" sz="1200" dirty="0" smtClean="0"/>
+                        <a:t>0.67</a:t>
+                      </a:r>
+                      <a:endParaRPr lang="en-US" sz="1200" dirty="0"/>
+                    </a:p>
+                  </a:txBody>
+                  <a:tcPr/>
+                </a:tc>
+              </a:tr>
+              <a:tr h="273104">
+                <a:tc>
+                  <a:txBody>
+                    <a:bodyPr/>
+                    <a:lstStyle/>
+                    <a:p>
+                      <a:r>
+                        <a:rPr lang="en-US" sz="1200" dirty="0" smtClean="0"/>
+                        <a:t>Business</a:t>
+                      </a:r>
+                      <a:endParaRPr lang="en-US" sz="1200" dirty="0"/>
+                    </a:p>
+                  </a:txBody>
+                  <a:tcPr/>
+                </a:tc>
+                <a:tc>
+                  <a:txBody>
+                    <a:bodyPr/>
+                    <a:lstStyle/>
+                    <a:p>
+                      <a:r>
+                        <a:rPr lang="en-US" sz="1200" dirty="0" smtClean="0"/>
+                        <a:t>5.2</a:t>
+                      </a:r>
+                      <a:endParaRPr lang="en-US" sz="1200" dirty="0"/>
+                    </a:p>
+                  </a:txBody>
+                  <a:tcPr/>
+                </a:tc>
+                <a:tc>
+                  <a:txBody>
+                    <a:bodyPr/>
+                    <a:lstStyle/>
+                    <a:p>
+                      <a:r>
+                        <a:rPr lang="en-US" sz="1200" dirty="0" smtClean="0"/>
+                        <a:t>6.91</a:t>
+                      </a:r>
+                      <a:endParaRPr lang="en-US" sz="1200" dirty="0"/>
+                    </a:p>
+                  </a:txBody>
+                  <a:tcPr/>
+                </a:tc>
+              </a:tr>
+              <a:tr h="273104">
+                <a:tc>
+                  <a:txBody>
+                    <a:bodyPr/>
+                    <a:lstStyle/>
+                    <a:p>
+                      <a:r>
+                        <a:rPr lang="en-US" sz="1200" dirty="0" smtClean="0"/>
+                        <a:t>Photography</a:t>
+                      </a:r>
+                      <a:endParaRPr lang="en-US" sz="1200" dirty="0"/>
+                    </a:p>
+                  </a:txBody>
+                  <a:tcPr/>
+                </a:tc>
+                <a:tc>
+                  <a:txBody>
+                    <a:bodyPr/>
+                    <a:lstStyle/>
+                    <a:p>
+                      <a:r>
+                        <a:rPr lang="en-US" sz="1200" dirty="0" smtClean="0"/>
+                        <a:t>8.1</a:t>
+                      </a:r>
+                      <a:endParaRPr lang="en-US" sz="1200" dirty="0"/>
+                    </a:p>
+                  </a:txBody>
+                  <a:tcPr/>
+                </a:tc>
+                <a:tc>
+                  <a:txBody>
+                    <a:bodyPr/>
+                    <a:lstStyle/>
+                    <a:p>
+                      <a:r>
+                        <a:rPr lang="en-US" sz="1200" dirty="0" smtClean="0"/>
+                        <a:t>9.95</a:t>
+                      </a:r>
+                      <a:endParaRPr lang="en-US" sz="1200" dirty="0"/>
+                    </a:p>
+                  </a:txBody>
+                  <a:tcPr/>
+                </a:tc>
+              </a:tr>
+            </a:tbl>
           </a:graphicData>
         </a:graphic>
       </p:graphicFrame>
     </p:spTree>
     <p:extLst>
       <p:ext uri="{BB962C8B-B14F-4D97-AF65-F5344CB8AC3E}">
-        <p14:creationId xmlns:p14="http://schemas.microsoft.com/office/powerpoint/2010/main" val="65765033"/>
+        <p14:creationId xmlns:p14="http://schemas.microsoft.com/office/powerpoint/2010/main" val="2190179628"/>
       </p:ext>
     </p:extLst>
   </p:cSld>
@@ -23589,7 +23851,7 @@
       </p:grpSpPr>
       <p:sp>
         <p:nvSpPr>
-          <p:cNvPr id="2" name="Title 1"/>
+          <p:cNvPr id="5" name="Title 4"/>
           <p:cNvSpPr>
             <a:spLocks noGrp="1"/>
           </p:cNvSpPr>
@@ -23597,227 +23859,155 @@
             <p:ph type="title"/>
           </p:nvPr>
         </p:nvSpPr>
-        <p:spPr>
-          <a:xfrm>
-            <a:off x="551280" y="23238"/>
-            <a:ext cx="8041440" cy="1442674"/>
-          </a:xfrm>
-        </p:spPr>
+        <p:spPr/>
         <p:txBody>
           <a:bodyPr/>
           <a:lstStyle/>
           <a:p>
             <a:r>
               <a:rPr lang="en-US" dirty="0" smtClean="0"/>
-              <a:t>Structure–After</a:t>
+              <a:t>Character Usage in Videos</a:t>
             </a:r>
             <a:endParaRPr lang="en-US" dirty="0"/>
-          </a:p>
-        </p:txBody>
-      </p:sp>
-      <p:graphicFrame>
-        <p:nvGraphicFramePr>
-          <p:cNvPr id="6" name="Diagram 5"/>
-          <p:cNvGraphicFramePr/>
-          <p:nvPr>
-            <p:extLst>
-              <p:ext uri="{D42A27DB-BD31-4B8C-83A1-F6EECF244321}">
-                <p14:modId xmlns:p14="http://schemas.microsoft.com/office/powerpoint/2010/main" val="3095631917"/>
-              </p:ext>
-            </p:extLst>
-          </p:nvPr>
-        </p:nvGraphicFramePr>
-        <p:xfrm>
-          <a:off x="50731" y="1470129"/>
-          <a:ext cx="9003753" cy="5236106"/>
-        </p:xfrm>
-        <a:graphic>
-          <a:graphicData uri="http://schemas.openxmlformats.org/drawingml/2006/diagram">
-            <dgm:relIds xmlns:dgm="http://schemas.openxmlformats.org/drawingml/2006/diagram" xmlns:r="http://schemas.openxmlformats.org/officeDocument/2006/relationships" r:dm="rId3" r:lo="rId4" r:qs="rId5" r:cs="rId6"/>
-          </a:graphicData>
-        </a:graphic>
-      </p:graphicFrame>
-      <p:graphicFrame>
-        <p:nvGraphicFramePr>
-          <p:cNvPr id="4" name="Content Placeholder 3"/>
-          <p:cNvGraphicFramePr>
-            <a:graphicFrameLocks noGrp="1"/>
-          </p:cNvGraphicFramePr>
-          <p:nvPr>
-            <p:ph idx="1"/>
-            <p:extLst>
-              <p:ext uri="{D42A27DB-BD31-4B8C-83A1-F6EECF244321}">
-                <p14:modId xmlns:p14="http://schemas.microsoft.com/office/powerpoint/2010/main" val="1047139655"/>
-              </p:ext>
-            </p:extLst>
-          </p:nvPr>
-        </p:nvGraphicFramePr>
-        <p:xfrm>
-          <a:off x="67045" y="2589883"/>
-          <a:ext cx="2837965" cy="2848644"/>
-        </p:xfrm>
-        <a:graphic>
-          <a:graphicData uri="http://schemas.openxmlformats.org/drawingml/2006/diagram">
-            <dgm:relIds xmlns:dgm="http://schemas.openxmlformats.org/drawingml/2006/diagram" xmlns:r="http://schemas.openxmlformats.org/officeDocument/2006/relationships" r:dm="rId8" r:lo="rId9" r:qs="rId10" r:cs="rId11"/>
-          </a:graphicData>
-        </a:graphic>
-      </p:graphicFrame>
-      <p:cxnSp>
-        <p:nvCxnSpPr>
-          <p:cNvPr id="8" name="Straight Connector 7"/>
-          <p:cNvCxnSpPr/>
-          <p:nvPr/>
-        </p:nvCxnSpPr>
-        <p:spPr>
-          <a:xfrm flipV="1">
-            <a:off x="1472960" y="3554401"/>
-            <a:ext cx="1916351" cy="533534"/>
-          </a:xfrm>
-          <a:prstGeom prst="line">
-            <a:avLst/>
-          </a:prstGeom>
-          <a:ln w="9525" cmpd="sng"/>
-        </p:spPr>
-        <p:style>
-          <a:lnRef idx="2">
-            <a:schemeClr val="accent3"/>
-          </a:lnRef>
-          <a:fillRef idx="0">
-            <a:schemeClr val="accent3"/>
-          </a:fillRef>
-          <a:effectRef idx="1">
-            <a:schemeClr val="accent3"/>
-          </a:effectRef>
-          <a:fontRef idx="minor">
-            <a:schemeClr val="tx1"/>
-          </a:fontRef>
-        </p:style>
-      </p:cxnSp>
-      <p:sp>
-        <p:nvSpPr>
-          <p:cNvPr id="10" name="Left Bracket 9"/>
-          <p:cNvSpPr/>
-          <p:nvPr/>
-        </p:nvSpPr>
-        <p:spPr>
-          <a:xfrm rot="5400000">
-            <a:off x="1135385" y="900521"/>
-            <a:ext cx="546804" cy="2683484"/>
-          </a:xfrm>
-          <a:prstGeom prst="leftBracket">
-            <a:avLst/>
-          </a:prstGeom>
-          <a:ln/>
-        </p:spPr>
-        <p:style>
-          <a:lnRef idx="2">
-            <a:schemeClr val="dk1"/>
-          </a:lnRef>
-          <a:fillRef idx="0">
-            <a:schemeClr val="dk1"/>
-          </a:fillRef>
-          <a:effectRef idx="1">
-            <a:schemeClr val="dk1"/>
-          </a:effectRef>
-          <a:fontRef idx="minor">
-            <a:schemeClr val="tx1"/>
-          </a:fontRef>
-        </p:style>
-        <p:txBody>
-          <a:bodyPr/>
-          <a:lstStyle/>
-          <a:p>
-            <a:endParaRPr lang="en-US">
-              <a:solidFill>
-                <a:schemeClr val="accent3"/>
-              </a:solidFill>
-            </a:endParaRPr>
           </a:p>
         </p:txBody>
       </p:sp>
       <p:sp>
         <p:nvSpPr>
-          <p:cNvPr id="11" name="TextBox 10"/>
-          <p:cNvSpPr txBox="1"/>
-          <p:nvPr/>
+          <p:cNvPr id="7" name="Content Placeholder 6"/>
+          <p:cNvSpPr>
+            <a:spLocks noGrp="1"/>
+          </p:cNvSpPr>
+          <p:nvPr>
+            <p:ph idx="1"/>
+          </p:nvPr>
         </p:nvSpPr>
-        <p:spPr>
-          <a:xfrm>
-            <a:off x="277469" y="864177"/>
-            <a:ext cx="2262636" cy="923330"/>
-          </a:xfrm>
-          <a:prstGeom prst="rect">
-            <a:avLst/>
-          </a:prstGeom>
-        </p:spPr>
-        <p:style>
-          <a:lnRef idx="2">
-            <a:schemeClr val="accent3">
-              <a:shade val="50000"/>
-            </a:schemeClr>
-          </a:lnRef>
-          <a:fillRef idx="1">
-            <a:schemeClr val="accent3"/>
-          </a:fillRef>
-          <a:effectRef idx="0">
-            <a:schemeClr val="accent3"/>
-          </a:effectRef>
-          <a:fontRef idx="minor">
-            <a:schemeClr val="lt1"/>
-          </a:fontRef>
-        </p:style>
+        <p:spPr/>
         <p:txBody>
-          <a:bodyPr wrap="square" rtlCol="0">
-            <a:spAutoFit/>
+          <a:bodyPr>
+            <a:normAutofit fontScale="85000" lnSpcReduction="10000"/>
           </a:bodyPr>
           <a:lstStyle/>
           <a:p>
-            <a:pPr algn="ctr"/>
+            <a:pPr marL="0" indent="0">
+              <a:buNone/>
+            </a:pPr>
             <a:r>
               <a:rPr lang="en-US" dirty="0" smtClean="0"/>
-              <a:t>Automatically Done Every 15 Minutes on The Server</a:t>
+              <a:t>How Often Does Each Character Appear Across All The Text In Videos?</a:t>
+            </a:r>
+          </a:p>
+          <a:p>
+            <a:pPr marL="0" indent="0">
+              <a:buNone/>
+            </a:pPr>
+            <a:endParaRPr lang="en-US" dirty="0" smtClean="0"/>
+          </a:p>
+          <a:p>
+            <a:pPr marL="0" indent="0">
+              <a:buNone/>
+            </a:pPr>
+            <a:r>
+              <a:rPr lang="en-US" dirty="0" smtClean="0"/>
+              <a:t>Challenges:</a:t>
+            </a:r>
+          </a:p>
+          <a:p>
+            <a:pPr lvl="1"/>
+            <a:r>
+              <a:rPr lang="en-US" dirty="0" smtClean="0"/>
+              <a:t>Lack of Library Support to Parse CSV Files Encoded in UTF-8</a:t>
+            </a:r>
+          </a:p>
+          <a:p>
+            <a:pPr lvl="1"/>
+            <a:r>
+              <a:rPr lang="en-US" dirty="0" smtClean="0"/>
+              <a:t>Forcing </a:t>
+            </a:r>
+            <a:r>
+              <a:rPr lang="en-US" dirty="0" smtClean="0"/>
+              <a:t>Java (</a:t>
+            </a:r>
+            <a:r>
+              <a:rPr lang="en-US" dirty="0" err="1" smtClean="0"/>
+              <a:t>MacRoman</a:t>
+            </a:r>
+            <a:r>
+              <a:rPr lang="en-US" dirty="0" smtClean="0"/>
+              <a:t>) to Interpret Input and Write Output as UTF-</a:t>
+            </a:r>
+            <a:r>
+              <a:rPr lang="en-US" dirty="0" smtClean="0"/>
+              <a:t>8</a:t>
+            </a:r>
+          </a:p>
+          <a:p>
+            <a:pPr lvl="1"/>
+            <a:r>
+              <a:rPr lang="en-US" dirty="0" smtClean="0"/>
+              <a:t>Dealing </a:t>
+            </a:r>
+            <a:r>
+              <a:rPr lang="en-US" dirty="0" smtClean="0"/>
+              <a:t>With Right-to-Left </a:t>
+            </a:r>
+            <a:r>
+              <a:rPr lang="en-US" dirty="0" smtClean="0"/>
+              <a:t>Characters</a:t>
+            </a:r>
+          </a:p>
+          <a:p>
+            <a:pPr lvl="1"/>
+            <a:endParaRPr lang="en-US" dirty="0" smtClean="0"/>
+          </a:p>
+          <a:p>
+            <a:pPr marL="0" indent="0">
+              <a:buNone/>
+            </a:pPr>
+            <a:r>
+              <a:rPr lang="en-US" dirty="0" smtClean="0"/>
+              <a:t>Results: English Characters Vast Majority, but wide variety of Japanese, Korean, and Chinese Characters Also Need to be Considered When Choosing Fonts</a:t>
             </a:r>
             <a:endParaRPr lang="en-US" dirty="0"/>
           </a:p>
         </p:txBody>
       </p:sp>
-      <p:cxnSp>
-        <p:nvCxnSpPr>
-          <p:cNvPr id="13" name="Straight Connector 12"/>
-          <p:cNvCxnSpPr>
-            <a:stCxn id="11" idx="2"/>
-            <a:endCxn id="10" idx="1"/>
-          </p:cNvCxnSpPr>
-          <p:nvPr/>
-        </p:nvCxnSpPr>
-        <p:spPr>
-          <a:xfrm>
-            <a:off x="1408787" y="1787507"/>
-            <a:ext cx="0" cy="181354"/>
-          </a:xfrm>
-          <a:prstGeom prst="line">
-            <a:avLst/>
-          </a:prstGeom>
-        </p:spPr>
-        <p:style>
-          <a:lnRef idx="2">
-            <a:schemeClr val="dk1"/>
-          </a:lnRef>
-          <a:fillRef idx="0">
-            <a:schemeClr val="dk1"/>
-          </a:fillRef>
-          <a:effectRef idx="1">
-            <a:schemeClr val="dk1"/>
-          </a:effectRef>
-          <a:fontRef idx="minor">
-            <a:schemeClr val="tx1"/>
-          </a:fontRef>
-        </p:style>
-      </p:cxnSp>
+      <p:sp>
+        <p:nvSpPr>
+          <p:cNvPr id="8" name="Text Placeholder 7"/>
+          <p:cNvSpPr>
+            <a:spLocks noGrp="1"/>
+          </p:cNvSpPr>
+          <p:nvPr>
+            <p:ph type="body" sz="half" idx="2"/>
+          </p:nvPr>
+        </p:nvSpPr>
+        <p:spPr/>
+        <p:txBody>
+          <a:bodyPr/>
+          <a:lstStyle/>
+          <a:p>
+            <a:r>
+              <a:rPr lang="en-US" dirty="0" smtClean="0"/>
+              <a:t>For the Motion Design Team to </a:t>
+            </a:r>
+            <a:r>
+              <a:rPr lang="en-US" dirty="0" smtClean="0"/>
+              <a:t>Evaluate </a:t>
+            </a:r>
+            <a:r>
+              <a:rPr lang="en-US" dirty="0" smtClean="0"/>
+              <a:t>Rendering Quality of Fonts Over Different Character Planes</a:t>
+            </a:r>
+            <a:endParaRPr lang="en-US" dirty="0"/>
+          </a:p>
+        </p:txBody>
+      </p:sp>
     </p:spTree>
     <p:extLst>
       <p:ext uri="{BB962C8B-B14F-4D97-AF65-F5344CB8AC3E}">
-        <p14:creationId xmlns:p14="http://schemas.microsoft.com/office/powerpoint/2010/main" val="4132410347"/>
+        <p14:creationId xmlns:p14="http://schemas.microsoft.com/office/powerpoint/2010/main" val="2382453600"/>
       </p:ext>
     </p:extLst>
   </p:cSld>
@@ -23867,10 +24057,98 @@
           <a:lstStyle/>
           <a:p>
             <a:r>
+              <a:rPr lang="en-US" dirty="0"/>
+              <a:t>Character Usage in Videos</a:t>
+            </a:r>
+          </a:p>
+        </p:txBody>
+      </p:sp>
+      <p:sp>
+        <p:nvSpPr>
+          <p:cNvPr id="3" name="Content Placeholder 2"/>
+          <p:cNvSpPr>
+            <a:spLocks noGrp="1"/>
+          </p:cNvSpPr>
+          <p:nvPr>
+            <p:ph idx="1"/>
+          </p:nvPr>
+        </p:nvSpPr>
+        <p:spPr/>
+        <p:txBody>
+          <a:bodyPr>
+            <a:normAutofit lnSpcReduction="10000"/>
+          </a:bodyPr>
+          <a:lstStyle/>
+          <a:p>
+            <a:pPr marL="0" indent="0">
+              <a:buNone/>
+            </a:pPr>
+            <a:r>
               <a:rPr lang="en-US" dirty="0" smtClean="0"/>
-              <a:t>Database Queries For Different People</a:t>
-            </a:r>
-            <a:endParaRPr lang="en-US" dirty="0"/>
+              <a:t>Approach to Challenges:</a:t>
+            </a:r>
+          </a:p>
+          <a:p>
+            <a:pPr lvl="1"/>
+            <a:r>
+              <a:rPr lang="en-US" dirty="0" smtClean="0"/>
+              <a:t>Build UTF-8 CSV Parser From Scratch in Java</a:t>
+            </a:r>
+          </a:p>
+          <a:p>
+            <a:pPr lvl="1"/>
+            <a:r>
+              <a:rPr lang="en-US" dirty="0" smtClean="0"/>
+              <a:t>Modify System-Level Input and Internal Representation in Java to UTF-8</a:t>
+            </a:r>
+          </a:p>
+          <a:p>
+            <a:pPr lvl="1"/>
+            <a:r>
+              <a:rPr lang="en-US" dirty="0" smtClean="0"/>
+              <a:t>Perform Double Lateral Inversions to Ensure All Characters Print Left to Right</a:t>
+            </a:r>
+          </a:p>
+          <a:p>
+            <a:pPr lvl="1"/>
+            <a:endParaRPr lang="en-US" dirty="0" smtClean="0"/>
+          </a:p>
+          <a:p>
+            <a:pPr marL="0" indent="0">
+              <a:buNone/>
+            </a:pPr>
+            <a:r>
+              <a:rPr lang="en-US" dirty="0"/>
+              <a:t>Results: </a:t>
+            </a:r>
+            <a:r>
+              <a:rPr lang="en-US" dirty="0" smtClean="0"/>
+              <a:t>Latin Characters </a:t>
+            </a:r>
+            <a:r>
+              <a:rPr lang="en-US" dirty="0"/>
+              <a:t>Vast Majority, but </a:t>
+            </a:r>
+            <a:r>
+              <a:rPr lang="en-US" dirty="0" smtClean="0"/>
+              <a:t>Wide Variety </a:t>
+            </a:r>
+            <a:r>
+              <a:rPr lang="en-US" dirty="0"/>
+              <a:t>of </a:t>
+            </a:r>
+            <a:r>
+              <a:rPr lang="en-US" dirty="0" smtClean="0"/>
+              <a:t>East Asian Characters </a:t>
+            </a:r>
+            <a:r>
+              <a:rPr lang="en-US" dirty="0"/>
+              <a:t>Also Need to be Considered When Choosing Fonts</a:t>
+            </a:r>
+          </a:p>
+          <a:p>
+            <a:pPr lvl="1"/>
+            <a:endParaRPr lang="en-US" dirty="0" smtClean="0"/>
           </a:p>
         </p:txBody>
       </p:sp>
@@ -23890,46 +24168,19 @@
           <a:lstStyle/>
           <a:p>
             <a:r>
-              <a:rPr lang="en-US" dirty="0" err="1" smtClean="0"/>
-              <a:t>Learnings</a:t>
-            </a:r>
-            <a:r>
-              <a:rPr lang="en-US" dirty="0" smtClean="0"/>
-              <a:t> and Insights</a:t>
-            </a:r>
+              <a:rPr lang="en-US" dirty="0"/>
+              <a:t>For the Motion Design Team to Evaluate Rendering Quality of Fonts Over Different Character Planes</a:t>
+            </a:r>
+          </a:p>
+          <a:p>
             <a:endParaRPr lang="en-US" dirty="0"/>
           </a:p>
         </p:txBody>
       </p:sp>
-      <p:pic>
-        <p:nvPicPr>
-          <p:cNvPr id="7" name="Picture Placeholder 6" descr="ibm-mobile-database.png"/>
-          <p:cNvPicPr>
-            <a:picLocks noGrp="1" noChangeAspect="1"/>
-          </p:cNvPicPr>
-          <p:nvPr>
-            <p:ph type="pic" idx="1"/>
-          </p:nvPr>
-        </p:nvPicPr>
-        <p:blipFill>
-          <a:blip r:embed="rId3">
-            <a:extLst>
-              <a:ext uri="{28A0092B-C50C-407E-A947-70E740481C1C}">
-                <a14:useLocalDpi xmlns:a14="http://schemas.microsoft.com/office/drawing/2010/main" val="0"/>
-              </a:ext>
-            </a:extLst>
-          </a:blip>
-          <a:srcRect l="33" r="33"/>
-          <a:stretch>
-            <a:fillRect/>
-          </a:stretch>
-        </p:blipFill>
-        <p:spPr/>
-      </p:pic>
     </p:spTree>
     <p:extLst>
       <p:ext uri="{BB962C8B-B14F-4D97-AF65-F5344CB8AC3E}">
-        <p14:creationId xmlns:p14="http://schemas.microsoft.com/office/powerpoint/2010/main" val="355414492"/>
+        <p14:creationId xmlns:p14="http://schemas.microsoft.com/office/powerpoint/2010/main" val="1794574943"/>
       </p:ext>
     </p:extLst>
   </p:cSld>
@@ -23965,7 +24216,7 @@
       </p:grpSpPr>
       <p:sp>
         <p:nvSpPr>
-          <p:cNvPr id="5" name="Title 4"/>
+          <p:cNvPr id="2" name="Title 1"/>
           <p:cNvSpPr>
             <a:spLocks noGrp="1"/>
           </p:cNvSpPr>
@@ -23979,16 +24230,19 @@
           <a:lstStyle/>
           <a:p>
             <a:r>
-              <a:rPr lang="en-US" dirty="0" smtClean="0"/>
-              <a:t>Character Usage in Videos</a:t>
-            </a:r>
-            <a:endParaRPr lang="en-US" dirty="0"/>
+              <a:rPr lang="en-US" dirty="0" err="1"/>
+              <a:t>Autolaunch</a:t>
+            </a:r>
+            <a:r>
+              <a:rPr lang="en-US" dirty="0"/>
+              <a:t> Usage Data</a:t>
+            </a:r>
           </a:p>
         </p:txBody>
       </p:sp>
       <p:sp>
         <p:nvSpPr>
-          <p:cNvPr id="7" name="Content Placeholder 6"/>
+          <p:cNvPr id="3" name="Content Placeholder 2"/>
           <p:cNvSpPr>
             <a:spLocks noGrp="1"/>
           </p:cNvSpPr>
@@ -23998,34 +24252,46 @@
         </p:nvSpPr>
         <p:spPr/>
         <p:txBody>
-          <a:bodyPr>
-            <a:normAutofit lnSpcReduction="10000"/>
-          </a:bodyPr>
+          <a:bodyPr/>
           <a:lstStyle/>
           <a:p>
+            <a:pPr marL="0" indent="0">
+              <a:buNone/>
+            </a:pPr>
             <a:r>
               <a:rPr lang="en-US" dirty="0" smtClean="0"/>
-              <a:t>Analyzed Appearance Frequencies of Unicode (UTF-8) Characters in Title Cards</a:t>
-            </a:r>
-          </a:p>
-          <a:p>
+              <a:t>How Long Does Each Box in AWS EC2 Stay Running in a Given Time Period?</a:t>
+            </a:r>
+          </a:p>
+          <a:p>
+            <a:endParaRPr lang="en-US" dirty="0" smtClean="0"/>
+          </a:p>
+          <a:p>
+            <a:pPr marL="0" indent="0">
+              <a:buNone/>
+            </a:pPr>
             <a:r>
               <a:rPr lang="en-US" dirty="0" smtClean="0"/>
-              <a:t>Challenges: Forcing Java (</a:t>
+              <a:t>Challenges:</a:t>
+            </a:r>
+          </a:p>
+          <a:p>
+            <a:pPr lvl="1"/>
+            <a:r>
+              <a:rPr lang="en-US" dirty="0" smtClean="0"/>
+              <a:t>Learning </a:t>
             </a:r>
             <a:r>
               <a:rPr lang="en-US" dirty="0" err="1" smtClean="0"/>
-              <a:t>MacRoman</a:t>
-            </a:r>
+              <a:t>MongoDB</a:t>
+            </a:r>
+            <a:endParaRPr lang="en-US" dirty="0" smtClean="0"/>
+          </a:p>
+          <a:p>
+            <a:pPr lvl="1"/>
             <a:r>
               <a:rPr lang="en-US" dirty="0" smtClean="0"/>
-              <a:t>) to Interpret Input and Write Output as UTF-8, Dealing With Right-to-Left Characters</a:t>
-            </a:r>
-          </a:p>
-          <a:p>
-            <a:r>
-              <a:rPr lang="en-US" dirty="0" smtClean="0"/>
-              <a:t>Results: English Characters Vast Majority, but wide variety of Japanese, Korean, and Chinese Characters Also Need to be Considered When Choosing Fonts</a:t>
+              <a:t>Performing Significant Map-Reductions Within A Mongo Query</a:t>
             </a:r>
             <a:endParaRPr lang="en-US" dirty="0"/>
           </a:p>
@@ -24033,7 +24299,7 @@
       </p:sp>
       <p:sp>
         <p:nvSpPr>
-          <p:cNvPr id="8" name="Text Placeholder 7"/>
+          <p:cNvPr id="4" name="Text Placeholder 3"/>
           <p:cNvSpPr>
             <a:spLocks noGrp="1"/>
           </p:cNvSpPr>
@@ -24047,9 +24313,11 @@
           <a:lstStyle/>
           <a:p>
             <a:r>
-              <a:rPr lang="en-US" dirty="0" smtClean="0"/>
-              <a:t>For the Motion Design Team to Analyze Rendering Quality of Fonts Over Different Character Planes</a:t>
-            </a:r>
+              <a:rPr lang="en-US" dirty="0"/>
+              <a:t>For Analyzing Our EC2 Usage</a:t>
+            </a:r>
+          </a:p>
+          <a:p>
             <a:endParaRPr lang="en-US" dirty="0"/>
           </a:p>
         </p:txBody>
@@ -24057,7 +24325,7 @@
     </p:spTree>
     <p:extLst>
       <p:ext uri="{BB962C8B-B14F-4D97-AF65-F5344CB8AC3E}">
-        <p14:creationId xmlns:p14="http://schemas.microsoft.com/office/powerpoint/2010/main" val="2382453600"/>
+        <p14:creationId xmlns:p14="http://schemas.microsoft.com/office/powerpoint/2010/main" val="1369424686"/>
       </p:ext>
     </p:extLst>
   </p:cSld>
@@ -24108,113 +24376,48 @@
           <a:p>
             <a:r>
               <a:rPr lang="en-US" dirty="0" err="1" smtClean="0"/>
-              <a:t>iOS</a:t>
+              <a:t>Autolaunch</a:t>
             </a:r>
             <a:r>
               <a:rPr lang="en-US" dirty="0" smtClean="0"/>
-              <a:t> Creates Before and After Creation Flow</a:t>
+              <a:t> Usage </a:t>
+            </a:r>
+            <a:r>
+              <a:rPr lang="en-US" dirty="0" smtClean="0"/>
+              <a:t>Data</a:t>
             </a:r>
             <a:endParaRPr lang="en-US" dirty="0"/>
           </a:p>
         </p:txBody>
       </p:sp>
-      <p:sp>
-        <p:nvSpPr>
-          <p:cNvPr id="3" name="Content Placeholder 2"/>
-          <p:cNvSpPr>
-            <a:spLocks noGrp="1"/>
-          </p:cNvSpPr>
+      <p:pic>
+        <p:nvPicPr>
+          <p:cNvPr id="5" name="Content Placeholder 4" descr="Screen Shot 2013-07-29 at 2.47.18 PM.png"/>
+          <p:cNvPicPr>
+            <a:picLocks noGrp="1" noChangeAspect="1"/>
+          </p:cNvPicPr>
           <p:nvPr>
             <p:ph idx="1"/>
           </p:nvPr>
-        </p:nvSpPr>
-        <p:spPr/>
-        <p:txBody>
-          <a:bodyPr>
-            <a:normAutofit lnSpcReduction="10000"/>
-          </a:bodyPr>
-          <a:lstStyle/>
-          <a:p>
-            <a:r>
-              <a:rPr lang="en-US" dirty="0" smtClean="0"/>
-              <a:t>Extracted Data: The Number of Users Who Registered on </a:t>
-            </a:r>
-            <a:r>
-              <a:rPr lang="en-US" dirty="0" err="1" smtClean="0"/>
-              <a:t>iOS</a:t>
-            </a:r>
-            <a:r>
-              <a:rPr lang="en-US" dirty="0" smtClean="0"/>
-              <a:t> in the Two Weeks Before and After the Introduction of Creation Flow and Number of Videos </a:t>
-            </a:r>
-            <a:r>
-              <a:rPr lang="en-US" dirty="0"/>
-              <a:t>Created By These </a:t>
-            </a:r>
-            <a:r>
-              <a:rPr lang="en-US" dirty="0" smtClean="0"/>
-              <a:t>Users</a:t>
-            </a:r>
-          </a:p>
-          <a:p>
-            <a:r>
-              <a:rPr lang="en-US" dirty="0" smtClean="0"/>
-              <a:t>Results:</a:t>
-            </a:r>
-          </a:p>
-          <a:p>
-            <a:pPr lvl="1"/>
-            <a:r>
-              <a:rPr lang="en-US" dirty="0" smtClean="0"/>
-              <a:t>Before Creation Flow:</a:t>
-            </a:r>
-          </a:p>
-          <a:p>
-            <a:pPr lvl="2"/>
-            <a:r>
-              <a:rPr lang="en-US" dirty="0" smtClean="0"/>
-              <a:t>107,002 </a:t>
-            </a:r>
-            <a:r>
-              <a:rPr lang="en-US" dirty="0" err="1" smtClean="0"/>
-              <a:t>Regs</a:t>
-            </a:r>
-            <a:r>
-              <a:rPr lang="en-US" dirty="0" smtClean="0"/>
-              <a:t>; 131,931 Creates</a:t>
-            </a:r>
-          </a:p>
-          <a:p>
-            <a:pPr lvl="1"/>
-            <a:r>
-              <a:rPr lang="en-US" dirty="0" smtClean="0"/>
-              <a:t>After Creation Flow:</a:t>
-            </a:r>
-          </a:p>
-          <a:p>
-            <a:pPr lvl="2"/>
-            <a:r>
-              <a:rPr lang="en-US" dirty="0" smtClean="0"/>
-              <a:t>85,411 </a:t>
-            </a:r>
-            <a:r>
-              <a:rPr lang="en-US" dirty="0" err="1" smtClean="0"/>
-              <a:t>Regs</a:t>
-            </a:r>
-            <a:r>
-              <a:rPr lang="en-US" dirty="0" smtClean="0"/>
-              <a:t>; 100,169 Creates</a:t>
-            </a:r>
-          </a:p>
-          <a:p>
-            <a:r>
-              <a:rPr lang="en-US" dirty="0" smtClean="0"/>
-              <a:t>Conclusion: Each User Created Fewer Videos After the Introduction of Creation Flow</a:t>
-            </a:r>
-            <a:endParaRPr lang="en-US" dirty="0"/>
-          </a:p>
-        </p:txBody>
-      </p:sp>
+        </p:nvPicPr>
+        <p:blipFill rotWithShape="1">
+          <a:blip r:embed="rId3">
+            <a:extLst>
+              <a:ext uri="{28A0092B-C50C-407E-A947-70E740481C1C}">
+                <a14:useLocalDpi xmlns:a14="http://schemas.microsoft.com/office/drawing/2010/main" val="0"/>
+              </a:ext>
+            </a:extLst>
+          </a:blip>
+          <a:srcRect l="3104" r="3104"/>
+          <a:stretch/>
+        </p:blipFill>
+        <p:spPr>
+          <a:xfrm>
+            <a:off x="3476625" y="835025"/>
+            <a:ext cx="5584825" cy="5151438"/>
+          </a:xfrm>
+        </p:spPr>
+      </p:pic>
       <p:sp>
         <p:nvSpPr>
           <p:cNvPr id="4" name="Text Placeholder 3"/>
@@ -24232,7 +24435,7 @@
           <a:p>
             <a:r>
               <a:rPr lang="en-US" dirty="0" smtClean="0"/>
-              <a:t>For Chris Barnes to Evaluate the Efficacy of Creation Flow in the Mobile App</a:t>
+              <a:t>For Analyzing Our EC2 Usage</a:t>
             </a:r>
             <a:endParaRPr lang="en-US" dirty="0"/>
           </a:p>
@@ -24241,7 +24444,7 @@
     </p:spTree>
     <p:extLst>
       <p:ext uri="{BB962C8B-B14F-4D97-AF65-F5344CB8AC3E}">
-        <p14:creationId xmlns:p14="http://schemas.microsoft.com/office/powerpoint/2010/main" val="3903439312"/>
+        <p14:creationId xmlns:p14="http://schemas.microsoft.com/office/powerpoint/2010/main" val="1923163419"/>
       </p:ext>
     </p:extLst>
   </p:cSld>
@@ -24285,14 +24488,19 @@
             <p:ph type="title"/>
           </p:nvPr>
         </p:nvSpPr>
-        <p:spPr/>
+        <p:spPr>
+          <a:xfrm>
+            <a:off x="51986" y="4669654"/>
+            <a:ext cx="9023318" cy="719865"/>
+          </a:xfrm>
+        </p:spPr>
         <p:txBody>
           <a:bodyPr/>
           <a:lstStyle/>
           <a:p>
             <a:r>
               <a:rPr lang="en-US" dirty="0" smtClean="0"/>
-              <a:t>CTA Usage</a:t>
+              <a:t>Improving Analytics Dashboard Performance</a:t>
             </a:r>
             <a:endParaRPr lang="en-US" dirty="0"/>
           </a:p>
@@ -24305,84 +24513,68 @@
             <a:spLocks noGrp="1"/>
           </p:cNvSpPr>
           <p:nvPr>
-            <p:ph idx="1"/>
-          </p:nvPr>
-        </p:nvSpPr>
-        <p:spPr/>
-        <p:txBody>
-          <a:bodyPr>
-            <a:normAutofit fontScale="92500" lnSpcReduction="10000"/>
-          </a:bodyPr>
-          <a:lstStyle/>
-          <a:p>
-            <a:r>
-              <a:rPr lang="en-US" dirty="0" smtClean="0"/>
-              <a:t>Analyzed the Proportion of Users and Videos (broken down by user type) that used CTAs at least once in their videos</a:t>
-            </a:r>
-          </a:p>
-          <a:p>
-            <a:r>
-              <a:rPr lang="en-US" dirty="0" smtClean="0"/>
-              <a:t>Results:</a:t>
-            </a:r>
-          </a:p>
-          <a:p>
-            <a:pPr lvl="1"/>
-            <a:r>
-              <a:rPr lang="en-US" dirty="0" smtClean="0"/>
-              <a:t>Photography: 8.1% of users, 9.95% of videos</a:t>
-            </a:r>
-          </a:p>
-          <a:p>
-            <a:pPr lvl="1"/>
-            <a:r>
-              <a:rPr lang="en-US" dirty="0" smtClean="0"/>
-              <a:t>Business: 5.2% of users, 6.91% of videos</a:t>
-            </a:r>
-          </a:p>
-          <a:p>
-            <a:pPr lvl="1"/>
-            <a:r>
-              <a:rPr lang="en-US" dirty="0" smtClean="0"/>
-              <a:t>Personal: 1% of users, 0.67% of videos</a:t>
-            </a:r>
-          </a:p>
-          <a:p>
-            <a:r>
-              <a:rPr lang="en-US" dirty="0" smtClean="0"/>
-              <a:t>Conclusions: Significant Number of People (especially photographers) are using this, should evaluate how to better package the feature</a:t>
-            </a:r>
-            <a:endParaRPr lang="en-US" dirty="0"/>
-          </a:p>
-        </p:txBody>
-      </p:sp>
-      <p:sp>
-        <p:nvSpPr>
-          <p:cNvPr id="4" name="Text Placeholder 3"/>
-          <p:cNvSpPr>
-            <a:spLocks noGrp="1"/>
-          </p:cNvSpPr>
-          <p:nvPr>
             <p:ph type="body" sz="half" idx="2"/>
           </p:nvPr>
         </p:nvSpPr>
-        <p:spPr/>
+        <p:spPr>
+          <a:xfrm>
+            <a:off x="1165975" y="5416153"/>
+            <a:ext cx="6884457" cy="603126"/>
+          </a:xfrm>
+        </p:spPr>
         <p:txBody>
           <a:bodyPr/>
           <a:lstStyle/>
           <a:p>
             <a:r>
               <a:rPr lang="en-US" dirty="0" smtClean="0"/>
-              <a:t>For the Product Team to Decide on the Feature’s Future</a:t>
-            </a:r>
-            <a:endParaRPr lang="en-US" dirty="0"/>
+              <a:t>From Scripting Style to Object-Oriented </a:t>
+            </a:r>
+            <a:r>
+              <a:rPr lang="en-US" dirty="0" smtClean="0"/>
+              <a:t>Style – Significant </a:t>
+            </a:r>
+            <a:r>
+              <a:rPr lang="en-US" dirty="0" smtClean="0"/>
+              <a:t>Performance </a:t>
+            </a:r>
+            <a:r>
+              <a:rPr lang="en-US" dirty="0" smtClean="0"/>
+              <a:t>Gain</a:t>
+            </a:r>
+            <a:endParaRPr lang="en-US" dirty="0" smtClean="0"/>
           </a:p>
         </p:txBody>
       </p:sp>
+      <p:pic>
+        <p:nvPicPr>
+          <p:cNvPr id="8" name="Picture Placeholder 7" descr="Screen Shot 2013-07-29 at 9.36.51 AM.png"/>
+          <p:cNvPicPr>
+            <a:picLocks noGrp="1" noChangeAspect="1"/>
+          </p:cNvPicPr>
+          <p:nvPr>
+            <p:ph type="pic" idx="1"/>
+          </p:nvPr>
+        </p:nvPicPr>
+        <p:blipFill>
+          <a:blip r:embed="rId3" cstate="print">
+            <a:extLst>
+              <a:ext uri="{28A0092B-C50C-407E-A947-70E740481C1C}">
+                <a14:useLocalDpi xmlns:a14="http://schemas.microsoft.com/office/drawing/2010/main" val="0"/>
+              </a:ext>
+            </a:extLst>
+          </a:blip>
+          <a:srcRect t="1655" b="1655"/>
+          <a:stretch>
+            <a:fillRect/>
+          </a:stretch>
+        </p:blipFill>
+        <p:spPr/>
+      </p:pic>
     </p:spTree>
     <p:extLst>
       <p:ext uri="{BB962C8B-B14F-4D97-AF65-F5344CB8AC3E}">
-        <p14:creationId xmlns:p14="http://schemas.microsoft.com/office/powerpoint/2010/main" val="335278862"/>
+        <p14:creationId xmlns:p14="http://schemas.microsoft.com/office/powerpoint/2010/main" val="2693494578"/>
       </p:ext>
     </p:extLst>
   </p:cSld>
@@ -24433,64 +24625,164 @@
           <a:p>
             <a:r>
               <a:rPr lang="en-US" dirty="0" smtClean="0"/>
-              <a:t>Revising Statty2</a:t>
+              <a:t>Structure–Before</a:t>
             </a:r>
             <a:endParaRPr lang="en-US" dirty="0"/>
           </a:p>
         </p:txBody>
       </p:sp>
-      <p:pic>
-        <p:nvPicPr>
-          <p:cNvPr id="5" name="Picture Placeholder 4" descr="Screen Shot 2013-07-29 at 1.47.12 PM.png"/>
-          <p:cNvPicPr>
-            <a:picLocks noGrp="1" noChangeAspect="1"/>
-          </p:cNvPicPr>
+      <p:graphicFrame>
+        <p:nvGraphicFramePr>
+          <p:cNvPr id="8" name="Content Placeholder 7"/>
+          <p:cNvGraphicFramePr>
+            <a:graphicFrameLocks noGrp="1"/>
+          </p:cNvGraphicFramePr>
           <p:nvPr>
-            <p:ph type="pic" idx="1"/>
+            <p:ph idx="1"/>
+            <p:extLst>
+              <p:ext uri="{D42A27DB-BD31-4B8C-83A1-F6EECF244321}">
+                <p14:modId xmlns:p14="http://schemas.microsoft.com/office/powerpoint/2010/main" val="4147922249"/>
+              </p:ext>
+            </p:extLst>
           </p:nvPr>
-        </p:nvPicPr>
-        <p:blipFill>
-          <a:blip r:embed="rId3" cstate="print">
-            <a:extLst>
-              <a:ext uri="{28A0092B-C50C-407E-A947-70E740481C1C}">
-                <a14:useLocalDpi xmlns:a14="http://schemas.microsoft.com/office/drawing/2010/main" val="0"/>
-              </a:ext>
-            </a:extLst>
-          </a:blip>
-          <a:srcRect t="8664" b="8664"/>
-          <a:stretch>
-            <a:fillRect/>
-          </a:stretch>
-        </p:blipFill>
-        <p:spPr/>
-      </p:pic>
+        </p:nvGraphicFramePr>
+        <p:xfrm>
+          <a:off x="1604146" y="2874288"/>
+          <a:ext cx="5933852" cy="3263979"/>
+        </p:xfrm>
+        <a:graphic>
+          <a:graphicData uri="http://schemas.openxmlformats.org/drawingml/2006/diagram">
+            <dgm:relIds xmlns:dgm="http://schemas.openxmlformats.org/drawingml/2006/diagram" xmlns:r="http://schemas.openxmlformats.org/officeDocument/2006/relationships" r:dm="rId3" r:lo="rId4" r:qs="rId5" r:cs="rId6"/>
+          </a:graphicData>
+        </a:graphic>
+      </p:graphicFrame>
       <p:sp>
         <p:nvSpPr>
-          <p:cNvPr id="4" name="Text Placeholder 3"/>
-          <p:cNvSpPr>
-            <a:spLocks noGrp="1"/>
-          </p:cNvSpPr>
-          <p:nvPr>
-            <p:ph type="body" sz="half" idx="2"/>
-          </p:nvPr>
+          <p:cNvPr id="3" name="TextBox 2"/>
+          <p:cNvSpPr txBox="1"/>
+          <p:nvPr/>
         </p:nvSpPr>
-        <p:spPr/>
+        <p:spPr>
+          <a:xfrm>
+            <a:off x="3520208" y="1827067"/>
+            <a:ext cx="2101728" cy="369332"/>
+          </a:xfrm>
+          <a:prstGeom prst="rect">
+            <a:avLst/>
+          </a:prstGeom>
+          <a:effectLst>
+            <a:outerShdw blurRad="50800" dist="38100" dir="8100000" algn="tr" rotWithShape="0">
+              <a:prstClr val="black">
+                <a:alpha val="40000"/>
+              </a:prstClr>
+            </a:outerShdw>
+          </a:effectLst>
+        </p:spPr>
+        <p:style>
+          <a:lnRef idx="3">
+            <a:schemeClr val="lt1"/>
+          </a:lnRef>
+          <a:fillRef idx="1">
+            <a:schemeClr val="accent1"/>
+          </a:fillRef>
+          <a:effectRef idx="1">
+            <a:schemeClr val="accent1"/>
+          </a:effectRef>
+          <a:fontRef idx="minor">
+            <a:schemeClr val="lt1"/>
+          </a:fontRef>
+        </p:style>
         <p:txBody>
-          <a:bodyPr/>
+          <a:bodyPr wrap="square" rtlCol="0">
+            <a:spAutoFit/>
+          </a:bodyPr>
           <a:lstStyle/>
           <a:p>
             <a:r>
               <a:rPr lang="en-US" dirty="0" smtClean="0"/>
-              <a:t>Bugs and Other Stuff</a:t>
+              <a:t>User Requests Page</a:t>
             </a:r>
             <a:endParaRPr lang="en-US" dirty="0"/>
           </a:p>
         </p:txBody>
       </p:sp>
+      <p:cxnSp>
+        <p:nvCxnSpPr>
+          <p:cNvPr id="9" name="Curved Connector 8"/>
+          <p:cNvCxnSpPr>
+            <a:stCxn id="3" idx="1"/>
+            <a:endCxn id="8" idx="1"/>
+          </p:cNvCxnSpPr>
+          <p:nvPr/>
+        </p:nvCxnSpPr>
+        <p:spPr>
+          <a:xfrm rot="10800000" flipV="1">
+            <a:off x="1604146" y="2011733"/>
+            <a:ext cx="1916062" cy="2494544"/>
+          </a:xfrm>
+          <a:prstGeom prst="curvedConnector3">
+            <a:avLst>
+              <a:gd name="adj1" fmla="val 111931"/>
+            </a:avLst>
+          </a:prstGeom>
+          <a:ln>
+            <a:tailEnd type="arrow"/>
+          </a:ln>
+        </p:spPr>
+        <p:style>
+          <a:lnRef idx="2">
+            <a:schemeClr val="accent1"/>
+          </a:lnRef>
+          <a:fillRef idx="0">
+            <a:schemeClr val="accent1"/>
+          </a:fillRef>
+          <a:effectRef idx="1">
+            <a:schemeClr val="accent1"/>
+          </a:effectRef>
+          <a:fontRef idx="minor">
+            <a:schemeClr val="tx1"/>
+          </a:fontRef>
+        </p:style>
+      </p:cxnSp>
+      <p:cxnSp>
+        <p:nvCxnSpPr>
+          <p:cNvPr id="12" name="Curved Connector 11"/>
+          <p:cNvCxnSpPr>
+            <a:endCxn id="3" idx="3"/>
+          </p:cNvCxnSpPr>
+          <p:nvPr/>
+        </p:nvCxnSpPr>
+        <p:spPr>
+          <a:xfrm rot="16200000" flipV="1">
+            <a:off x="5262143" y="2371526"/>
+            <a:ext cx="2494544" cy="1774957"/>
+          </a:xfrm>
+          <a:prstGeom prst="curvedConnector2">
+            <a:avLst/>
+          </a:prstGeom>
+          <a:ln>
+            <a:tailEnd type="arrow"/>
+          </a:ln>
+        </p:spPr>
+        <p:style>
+          <a:lnRef idx="2">
+            <a:schemeClr val="accent1"/>
+          </a:lnRef>
+          <a:fillRef idx="0">
+            <a:schemeClr val="accent1"/>
+          </a:fillRef>
+          <a:effectRef idx="1">
+            <a:schemeClr val="accent1"/>
+          </a:effectRef>
+          <a:fontRef idx="minor">
+            <a:schemeClr val="tx1"/>
+          </a:fontRef>
+        </p:style>
+      </p:cxnSp>
     </p:spTree>
     <p:extLst>
       <p:ext uri="{BB962C8B-B14F-4D97-AF65-F5344CB8AC3E}">
-        <p14:creationId xmlns:p14="http://schemas.microsoft.com/office/powerpoint/2010/main" val="473699393"/>
+        <p14:creationId xmlns:p14="http://schemas.microsoft.com/office/powerpoint/2010/main" val="65765033"/>
       </p:ext>
     </p:extLst>
   </p:cSld>
@@ -24534,27 +24826,405 @@
             <p:ph type="title"/>
           </p:nvPr>
         </p:nvSpPr>
-        <p:spPr/>
+        <p:spPr>
+          <a:xfrm>
+            <a:off x="551280" y="23238"/>
+            <a:ext cx="8041440" cy="1442674"/>
+          </a:xfrm>
+        </p:spPr>
         <p:txBody>
           <a:bodyPr/>
           <a:lstStyle/>
           <a:p>
             <a:r>
               <a:rPr lang="en-US" dirty="0" smtClean="0"/>
-              <a:t>Preventing Rollup Reset</a:t>
+              <a:t>Structure–After</a:t>
             </a:r>
             <a:endParaRPr lang="en-US" dirty="0"/>
           </a:p>
         </p:txBody>
       </p:sp>
+      <p:graphicFrame>
+        <p:nvGraphicFramePr>
+          <p:cNvPr id="6" name="Diagram 5"/>
+          <p:cNvGraphicFramePr/>
+          <p:nvPr>
+            <p:extLst>
+              <p:ext uri="{D42A27DB-BD31-4B8C-83A1-F6EECF244321}">
+                <p14:modId xmlns:p14="http://schemas.microsoft.com/office/powerpoint/2010/main" val="692194180"/>
+              </p:ext>
+            </p:extLst>
+          </p:nvPr>
+        </p:nvGraphicFramePr>
+        <p:xfrm>
+          <a:off x="50731" y="1470129"/>
+          <a:ext cx="9003753" cy="5236106"/>
+        </p:xfrm>
+        <a:graphic>
+          <a:graphicData uri="http://schemas.openxmlformats.org/drawingml/2006/diagram">
+            <dgm:relIds xmlns:dgm="http://schemas.openxmlformats.org/drawingml/2006/diagram" xmlns:r="http://schemas.openxmlformats.org/officeDocument/2006/relationships" r:dm="rId3" r:lo="rId4" r:qs="rId5" r:cs="rId6"/>
+          </a:graphicData>
+        </a:graphic>
+      </p:graphicFrame>
+      <p:graphicFrame>
+        <p:nvGraphicFramePr>
+          <p:cNvPr id="4" name="Content Placeholder 3"/>
+          <p:cNvGraphicFramePr>
+            <a:graphicFrameLocks noGrp="1"/>
+          </p:cNvGraphicFramePr>
+          <p:nvPr>
+            <p:ph idx="1"/>
+            <p:extLst>
+              <p:ext uri="{D42A27DB-BD31-4B8C-83A1-F6EECF244321}">
+                <p14:modId xmlns:p14="http://schemas.microsoft.com/office/powerpoint/2010/main" val="147097691"/>
+              </p:ext>
+            </p:extLst>
+          </p:nvPr>
+        </p:nvGraphicFramePr>
+        <p:xfrm>
+          <a:off x="67045" y="2589883"/>
+          <a:ext cx="2837965" cy="2848644"/>
+        </p:xfrm>
+        <a:graphic>
+          <a:graphicData uri="http://schemas.openxmlformats.org/drawingml/2006/diagram">
+            <dgm:relIds xmlns:dgm="http://schemas.openxmlformats.org/drawingml/2006/diagram" xmlns:r="http://schemas.openxmlformats.org/officeDocument/2006/relationships" r:dm="rId8" r:lo="rId9" r:qs="rId10" r:cs="rId11"/>
+          </a:graphicData>
+        </a:graphic>
+      </p:graphicFrame>
+      <p:cxnSp>
+        <p:nvCxnSpPr>
+          <p:cNvPr id="8" name="Straight Connector 7"/>
+          <p:cNvCxnSpPr/>
+          <p:nvPr/>
+        </p:nvCxnSpPr>
+        <p:spPr>
+          <a:xfrm flipV="1">
+            <a:off x="1472960" y="3554401"/>
+            <a:ext cx="1916351" cy="533534"/>
+          </a:xfrm>
+          <a:prstGeom prst="line">
+            <a:avLst/>
+          </a:prstGeom>
+          <a:ln w="28575" cmpd="sng">
+            <a:solidFill>
+              <a:schemeClr val="accent2"/>
+            </a:solidFill>
+          </a:ln>
+        </p:spPr>
+        <p:style>
+          <a:lnRef idx="2">
+            <a:schemeClr val="accent3"/>
+          </a:lnRef>
+          <a:fillRef idx="0">
+            <a:schemeClr val="accent3"/>
+          </a:fillRef>
+          <a:effectRef idx="1">
+            <a:schemeClr val="accent3"/>
+          </a:effectRef>
+          <a:fontRef idx="minor">
+            <a:schemeClr val="tx1"/>
+          </a:fontRef>
+        </p:style>
+      </p:cxnSp>
+      <p:grpSp>
+        <p:nvGrpSpPr>
+          <p:cNvPr id="5" name="Group 4"/>
+          <p:cNvGrpSpPr/>
+          <p:nvPr/>
+        </p:nvGrpSpPr>
+        <p:grpSpPr>
+          <a:xfrm>
+            <a:off x="67045" y="864177"/>
+            <a:ext cx="2683484" cy="1651488"/>
+            <a:chOff x="67045" y="864177"/>
+            <a:chExt cx="2683484" cy="1651488"/>
+          </a:xfrm>
+        </p:grpSpPr>
+        <p:sp>
+          <p:nvSpPr>
+            <p:cNvPr id="10" name="Left Bracket 9"/>
+            <p:cNvSpPr/>
+            <p:nvPr/>
+          </p:nvSpPr>
+          <p:spPr>
+            <a:xfrm rot="5400000">
+              <a:off x="1135385" y="900521"/>
+              <a:ext cx="546804" cy="2683484"/>
+            </a:xfrm>
+            <a:prstGeom prst="leftBracket">
+              <a:avLst/>
+            </a:prstGeom>
+            <a:ln/>
+          </p:spPr>
+          <p:style>
+            <a:lnRef idx="2">
+              <a:schemeClr val="dk1"/>
+            </a:lnRef>
+            <a:fillRef idx="0">
+              <a:schemeClr val="dk1"/>
+            </a:fillRef>
+            <a:effectRef idx="1">
+              <a:schemeClr val="dk1"/>
+            </a:effectRef>
+            <a:fontRef idx="minor">
+              <a:schemeClr val="tx1"/>
+            </a:fontRef>
+          </p:style>
+          <p:txBody>
+            <a:bodyPr/>
+            <a:lstStyle/>
+            <a:p>
+              <a:endParaRPr lang="en-US">
+                <a:solidFill>
+                  <a:schemeClr val="accent3"/>
+                </a:solidFill>
+              </a:endParaRPr>
+            </a:p>
+          </p:txBody>
+        </p:sp>
+        <p:sp>
+          <p:nvSpPr>
+            <p:cNvPr id="11" name="TextBox 10"/>
+            <p:cNvSpPr txBox="1"/>
+            <p:nvPr/>
+          </p:nvSpPr>
+          <p:spPr>
+            <a:xfrm>
+              <a:off x="277469" y="864177"/>
+              <a:ext cx="2262636" cy="923330"/>
+            </a:xfrm>
+            <a:prstGeom prst="rect">
+              <a:avLst/>
+            </a:prstGeom>
+          </p:spPr>
+          <p:style>
+            <a:lnRef idx="3">
+              <a:schemeClr val="lt1"/>
+            </a:lnRef>
+            <a:fillRef idx="1">
+              <a:schemeClr val="accent1"/>
+            </a:fillRef>
+            <a:effectRef idx="1">
+              <a:schemeClr val="accent1"/>
+            </a:effectRef>
+            <a:fontRef idx="minor">
+              <a:schemeClr val="lt1"/>
+            </a:fontRef>
+          </p:style>
+          <p:txBody>
+            <a:bodyPr wrap="square" rtlCol="0">
+              <a:spAutoFit/>
+            </a:bodyPr>
+            <a:lstStyle/>
+            <a:p>
+              <a:pPr algn="ctr"/>
+              <a:r>
+                <a:rPr lang="en-US" dirty="0" smtClean="0"/>
+                <a:t>Automatically Done Every 15 Minutes on The Server</a:t>
+              </a:r>
+              <a:endParaRPr lang="en-US" dirty="0"/>
+            </a:p>
+          </p:txBody>
+        </p:sp>
+      </p:grpSp>
+      <p:cxnSp>
+        <p:nvCxnSpPr>
+          <p:cNvPr id="13" name="Straight Connector 12"/>
+          <p:cNvCxnSpPr>
+            <a:stCxn id="11" idx="2"/>
+            <a:endCxn id="10" idx="1"/>
+          </p:cNvCxnSpPr>
+          <p:nvPr/>
+        </p:nvCxnSpPr>
+        <p:spPr>
+          <a:xfrm>
+            <a:off x="1408787" y="1787507"/>
+            <a:ext cx="0" cy="181354"/>
+          </a:xfrm>
+          <a:prstGeom prst="line">
+            <a:avLst/>
+          </a:prstGeom>
+        </p:spPr>
+        <p:style>
+          <a:lnRef idx="2">
+            <a:schemeClr val="dk1"/>
+          </a:lnRef>
+          <a:fillRef idx="0">
+            <a:schemeClr val="dk1"/>
+          </a:fillRef>
+          <a:effectRef idx="1">
+            <a:schemeClr val="dk1"/>
+          </a:effectRef>
+          <a:fontRef idx="minor">
+            <a:schemeClr val="tx1"/>
+          </a:fontRef>
+        </p:style>
+      </p:cxnSp>
       <p:sp>
         <p:nvSpPr>
-          <p:cNvPr id="3" name="Text Placeholder 2"/>
+          <p:cNvPr id="12" name="TextBox 11"/>
+          <p:cNvSpPr txBox="1"/>
+          <p:nvPr/>
+        </p:nvSpPr>
+        <p:spPr>
+          <a:xfrm>
+            <a:off x="5124354" y="1100797"/>
+            <a:ext cx="2101728" cy="369332"/>
+          </a:xfrm>
+          <a:prstGeom prst="rect">
+            <a:avLst/>
+          </a:prstGeom>
+          <a:effectLst>
+            <a:outerShdw blurRad="50800" dist="38100" dir="8100000" algn="tr" rotWithShape="0">
+              <a:prstClr val="black">
+                <a:alpha val="40000"/>
+              </a:prstClr>
+            </a:outerShdw>
+          </a:effectLst>
+        </p:spPr>
+        <p:style>
+          <a:lnRef idx="3">
+            <a:schemeClr val="lt1"/>
+          </a:lnRef>
+          <a:fillRef idx="1">
+            <a:schemeClr val="accent1"/>
+          </a:fillRef>
+          <a:effectRef idx="1">
+            <a:schemeClr val="accent1"/>
+          </a:effectRef>
+          <a:fontRef idx="minor">
+            <a:schemeClr val="lt1"/>
+          </a:fontRef>
+        </p:style>
+        <p:txBody>
+          <a:bodyPr wrap="square" rtlCol="0">
+            <a:spAutoFit/>
+          </a:bodyPr>
+          <a:lstStyle/>
+          <a:p>
+            <a:r>
+              <a:rPr lang="en-US" dirty="0" smtClean="0"/>
+              <a:t>User Requests Page</a:t>
+            </a:r>
+            <a:endParaRPr lang="en-US" dirty="0"/>
+          </a:p>
+        </p:txBody>
+      </p:sp>
+      <p:cxnSp>
+        <p:nvCxnSpPr>
+          <p:cNvPr id="9" name="Curved Connector 8"/>
+          <p:cNvCxnSpPr>
+            <a:stCxn id="12" idx="1"/>
+          </p:cNvCxnSpPr>
+          <p:nvPr/>
+        </p:nvCxnSpPr>
+        <p:spPr>
+          <a:xfrm rot="10800000" flipV="1">
+            <a:off x="3208292" y="1285463"/>
+            <a:ext cx="1916063" cy="3074246"/>
+          </a:xfrm>
+          <a:prstGeom prst="curvedConnector2">
+            <a:avLst/>
+          </a:prstGeom>
+          <a:ln>
+            <a:tailEnd type="arrow"/>
+          </a:ln>
+        </p:spPr>
+        <p:style>
+          <a:lnRef idx="2">
+            <a:schemeClr val="accent1"/>
+          </a:lnRef>
+          <a:fillRef idx="0">
+            <a:schemeClr val="accent1"/>
+          </a:fillRef>
+          <a:effectRef idx="1">
+            <a:schemeClr val="accent1"/>
+          </a:effectRef>
+          <a:fontRef idx="minor">
+            <a:schemeClr val="tx1"/>
+          </a:fontRef>
+        </p:style>
+      </p:cxnSp>
+      <p:cxnSp>
+        <p:nvCxnSpPr>
+          <p:cNvPr id="15" name="Curved Connector 14"/>
+          <p:cNvCxnSpPr>
+            <a:endCxn id="12" idx="3"/>
+          </p:cNvCxnSpPr>
+          <p:nvPr/>
+        </p:nvCxnSpPr>
+        <p:spPr>
+          <a:xfrm rot="16200000" flipV="1">
+            <a:off x="6703426" y="1808119"/>
+            <a:ext cx="2873714" cy="1828402"/>
+          </a:xfrm>
+          <a:prstGeom prst="curvedConnector2">
+            <a:avLst/>
+          </a:prstGeom>
+          <a:ln>
+            <a:tailEnd type="arrow"/>
+          </a:ln>
+        </p:spPr>
+        <p:style>
+          <a:lnRef idx="2">
+            <a:schemeClr val="accent1"/>
+          </a:lnRef>
+          <a:fillRef idx="0">
+            <a:schemeClr val="accent1"/>
+          </a:fillRef>
+          <a:effectRef idx="1">
+            <a:schemeClr val="accent1"/>
+          </a:effectRef>
+          <a:fontRef idx="minor">
+            <a:schemeClr val="tx1"/>
+          </a:fontRef>
+        </p:style>
+      </p:cxnSp>
+    </p:spTree>
+    <p:extLst>
+      <p:ext uri="{BB962C8B-B14F-4D97-AF65-F5344CB8AC3E}">
+        <p14:creationId xmlns:p14="http://schemas.microsoft.com/office/powerpoint/2010/main" val="4132410347"/>
+      </p:ext>
+    </p:extLst>
+  </p:cSld>
+  <p:clrMapOvr>
+    <a:masterClrMapping/>
+  </p:clrMapOvr>
+  <p:timing>
+    <p:tnLst>
+      <p:par>
+        <p:cTn xmlns:p14="http://schemas.microsoft.com/office/powerpoint/2010/main" id="1" dur="indefinite" restart="never" nodeType="tmRoot"/>
+      </p:par>
+    </p:tnLst>
+  </p:timing>
+</p:sld>
+</file>
+
+<file path=ppt/slides/slide18.xml><?xml version="1.0" encoding="utf-8"?>
+<p:sld xmlns:a="http://schemas.openxmlformats.org/drawingml/2006/main" xmlns:r="http://schemas.openxmlformats.org/officeDocument/2006/relationships" xmlns:p="http://schemas.openxmlformats.org/presentationml/2006/main">
+  <p:cSld>
+    <p:spTree>
+      <p:nvGrpSpPr>
+        <p:cNvPr id="1" name=""/>
+        <p:cNvGrpSpPr/>
+        <p:nvPr/>
+      </p:nvGrpSpPr>
+      <p:grpSpPr>
+        <a:xfrm>
+          <a:off x="0" y="0"/>
+          <a:ext cx="0" cy="0"/>
+          <a:chOff x="0" y="0"/>
+          <a:chExt cx="0" cy="0"/>
+        </a:xfrm>
+      </p:grpSpPr>
+      <p:sp>
+        <p:nvSpPr>
+          <p:cNvPr id="2" name="Title 1"/>
           <p:cNvSpPr>
             <a:spLocks noGrp="1"/>
           </p:cNvSpPr>
           <p:nvPr>
-            <p:ph type="body" idx="1"/>
+            <p:ph type="title"/>
           </p:nvPr>
         </p:nvSpPr>
         <p:spPr/>
@@ -24564,12 +25234,37 @@
           <a:p>
             <a:r>
               <a:rPr lang="en-US" dirty="0" smtClean="0"/>
-              <a:t>Before</a:t>
+              <a:t>Revising Statty2</a:t>
             </a:r>
             <a:endParaRPr lang="en-US" dirty="0"/>
           </a:p>
         </p:txBody>
       </p:sp>
+      <p:pic>
+        <p:nvPicPr>
+          <p:cNvPr id="5" name="Picture Placeholder 4" descr="Screen Shot 2013-07-29 at 1.47.12 PM.png"/>
+          <p:cNvPicPr>
+            <a:picLocks noGrp="1" noChangeAspect="1"/>
+          </p:cNvPicPr>
+          <p:nvPr>
+            <p:ph type="pic" idx="1"/>
+          </p:nvPr>
+        </p:nvPicPr>
+        <p:blipFill>
+          <a:blip r:embed="rId3" cstate="print">
+            <a:extLst>
+              <a:ext uri="{28A0092B-C50C-407E-A947-70E740481C1C}">
+                <a14:useLocalDpi xmlns:a14="http://schemas.microsoft.com/office/drawing/2010/main" val="0"/>
+              </a:ext>
+            </a:extLst>
+          </a:blip>
+          <a:srcRect t="8664" b="8664"/>
+          <a:stretch>
+            <a:fillRect/>
+          </a:stretch>
+        </p:blipFill>
+        <p:spPr/>
+      </p:pic>
       <p:sp>
         <p:nvSpPr>
           <p:cNvPr id="4" name="Text Placeholder 3"/>
@@ -24577,7 +25272,7 @@
             <a:spLocks noGrp="1"/>
           </p:cNvSpPr>
           <p:nvPr>
-            <p:ph type="body" sz="quarter" idx="3"/>
+            <p:ph type="body" sz="half" idx="2"/>
           </p:nvPr>
         </p:nvSpPr>
         <p:spPr/>
@@ -24587,23 +25282,60 @@
           <a:p>
             <a:r>
               <a:rPr lang="en-US" dirty="0" smtClean="0"/>
-              <a:t>After</a:t>
+              <a:t>Bugs and Other Stuff</a:t>
             </a:r>
             <a:endParaRPr lang="en-US" dirty="0"/>
           </a:p>
         </p:txBody>
       </p:sp>
+    </p:spTree>
+    <p:extLst>
+      <p:ext uri="{BB962C8B-B14F-4D97-AF65-F5344CB8AC3E}">
+        <p14:creationId xmlns:p14="http://schemas.microsoft.com/office/powerpoint/2010/main" val="473699393"/>
+      </p:ext>
+    </p:extLst>
+  </p:cSld>
+  <p:clrMapOvr>
+    <a:masterClrMapping/>
+  </p:clrMapOvr>
+  <p:timing>
+    <p:tnLst>
+      <p:par>
+        <p:cTn xmlns:p14="http://schemas.microsoft.com/office/powerpoint/2010/main" id="1" dur="indefinite" restart="never" nodeType="tmRoot"/>
+      </p:par>
+    </p:tnLst>
+  </p:timing>
+</p:sld>
+</file>
+
+<file path=ppt/slides/slide19.xml><?xml version="1.0" encoding="utf-8"?>
+<p:sld xmlns:a="http://schemas.openxmlformats.org/drawingml/2006/main" xmlns:r="http://schemas.openxmlformats.org/officeDocument/2006/relationships" xmlns:p="http://schemas.openxmlformats.org/presentationml/2006/main">
+  <p:cSld>
+    <p:spTree>
+      <p:nvGrpSpPr>
+        <p:cNvPr id="1" name=""/>
+        <p:cNvGrpSpPr/>
+        <p:nvPr/>
+      </p:nvGrpSpPr>
+      <p:grpSpPr>
+        <a:xfrm>
+          <a:off x="0" y="0"/>
+          <a:ext cx="0" cy="0"/>
+          <a:chOff x="0" y="0"/>
+          <a:chExt cx="0" cy="0"/>
+        </a:xfrm>
+      </p:grpSpPr>
       <p:pic>
         <p:nvPicPr>
-          <p:cNvPr id="7" name="Content Placeholder 6" descr="Screen Shot 2013-07-29 at 1.53.32 PM.png"/>
+          <p:cNvPr id="6" name="Content Placeholder 5" descr="Screen Shot 2013-07-30 at 11.51.04 AM.png"/>
           <p:cNvPicPr>
             <a:picLocks noGrp="1" noChangeAspect="1"/>
           </p:cNvPicPr>
           <p:nvPr>
-            <p:ph sz="quarter" idx="13"/>
+            <p:ph idx="1"/>
           </p:nvPr>
         </p:nvPicPr>
-        <p:blipFill rotWithShape="1">
+        <p:blipFill>
           <a:blip r:embed="rId3">
             <a:extLst>
               <a:ext uri="{28A0092B-C50C-407E-A947-70E740481C1C}">
@@ -24611,44 +25343,41 @@
               </a:ext>
             </a:extLst>
           </a:blip>
-          <a:srcRect l="3112" r="15022"/>
-          <a:stretch/>
+          <a:srcRect l="-14462" r="-14462"/>
+          <a:stretch>
+            <a:fillRect/>
+          </a:stretch>
         </p:blipFill>
         <p:spPr>
           <a:xfrm>
-            <a:off x="60122" y="2743199"/>
-            <a:ext cx="3998034" cy="3246120"/>
+            <a:off x="838200" y="2038350"/>
+            <a:ext cx="7467600" cy="3951288"/>
           </a:xfrm>
         </p:spPr>
       </p:pic>
-      <p:pic>
-        <p:nvPicPr>
-          <p:cNvPr id="12" name="Content Placeholder 11" descr="Screen Shot 2013-07-29 at 1.56.14 PM.png"/>
-          <p:cNvPicPr>
-            <a:picLocks noGrp="1" noChangeAspect="1"/>
-          </p:cNvPicPr>
+      <p:sp>
+        <p:nvSpPr>
+          <p:cNvPr id="2" name="Title 1"/>
+          <p:cNvSpPr>
+            <a:spLocks noGrp="1"/>
+          </p:cNvSpPr>
           <p:nvPr>
-            <p:ph sz="quarter" idx="14"/>
+            <p:ph type="title"/>
           </p:nvPr>
-        </p:nvPicPr>
-        <p:blipFill rotWithShape="1">
-          <a:blip r:embed="rId4">
-            <a:extLst>
-              <a:ext uri="{28A0092B-C50C-407E-A947-70E740481C1C}">
-                <a14:useLocalDpi xmlns:a14="http://schemas.microsoft.com/office/drawing/2010/main" val="0"/>
-              </a:ext>
-            </a:extLst>
-          </a:blip>
-          <a:srcRect l="15069" r="11223"/>
-          <a:stretch/>
-        </p:blipFill>
-        <p:spPr>
-          <a:xfrm>
-            <a:off x="5294376" y="2743200"/>
-            <a:ext cx="3849624" cy="3246120"/>
-          </a:xfrm>
-        </p:spPr>
-      </p:pic>
+        </p:nvSpPr>
+        <p:spPr/>
+        <p:txBody>
+          <a:bodyPr/>
+          <a:lstStyle/>
+          <a:p>
+            <a:r>
+              <a:rPr lang="en-US" dirty="0" smtClean="0"/>
+              <a:t>Preventing Rollup Reset</a:t>
+            </a:r>
+            <a:endParaRPr lang="en-US" dirty="0"/>
+          </a:p>
+        </p:txBody>
+      </p:sp>
     </p:spTree>
     <p:extLst>
       <p:ext uri="{BB962C8B-B14F-4D97-AF65-F5344CB8AC3E}">
@@ -24669,7 +25398,187 @@
 </p:sld>
 </file>
 
-<file path=ppt/slides/slide18.xml><?xml version="1.0" encoding="utf-8"?>
+<file path=ppt/slides/slide2.xml><?xml version="1.0" encoding="utf-8"?>
+<p:sld xmlns:a="http://schemas.openxmlformats.org/drawingml/2006/main" xmlns:r="http://schemas.openxmlformats.org/officeDocument/2006/relationships" xmlns:p="http://schemas.openxmlformats.org/presentationml/2006/main">
+  <p:cSld>
+    <p:spTree>
+      <p:nvGrpSpPr>
+        <p:cNvPr id="1" name=""/>
+        <p:cNvGrpSpPr/>
+        <p:nvPr/>
+      </p:nvGrpSpPr>
+      <p:grpSpPr>
+        <a:xfrm>
+          <a:off x="0" y="0"/>
+          <a:ext cx="0" cy="0"/>
+          <a:chOff x="0" y="0"/>
+          <a:chExt cx="0" cy="0"/>
+        </a:xfrm>
+      </p:grpSpPr>
+      <p:sp>
+        <p:nvSpPr>
+          <p:cNvPr id="4" name="Title 3"/>
+          <p:cNvSpPr>
+            <a:spLocks noGrp="1"/>
+          </p:cNvSpPr>
+          <p:nvPr>
+            <p:ph type="title"/>
+          </p:nvPr>
+        </p:nvSpPr>
+        <p:spPr/>
+        <p:txBody>
+          <a:bodyPr/>
+          <a:lstStyle/>
+          <a:p>
+            <a:r>
+              <a:rPr lang="en-US" dirty="0" smtClean="0"/>
+              <a:t>Overview</a:t>
+            </a:r>
+            <a:endParaRPr lang="en-US" dirty="0"/>
+          </a:p>
+        </p:txBody>
+      </p:sp>
+      <p:sp>
+        <p:nvSpPr>
+          <p:cNvPr id="5" name="Content Placeholder 4"/>
+          <p:cNvSpPr>
+            <a:spLocks noGrp="1"/>
+          </p:cNvSpPr>
+          <p:nvPr>
+            <p:ph idx="1"/>
+          </p:nvPr>
+        </p:nvSpPr>
+        <p:spPr/>
+        <p:txBody>
+          <a:bodyPr>
+            <a:normAutofit lnSpcReduction="10000"/>
+          </a:bodyPr>
+          <a:lstStyle/>
+          <a:p>
+            <a:pPr marL="0" indent="0">
+              <a:buNone/>
+            </a:pPr>
+            <a:r>
+              <a:rPr lang="en-US" dirty="0" smtClean="0"/>
+              <a:t>Previous Background (Java,</a:t>
+            </a:r>
+            <a:r>
+              <a:rPr lang="en-US" dirty="0"/>
+              <a:t> </a:t>
+            </a:r>
+            <a:r>
+              <a:rPr lang="en-US" dirty="0" smtClean="0"/>
+              <a:t>C)</a:t>
+            </a:r>
+          </a:p>
+          <a:p>
+            <a:pPr marL="0" indent="0">
+              <a:buNone/>
+            </a:pPr>
+            <a:r>
+              <a:rPr lang="en-US" dirty="0" smtClean="0"/>
+              <a:t>Learning Ruby, R, JavaScript, </a:t>
+            </a:r>
+            <a:r>
+              <a:rPr lang="en-US" dirty="0" err="1" smtClean="0"/>
+              <a:t>Git</a:t>
+            </a:r>
+            <a:endParaRPr lang="en-US" dirty="0" smtClean="0"/>
+          </a:p>
+          <a:p>
+            <a:pPr marL="0" indent="0">
+              <a:buNone/>
+            </a:pPr>
+            <a:r>
+              <a:rPr lang="en-US" dirty="0" smtClean="0"/>
+              <a:t>Databases and Queries (SQL, Mongo)</a:t>
+            </a:r>
+          </a:p>
+          <a:p>
+            <a:pPr marL="0" indent="0">
+              <a:buNone/>
+            </a:pPr>
+            <a:r>
+              <a:rPr lang="en-US" dirty="0" smtClean="0"/>
+              <a:t>Projects</a:t>
+            </a:r>
+          </a:p>
+          <a:p>
+            <a:pPr lvl="1"/>
+            <a:r>
+              <a:rPr lang="en-US" dirty="0" smtClean="0"/>
+              <a:t>Refactoring the Analytics </a:t>
+            </a:r>
+            <a:r>
+              <a:rPr lang="en-US" dirty="0" smtClean="0"/>
+              <a:t>Dashboard</a:t>
+            </a:r>
+          </a:p>
+          <a:p>
+            <a:pPr lvl="1"/>
+            <a:r>
+              <a:rPr lang="en-US" dirty="0" smtClean="0"/>
+              <a:t>SQL Queries and their insights</a:t>
+            </a:r>
+          </a:p>
+          <a:p>
+            <a:pPr lvl="1"/>
+            <a:r>
+              <a:rPr lang="en-US" dirty="0" smtClean="0"/>
+              <a:t>Statty2 Bugs</a:t>
+            </a:r>
+          </a:p>
+          <a:p>
+            <a:pPr marL="0" indent="0">
+              <a:buNone/>
+            </a:pPr>
+            <a:r>
+              <a:rPr lang="en-US" dirty="0" smtClean="0"/>
+              <a:t>Amazon Web Services EC2 Project</a:t>
+            </a:r>
+          </a:p>
+          <a:p>
+            <a:pPr lvl="1"/>
+            <a:r>
+              <a:rPr lang="en-US" dirty="0" smtClean="0"/>
+              <a:t>Demonstration</a:t>
+            </a:r>
+          </a:p>
+          <a:p>
+            <a:pPr marL="0" indent="0">
+              <a:buNone/>
+            </a:pPr>
+            <a:r>
+              <a:rPr lang="en-US" dirty="0" smtClean="0"/>
+              <a:t>Questions</a:t>
+            </a:r>
+          </a:p>
+          <a:p>
+            <a:endParaRPr lang="en-US" dirty="0"/>
+          </a:p>
+        </p:txBody>
+      </p:sp>
+    </p:spTree>
+    <p:extLst>
+      <p:ext uri="{BB962C8B-B14F-4D97-AF65-F5344CB8AC3E}">
+        <p14:creationId xmlns:p14="http://schemas.microsoft.com/office/powerpoint/2010/main" val="1901560151"/>
+      </p:ext>
+    </p:extLst>
+  </p:cSld>
+  <p:clrMapOvr>
+    <a:masterClrMapping/>
+  </p:clrMapOvr>
+  <p:timing>
+    <p:tnLst>
+      <p:par>
+        <p:cTn xmlns:p14="http://schemas.microsoft.com/office/powerpoint/2010/main" id="1" dur="indefinite" restart="never" nodeType="tmRoot"/>
+      </p:par>
+    </p:tnLst>
+  </p:timing>
+</p:sld>
+</file>
+
+<file path=ppt/slides/slide20.xml><?xml version="1.0" encoding="utf-8"?>
 <p:sld xmlns:a="http://schemas.openxmlformats.org/drawingml/2006/main" xmlns:r="http://schemas.openxmlformats.org/officeDocument/2006/relationships" xmlns:p="http://schemas.openxmlformats.org/presentationml/2006/main">
   <p:cSld>
     <p:spTree>
@@ -24812,13 +25721,13 @@
           <p:nvPr/>
         </p:nvCxnSpPr>
         <p:spPr>
-          <a:xfrm flipV="1">
+          <a:xfrm>
             <a:off x="2044108" y="4313374"/>
-            <a:ext cx="3832702" cy="67630"/>
+            <a:ext cx="3832702" cy="12700"/>
           </a:xfrm>
           <a:prstGeom prst="curvedConnector3">
             <a:avLst>
-              <a:gd name="adj1" fmla="val 4510"/>
+              <a:gd name="adj1" fmla="val 50000"/>
             </a:avLst>
           </a:prstGeom>
           <a:ln>
@@ -24860,7 +25769,7 @@
 </p:sld>
 </file>
 
-<file path=ppt/slides/slide19.xml><?xml version="1.0" encoding="utf-8"?>
+<file path=ppt/slides/slide21.xml><?xml version="1.0" encoding="utf-8"?>
 <p:sld xmlns:a="http://schemas.openxmlformats.org/drawingml/2006/main" xmlns:r="http://schemas.openxmlformats.org/officeDocument/2006/relationships" xmlns:p="http://schemas.openxmlformats.org/presentationml/2006/main">
   <p:cSld>
     <p:spTree>
@@ -24973,166 +25882,7 @@
 </p:sld>
 </file>
 
-<file path=ppt/slides/slide2.xml><?xml version="1.0" encoding="utf-8"?>
-<p:sld xmlns:a="http://schemas.openxmlformats.org/drawingml/2006/main" xmlns:r="http://schemas.openxmlformats.org/officeDocument/2006/relationships" xmlns:p="http://schemas.openxmlformats.org/presentationml/2006/main">
-  <p:cSld>
-    <p:spTree>
-      <p:nvGrpSpPr>
-        <p:cNvPr id="1" name=""/>
-        <p:cNvGrpSpPr/>
-        <p:nvPr/>
-      </p:nvGrpSpPr>
-      <p:grpSpPr>
-        <a:xfrm>
-          <a:off x="0" y="0"/>
-          <a:ext cx="0" cy="0"/>
-          <a:chOff x="0" y="0"/>
-          <a:chExt cx="0" cy="0"/>
-        </a:xfrm>
-      </p:grpSpPr>
-      <p:sp>
-        <p:nvSpPr>
-          <p:cNvPr id="4" name="Title 3"/>
-          <p:cNvSpPr>
-            <a:spLocks noGrp="1"/>
-          </p:cNvSpPr>
-          <p:nvPr>
-            <p:ph type="title"/>
-          </p:nvPr>
-        </p:nvSpPr>
-        <p:spPr/>
-        <p:txBody>
-          <a:bodyPr/>
-          <a:lstStyle/>
-          <a:p>
-            <a:r>
-              <a:rPr lang="en-US" dirty="0" smtClean="0"/>
-              <a:t>Overview</a:t>
-            </a:r>
-            <a:endParaRPr lang="en-US" dirty="0"/>
-          </a:p>
-        </p:txBody>
-      </p:sp>
-      <p:sp>
-        <p:nvSpPr>
-          <p:cNvPr id="5" name="Content Placeholder 4"/>
-          <p:cNvSpPr>
-            <a:spLocks noGrp="1"/>
-          </p:cNvSpPr>
-          <p:nvPr>
-            <p:ph idx="1"/>
-          </p:nvPr>
-        </p:nvSpPr>
-        <p:spPr/>
-        <p:txBody>
-          <a:bodyPr>
-            <a:normAutofit lnSpcReduction="10000"/>
-          </a:bodyPr>
-          <a:lstStyle/>
-          <a:p>
-            <a:r>
-              <a:rPr lang="en-US" dirty="0" smtClean="0"/>
-              <a:t>Previous Background (Java,</a:t>
-            </a:r>
-            <a:r>
-              <a:rPr lang="en-US" dirty="0"/>
-              <a:t> </a:t>
-            </a:r>
-            <a:r>
-              <a:rPr lang="en-US" dirty="0" smtClean="0"/>
-              <a:t>C)</a:t>
-            </a:r>
-          </a:p>
-          <a:p>
-            <a:r>
-              <a:rPr lang="en-US" dirty="0" smtClean="0"/>
-              <a:t>Learning Ruby, R, JavaScript, </a:t>
-            </a:r>
-            <a:r>
-              <a:rPr lang="en-US" dirty="0" err="1" smtClean="0"/>
-              <a:t>Git</a:t>
-            </a:r>
-            <a:endParaRPr lang="en-US" dirty="0" smtClean="0"/>
-          </a:p>
-          <a:p>
-            <a:r>
-              <a:rPr lang="en-US" dirty="0" smtClean="0"/>
-              <a:t>Databases and Queries (SQL, Mongo)</a:t>
-            </a:r>
-          </a:p>
-          <a:p>
-            <a:r>
-              <a:rPr lang="en-US" dirty="0" smtClean="0"/>
-              <a:t>Projects</a:t>
-            </a:r>
-          </a:p>
-          <a:p>
-            <a:pPr lvl="1"/>
-            <a:r>
-              <a:rPr lang="en-US" dirty="0" smtClean="0"/>
-              <a:t>Analytics Dashboard</a:t>
-            </a:r>
-          </a:p>
-          <a:p>
-            <a:pPr lvl="1"/>
-            <a:r>
-              <a:rPr lang="en-US" dirty="0" smtClean="0"/>
-              <a:t>SQL Queries and their insights</a:t>
-            </a:r>
-          </a:p>
-          <a:p>
-            <a:pPr lvl="1"/>
-            <a:r>
-              <a:rPr lang="en-US" dirty="0" smtClean="0"/>
-              <a:t>Statty2 Bugs</a:t>
-            </a:r>
-          </a:p>
-          <a:p>
-            <a:r>
-              <a:rPr lang="en-US" dirty="0" smtClean="0"/>
-              <a:t>Amazon Web Services EC2 Project</a:t>
-            </a:r>
-          </a:p>
-          <a:p>
-            <a:pPr lvl="1"/>
-            <a:r>
-              <a:rPr lang="en-US" dirty="0" smtClean="0"/>
-              <a:t>Demonstration</a:t>
-            </a:r>
-          </a:p>
-          <a:p>
-            <a:r>
-              <a:rPr lang="en-US" dirty="0" smtClean="0"/>
-              <a:t>Questions</a:t>
-            </a:r>
-            <a:endParaRPr lang="en-US" dirty="0" smtClean="0"/>
-          </a:p>
-          <a:p>
-            <a:endParaRPr lang="en-US" dirty="0"/>
-          </a:p>
-        </p:txBody>
-      </p:sp>
-    </p:spTree>
-    <p:extLst>
-      <p:ext uri="{BB962C8B-B14F-4D97-AF65-F5344CB8AC3E}">
-        <p14:creationId xmlns:p14="http://schemas.microsoft.com/office/powerpoint/2010/main" val="1901560151"/>
-      </p:ext>
-    </p:extLst>
-  </p:cSld>
-  <p:clrMapOvr>
-    <a:masterClrMapping/>
-  </p:clrMapOvr>
-  <p:timing>
-    <p:tnLst>
-      <p:par>
-        <p:cTn xmlns:p14="http://schemas.microsoft.com/office/powerpoint/2010/main" id="1" dur="indefinite" restart="never" nodeType="tmRoot"/>
-      </p:par>
-    </p:tnLst>
-  </p:timing>
-</p:sld>
-</file>
-
-<file path=ppt/slides/slide20.xml><?xml version="1.0" encoding="utf-8"?>
+<file path=ppt/slides/slide22.xml><?xml version="1.0" encoding="utf-8"?>
 <p:sld xmlns:a="http://schemas.openxmlformats.org/drawingml/2006/main" xmlns:r="http://schemas.openxmlformats.org/officeDocument/2006/relationships" xmlns:p="http://schemas.openxmlformats.org/presentationml/2006/main">
   <p:cSld>
     <p:spTree>
@@ -25176,7 +25926,11 @@
             </a:r>
             <a:r>
               <a:rPr lang="en-US" dirty="0" smtClean="0"/>
-              <a:t> In Statty2</a:t>
+              <a:t> </a:t>
+            </a:r>
+            <a:r>
+              <a:rPr lang="en-US" dirty="0" smtClean="0"/>
+              <a:t>In Statty2</a:t>
             </a:r>
             <a:endParaRPr lang="en-US" dirty="0"/>
           </a:p>
@@ -25255,122 +26009,7 @@
 </p:sld>
 </file>
 
-<file path=ppt/slides/slide21.xml><?xml version="1.0" encoding="utf-8"?>
-<p:sld xmlns:a="http://schemas.openxmlformats.org/drawingml/2006/main" xmlns:r="http://schemas.openxmlformats.org/officeDocument/2006/relationships" xmlns:p="http://schemas.openxmlformats.org/presentationml/2006/main">
-  <p:cSld>
-    <p:spTree>
-      <p:nvGrpSpPr>
-        <p:cNvPr id="1" name=""/>
-        <p:cNvGrpSpPr/>
-        <p:nvPr/>
-      </p:nvGrpSpPr>
-      <p:grpSpPr>
-        <a:xfrm>
-          <a:off x="0" y="0"/>
-          <a:ext cx="0" cy="0"/>
-          <a:chOff x="0" y="0"/>
-          <a:chExt cx="0" cy="0"/>
-        </a:xfrm>
-      </p:grpSpPr>
-      <p:sp>
-        <p:nvSpPr>
-          <p:cNvPr id="2" name="Title 1"/>
-          <p:cNvSpPr>
-            <a:spLocks noGrp="1"/>
-          </p:cNvSpPr>
-          <p:nvPr>
-            <p:ph type="title"/>
-          </p:nvPr>
-        </p:nvSpPr>
-        <p:spPr/>
-        <p:txBody>
-          <a:bodyPr/>
-          <a:lstStyle/>
-          <a:p>
-            <a:r>
-              <a:rPr lang="en-US" dirty="0" err="1" smtClean="0"/>
-              <a:t>Autolaunch</a:t>
-            </a:r>
-            <a:r>
-              <a:rPr lang="en-US" dirty="0" smtClean="0"/>
-              <a:t> Usage Data From Mongo</a:t>
-            </a:r>
-            <a:endParaRPr lang="en-US" dirty="0"/>
-          </a:p>
-        </p:txBody>
-      </p:sp>
-      <p:pic>
-        <p:nvPicPr>
-          <p:cNvPr id="5" name="Content Placeholder 4" descr="Screen Shot 2013-07-29 at 2.47.18 PM.png"/>
-          <p:cNvPicPr>
-            <a:picLocks noGrp="1" noChangeAspect="1"/>
-          </p:cNvPicPr>
-          <p:nvPr>
-            <p:ph idx="1"/>
-          </p:nvPr>
-        </p:nvPicPr>
-        <p:blipFill rotWithShape="1">
-          <a:blip r:embed="rId3">
-            <a:extLst>
-              <a:ext uri="{28A0092B-C50C-407E-A947-70E740481C1C}">
-                <a14:useLocalDpi xmlns:a14="http://schemas.microsoft.com/office/drawing/2010/main" val="0"/>
-              </a:ext>
-            </a:extLst>
-          </a:blip>
-          <a:srcRect l="4923" r="1291"/>
-          <a:stretch/>
-        </p:blipFill>
-        <p:spPr>
-          <a:xfrm>
-            <a:off x="3476928" y="835025"/>
-            <a:ext cx="5584407" cy="5151438"/>
-          </a:xfrm>
-        </p:spPr>
-      </p:pic>
-      <p:sp>
-        <p:nvSpPr>
-          <p:cNvPr id="4" name="Text Placeholder 3"/>
-          <p:cNvSpPr>
-            <a:spLocks noGrp="1"/>
-          </p:cNvSpPr>
-          <p:nvPr>
-            <p:ph type="body" sz="half" idx="2"/>
-          </p:nvPr>
-        </p:nvSpPr>
-        <p:spPr/>
-        <p:txBody>
-          <a:bodyPr/>
-          <a:lstStyle/>
-          <a:p>
-            <a:r>
-              <a:rPr lang="en-US" dirty="0" smtClean="0"/>
-              <a:t>Now we can keep track of how long we keep instances in Amazon Web Services Running</a:t>
-            </a:r>
-            <a:endParaRPr lang="en-US" dirty="0"/>
-          </a:p>
-        </p:txBody>
-      </p:sp>
-    </p:spTree>
-    <p:extLst>
-      <p:ext uri="{BB962C8B-B14F-4D97-AF65-F5344CB8AC3E}">
-        <p14:creationId xmlns:p14="http://schemas.microsoft.com/office/powerpoint/2010/main" val="1923163419"/>
-      </p:ext>
-    </p:extLst>
-  </p:cSld>
-  <p:clrMapOvr>
-    <a:masterClrMapping/>
-  </p:clrMapOvr>
-  <p:timing>
-    <p:tnLst>
-      <p:par>
-        <p:cTn xmlns:p14="http://schemas.microsoft.com/office/powerpoint/2010/main" id="1" dur="indefinite" restart="never" nodeType="tmRoot"/>
-      </p:par>
-    </p:tnLst>
-  </p:timing>
-</p:sld>
-</file>
-
-<file path=ppt/slides/slide22.xml><?xml version="1.0" encoding="utf-8"?>
+<file path=ppt/slides/slide23.xml><?xml version="1.0" encoding="utf-8"?>
 <p:sld xmlns:a="http://schemas.openxmlformats.org/drawingml/2006/main" xmlns:r="http://schemas.openxmlformats.org/officeDocument/2006/relationships" xmlns:p="http://schemas.openxmlformats.org/presentationml/2006/main">
   <p:cSld>
     <p:spTree>
@@ -25535,24 +26174,36 @@
           <a:bodyPr/>
           <a:lstStyle/>
           <a:p>
+            <a:pPr marL="0" indent="0">
+              <a:buNone/>
+            </a:pPr>
             <a:r>
               <a:rPr lang="en-US" dirty="0" smtClean="0"/>
               <a:t>Primarily Java</a:t>
             </a:r>
           </a:p>
           <a:p>
+            <a:pPr marL="0" indent="0">
+              <a:buNone/>
+            </a:pPr>
             <a:r>
               <a:rPr lang="en-US" dirty="0" smtClean="0"/>
               <a:t>Good Bit of C</a:t>
             </a:r>
           </a:p>
           <a:p>
+            <a:pPr marL="0" indent="0">
+              <a:buNone/>
+            </a:pPr>
             <a:r>
               <a:rPr lang="en-US" dirty="0" smtClean="0"/>
               <a:t>Very Little in High-Level Languages</a:t>
             </a:r>
           </a:p>
           <a:p>
+            <a:pPr marL="0" indent="0">
+              <a:buNone/>
+            </a:pPr>
             <a:r>
               <a:rPr lang="en-US" dirty="0" smtClean="0"/>
               <a:t>No Database Experience</a:t>
@@ -25666,24 +26317,36 @@
           <a:bodyPr/>
           <a:lstStyle/>
           <a:p>
+            <a:pPr marL="0" indent="0">
+              <a:buNone/>
+            </a:pPr>
             <a:r>
               <a:rPr lang="en-US" dirty="0" smtClean="0"/>
               <a:t>Ruby</a:t>
             </a:r>
           </a:p>
           <a:p>
+            <a:pPr marL="0" indent="0">
+              <a:buNone/>
+            </a:pPr>
             <a:r>
               <a:rPr lang="en-US" dirty="0" smtClean="0"/>
               <a:t>R</a:t>
             </a:r>
           </a:p>
           <a:p>
+            <a:pPr marL="0" indent="0">
+              <a:buNone/>
+            </a:pPr>
             <a:r>
               <a:rPr lang="en-US" dirty="0" smtClean="0"/>
               <a:t>JavaScript</a:t>
             </a:r>
           </a:p>
           <a:p>
+            <a:pPr marL="0" indent="0">
+              <a:buNone/>
+            </a:pPr>
             <a:r>
               <a:rPr lang="en-US" dirty="0" err="1" smtClean="0"/>
               <a:t>Git</a:t>
@@ -25888,9 +26551,14 @@
         </p:nvSpPr>
         <p:spPr/>
         <p:txBody>
-          <a:bodyPr/>
+          <a:bodyPr>
+            <a:normAutofit fontScale="92500" lnSpcReduction="10000"/>
+          </a:bodyPr>
           <a:lstStyle/>
           <a:p>
+            <a:pPr marL="0" indent="0">
+              <a:buNone/>
+            </a:pPr>
             <a:r>
               <a:rPr lang="en-US" dirty="0" smtClean="0"/>
               <a:t>Great Website: </a:t>
@@ -25899,21 +26567,25 @@
               <a:rPr lang="en-US" dirty="0" smtClean="0">
                 <a:hlinkClick r:id="rId3"/>
               </a:rPr>
-              <a:t>Ruby The Hard Way</a:t>
-            </a:r>
-            <a:endParaRPr lang="en-US" dirty="0" smtClean="0"/>
-          </a:p>
-          <a:p>
-            <a:pPr marL="0" indent="0">
-              <a:buNone/>
-            </a:pPr>
+              <a:t>Ruby The Hard </a:t>
+            </a:r>
+            <a:r>
+              <a:rPr lang="en-US" dirty="0" smtClean="0">
+                <a:hlinkClick r:id="rId3"/>
+              </a:rPr>
+              <a:t>Way</a:t>
+            </a:r>
             <a:r>
               <a:rPr lang="en-US" dirty="0"/>
               <a:t> </a:t>
             </a:r>
             <a:r>
               <a:rPr lang="en-US" dirty="0" smtClean="0"/>
-              <a:t>  (Also </a:t>
+              <a:t>(</a:t>
+            </a:r>
+            <a:r>
+              <a:rPr lang="en-US" dirty="0" smtClean="0"/>
+              <a:t>Also </a:t>
             </a:r>
             <a:r>
               <a:rPr lang="en-US" dirty="0" smtClean="0">
@@ -25927,15 +26599,41 @@
             </a:r>
           </a:p>
           <a:p>
+            <a:pPr marL="0" indent="0">
+              <a:buNone/>
+            </a:pPr>
+            <a:endParaRPr lang="en-US" dirty="0" smtClean="0"/>
+          </a:p>
+          <a:p>
+            <a:pPr marL="0" indent="0">
+              <a:buNone/>
+            </a:pPr>
             <a:r>
               <a:rPr lang="en-US" dirty="0" smtClean="0"/>
-              <a:t>For the Technical Details: The Ruby Programming Language</a:t>
-            </a:r>
-          </a:p>
-          <a:p>
+              <a:t>For </a:t>
+            </a:r>
             <a:r>
               <a:rPr lang="en-US" dirty="0" smtClean="0"/>
-              <a:t>JavaScript: All Over The Internet, But Primarily </a:t>
+              <a:t>the Technical Details: The Ruby Programming Language</a:t>
+            </a:r>
+          </a:p>
+          <a:p>
+            <a:pPr marL="0" indent="0">
+              <a:buNone/>
+            </a:pPr>
+            <a:endParaRPr lang="en-US" dirty="0" smtClean="0"/>
+          </a:p>
+          <a:p>
+            <a:pPr marL="0" indent="0">
+              <a:buNone/>
+            </a:pPr>
+            <a:r>
+              <a:rPr lang="en-US" dirty="0" smtClean="0"/>
+              <a:t>JavaScript</a:t>
+            </a:r>
+            <a:r>
+              <a:rPr lang="en-US" dirty="0" smtClean="0"/>
+              <a:t>: All Over The Internet, But Primarily </a:t>
             </a:r>
             <a:r>
               <a:rPr lang="en-US" dirty="0" smtClean="0">
@@ -26051,19 +26749,45 @@
           <a:bodyPr/>
           <a:lstStyle/>
           <a:p>
+            <a:pPr marL="0" indent="0">
+              <a:buNone/>
+            </a:pPr>
             <a:r>
               <a:rPr lang="en-US" dirty="0" smtClean="0"/>
-              <a:t>SQL: </a:t>
-            </a:r>
+              <a:t>SQL:</a:t>
+            </a:r>
+          </a:p>
+          <a:p>
+            <a:pPr lvl="1"/>
             <a:r>
               <a:rPr lang="en-US" dirty="0" smtClean="0">
                 <a:hlinkClick r:id="rId3"/>
               </a:rPr>
-              <a:t>Official Reference Manual</a:t>
-            </a:r>
+              <a:t>Official </a:t>
+            </a:r>
+            <a:r>
+              <a:rPr lang="en-US" dirty="0" smtClean="0">
+                <a:hlinkClick r:id="rId3"/>
+              </a:rPr>
+              <a:t>Reference </a:t>
+            </a:r>
+            <a:r>
+              <a:rPr lang="en-US" dirty="0" smtClean="0">
+                <a:hlinkClick r:id="rId3"/>
+              </a:rPr>
+              <a:t>Manual</a:t>
+            </a:r>
+            <a:endParaRPr lang="en-US" dirty="0" smtClean="0"/>
+          </a:p>
+          <a:p>
+            <a:pPr lvl="1"/>
             <a:r>
               <a:rPr lang="en-US" dirty="0" smtClean="0"/>
-              <a:t> and Basic Concepts from </a:t>
+              <a:t>Basic </a:t>
+            </a:r>
+            <a:r>
+              <a:rPr lang="en-US" dirty="0" smtClean="0"/>
+              <a:t>Concepts from </a:t>
             </a:r>
             <a:r>
               <a:rPr lang="en-US" dirty="0" smtClean="0">
@@ -26074,15 +26798,30 @@
             <a:endParaRPr lang="en-US" dirty="0" smtClean="0"/>
           </a:p>
           <a:p>
+            <a:pPr marL="0" indent="0">
+              <a:buNone/>
+            </a:pPr>
             <a:r>
               <a:rPr lang="en-US" dirty="0" smtClean="0"/>
               <a:t>Mongo: </a:t>
             </a:r>
+            <a:endParaRPr lang="en-US" dirty="0" smtClean="0"/>
+          </a:p>
+          <a:p>
+            <a:pPr lvl="1"/>
             <a:r>
               <a:rPr lang="en-US" dirty="0" smtClean="0">
                 <a:hlinkClick r:id="rId5"/>
               </a:rPr>
               <a:t>Official Website</a:t>
+            </a:r>
+            <a:endParaRPr lang="en-US" dirty="0" smtClean="0"/>
+          </a:p>
+          <a:p>
+            <a:pPr lvl="1"/>
+            <a:r>
+              <a:rPr lang="en-US" dirty="0" smtClean="0"/>
+              <a:t>SQL to Mongo Translation</a:t>
             </a:r>
             <a:endParaRPr lang="en-US" dirty="0" smtClean="0"/>
           </a:p>
@@ -26221,82 +26960,48 @@
         <p:spPr/>
         <p:txBody>
           <a:bodyPr>
-            <a:normAutofit lnSpcReduction="10000"/>
+            <a:normAutofit/>
           </a:bodyPr>
           <a:lstStyle/>
           <a:p>
+            <a:pPr marL="0" indent="0">
+              <a:buNone/>
+            </a:pPr>
             <a:r>
               <a:rPr lang="en-US" dirty="0" smtClean="0"/>
-              <a:t>Speeding Up the Analytics </a:t>
+              <a:t>Database Queries For Different Departments</a:t>
+            </a:r>
+          </a:p>
+          <a:p>
+            <a:endParaRPr lang="en-US" dirty="0" smtClean="0"/>
+          </a:p>
+          <a:p>
+            <a:pPr marL="0" indent="0">
+              <a:buNone/>
+            </a:pPr>
+            <a:r>
+              <a:rPr lang="en-US" dirty="0"/>
+              <a:t>Improved Analytics Dashboard Performance</a:t>
+            </a:r>
+          </a:p>
+          <a:p>
+            <a:endParaRPr lang="en-US" dirty="0"/>
+          </a:p>
+          <a:p>
+            <a:pPr marL="0" indent="0">
+              <a:buNone/>
+            </a:pPr>
+            <a:r>
+              <a:rPr lang="en-US" dirty="0"/>
+              <a:t>Statty2</a:t>
             </a:r>
             <a:r>
               <a:rPr lang="en-US" dirty="0" smtClean="0"/>
-              <a:t>Dashboard</a:t>
+              <a:t>–Fixing Bugs, Building New Metrics</a:t>
             </a:r>
           </a:p>
           <a:p>
             <a:endParaRPr lang="en-US" dirty="0" smtClean="0"/>
-          </a:p>
-          <a:p>
-            <a:r>
-              <a:rPr lang="en-US" dirty="0" smtClean="0"/>
-              <a:t>SQL Queries </a:t>
-            </a:r>
-            <a:r>
-              <a:rPr lang="en-US" dirty="0"/>
-              <a:t>Across Different Departments–CTA Usage, Character Usage in Title Cards, </a:t>
-            </a:r>
-            <a:r>
-              <a:rPr lang="en-US" dirty="0" err="1"/>
-              <a:t>iOS</a:t>
-            </a:r>
-            <a:r>
-              <a:rPr lang="en-US" dirty="0"/>
-              <a:t> video creation before/after Creation </a:t>
-            </a:r>
-            <a:r>
-              <a:rPr lang="en-US" dirty="0" smtClean="0"/>
-              <a:t>Flow</a:t>
-            </a:r>
-          </a:p>
-          <a:p>
-            <a:endParaRPr lang="en-US" dirty="0"/>
-          </a:p>
-          <a:p>
-            <a:r>
-              <a:rPr lang="en-US" dirty="0"/>
-              <a:t>Statty2–Fixing Widget so rollup field doesn’t </a:t>
-            </a:r>
-            <a:r>
-              <a:rPr lang="en-US" dirty="0" smtClean="0"/>
-              <a:t>reset</a:t>
-            </a:r>
-          </a:p>
-          <a:p>
-            <a:endParaRPr lang="en-US" dirty="0" smtClean="0"/>
-          </a:p>
-          <a:p>
-            <a:r>
-              <a:rPr lang="en-US" dirty="0" smtClean="0"/>
-              <a:t>Amazon </a:t>
-            </a:r>
-            <a:r>
-              <a:rPr lang="en-US" dirty="0" smtClean="0"/>
-              <a:t>EC2 Metrics–Integrating new report into Statty2, </a:t>
-            </a:r>
-            <a:r>
-              <a:rPr lang="en-US" dirty="0" err="1" smtClean="0"/>
-              <a:t>Autolaunch</a:t>
-            </a:r>
-            <a:r>
-              <a:rPr lang="en-US" dirty="0" smtClean="0"/>
-              <a:t> data from </a:t>
-            </a:r>
-            <a:r>
-              <a:rPr lang="en-US" dirty="0" err="1" smtClean="0"/>
-              <a:t>MongoDB</a:t>
-            </a:r>
-            <a:endParaRPr lang="en-US" dirty="0"/>
           </a:p>
         </p:txBody>
       </p:sp>
@@ -26354,11 +27059,11 @@
           <a:p>
             <a:r>
               <a:rPr lang="en-US" dirty="0" smtClean="0"/>
-              <a:t>Speeding Up the Analytics </a:t>
+              <a:t>Database Queries For Different </a:t>
             </a:r>
             <a:r>
               <a:rPr lang="en-US" dirty="0" smtClean="0"/>
-              <a:t>Dashboard</a:t>
+              <a:t>Teams</a:t>
             </a:r>
             <a:endParaRPr lang="en-US" dirty="0"/>
           </a:p>
@@ -26366,7 +27071,7 @@
       </p:sp>
       <p:sp>
         <p:nvSpPr>
-          <p:cNvPr id="3" name="Content Placeholder 2"/>
+          <p:cNvPr id="4" name="Text Placeholder 3"/>
           <p:cNvSpPr>
             <a:spLocks noGrp="1"/>
           </p:cNvSpPr>
@@ -26380,15 +27085,20 @@
           <a:lstStyle/>
           <a:p>
             <a:r>
+              <a:rPr lang="en-US" dirty="0" err="1" smtClean="0"/>
+              <a:t>Learnings</a:t>
+            </a:r>
+            <a:r>
               <a:rPr lang="en-US" dirty="0" smtClean="0"/>
-              <a:t>From Scripting Style to Object-Oriented Style–Significant Performance Upgrade</a:t>
-            </a:r>
+              <a:t> and Insights</a:t>
+            </a:r>
+            <a:endParaRPr lang="en-US" dirty="0"/>
           </a:p>
         </p:txBody>
       </p:sp>
       <p:pic>
         <p:nvPicPr>
-          <p:cNvPr id="8" name="Picture Placeholder 7" descr="Screen Shot 2013-07-29 at 9.36.51 AM.png"/>
+          <p:cNvPr id="7" name="Picture Placeholder 6" descr="ibm-mobile-database.png"/>
           <p:cNvPicPr>
             <a:picLocks noGrp="1" noChangeAspect="1"/>
           </p:cNvPicPr>
@@ -26397,14 +27107,14 @@
           </p:nvPr>
         </p:nvPicPr>
         <p:blipFill>
-          <a:blip r:embed="rId3" cstate="print">
+          <a:blip r:embed="rId3">
             <a:extLst>
               <a:ext uri="{28A0092B-C50C-407E-A947-70E740481C1C}">
                 <a14:useLocalDpi xmlns:a14="http://schemas.microsoft.com/office/drawing/2010/main" val="0"/>
               </a:ext>
             </a:extLst>
           </a:blip>
-          <a:srcRect t="1655" b="1655"/>
+          <a:srcRect l="33" r="33"/>
           <a:stretch>
             <a:fillRect/>
           </a:stretch>
@@ -26414,7 +27124,7 @@
     </p:spTree>
     <p:extLst>
       <p:ext uri="{BB962C8B-B14F-4D97-AF65-F5344CB8AC3E}">
-        <p14:creationId xmlns:p14="http://schemas.microsoft.com/office/powerpoint/2010/main" val="2693494578"/>
+        <p14:creationId xmlns:p14="http://schemas.microsoft.com/office/powerpoint/2010/main" val="355414492"/>
       </p:ext>
     </p:extLst>
   </p:cSld>
@@ -26450,7 +27160,7 @@
       </p:grpSpPr>
       <p:sp>
         <p:nvSpPr>
-          <p:cNvPr id="5" name="Title 4"/>
+          <p:cNvPr id="2" name="Title 1"/>
           <p:cNvSpPr>
             <a:spLocks noGrp="1"/>
           </p:cNvSpPr>
@@ -26458,23 +27168,14 @@
             <p:ph type="title"/>
           </p:nvPr>
         </p:nvSpPr>
-        <p:spPr>
-          <a:xfrm>
-            <a:off x="497582" y="436563"/>
-            <a:ext cx="8154406" cy="1442674"/>
-          </a:xfrm>
-        </p:spPr>
+        <p:spPr/>
         <p:txBody>
           <a:bodyPr/>
           <a:lstStyle/>
           <a:p>
             <a:r>
               <a:rPr lang="en-US" dirty="0" smtClean="0"/>
-              <a:t>Before and After: </a:t>
-            </a:r>
-            <a:r>
-              <a:rPr lang="en-US" dirty="0" smtClean="0"/>
-              <a:t>Overview</a:t>
+              <a:t>CTA Usage</a:t>
             </a:r>
             <a:endParaRPr lang="en-US" dirty="0"/>
           </a:p>
@@ -26482,12 +27183,12 @@
       </p:sp>
       <p:sp>
         <p:nvSpPr>
-          <p:cNvPr id="6" name="Content Placeholder 5"/>
+          <p:cNvPr id="3" name="Content Placeholder 2"/>
           <p:cNvSpPr>
             <a:spLocks noGrp="1"/>
           </p:cNvSpPr>
           <p:nvPr>
-            <p:ph sz="quarter" idx="13"/>
+            <p:ph idx="1"/>
           </p:nvPr>
         </p:nvSpPr>
         <p:spPr/>
@@ -26497,107 +27198,76 @@
           </a:bodyPr>
           <a:lstStyle/>
           <a:p>
-            <a:r>
-              <a:rPr lang="en-US" sz="2000" dirty="0" smtClean="0"/>
-              <a:t>Obtained All Data From API every time page was refreshed</a:t>
-            </a:r>
-          </a:p>
-          <a:p>
-            <a:r>
-              <a:rPr lang="en-US" sz="2000" dirty="0" smtClean="0"/>
-              <a:t>Performed Data Transforms in Every Instance</a:t>
-            </a:r>
-          </a:p>
-          <a:p>
-            <a:r>
-              <a:rPr lang="en-US" sz="2000" dirty="0" smtClean="0"/>
-              <a:t>Large Monolithic Scripts For Obtaining and Transforming From Each Data Source</a:t>
-            </a:r>
-          </a:p>
-          <a:p>
-            <a:r>
-              <a:rPr lang="en-US" sz="2000" dirty="0" smtClean="0"/>
-              <a:t>Uses </a:t>
-            </a:r>
-            <a:r>
-              <a:rPr lang="en-US" sz="2000" dirty="0" smtClean="0"/>
-              <a:t>d3 library </a:t>
-            </a:r>
-            <a:r>
-              <a:rPr lang="en-US" sz="2000" dirty="0" smtClean="0"/>
-              <a:t>for </a:t>
-            </a:r>
-            <a:r>
-              <a:rPr lang="en-US" sz="2000" dirty="0" smtClean="0"/>
-              <a:t>charting</a:t>
-            </a:r>
-          </a:p>
-          <a:p>
-            <a:r>
-              <a:rPr lang="en-US" sz="2000" dirty="0" smtClean="0"/>
-              <a:t>Very Slow Upon Start Up</a:t>
-            </a:r>
-            <a:endParaRPr lang="en-US" sz="2000" dirty="0"/>
+            <a:pPr marL="0" indent="0">
+              <a:buNone/>
+            </a:pPr>
+            <a:r>
+              <a:rPr lang="en-US" dirty="0" smtClean="0"/>
+              <a:t>What Percentage of Users and Videos (broken down by user type) Use CTAs in Their Videos?</a:t>
+            </a:r>
+          </a:p>
+          <a:p>
+            <a:pPr marL="0" indent="0">
+              <a:buNone/>
+            </a:pPr>
+            <a:endParaRPr lang="en-US" dirty="0" smtClean="0"/>
+          </a:p>
+          <a:p>
+            <a:pPr marL="0" indent="0">
+              <a:buNone/>
+            </a:pPr>
+            <a:r>
+              <a:rPr lang="en-US" dirty="0" smtClean="0"/>
+              <a:t>Challenges:</a:t>
+            </a:r>
+          </a:p>
+          <a:p>
+            <a:pPr lvl="1"/>
+            <a:r>
+              <a:rPr lang="en-US" dirty="0" smtClean="0"/>
+              <a:t>Combining Data From Multiple Databases</a:t>
+            </a:r>
+          </a:p>
+          <a:p>
+            <a:pPr lvl="1"/>
+            <a:r>
+              <a:rPr lang="en-US" dirty="0" smtClean="0"/>
+              <a:t>Using Slightly Unclear Data</a:t>
+            </a:r>
           </a:p>
         </p:txBody>
       </p:sp>
       <p:sp>
         <p:nvSpPr>
-          <p:cNvPr id="7" name="Content Placeholder 6"/>
+          <p:cNvPr id="4" name="Text Placeholder 3"/>
           <p:cNvSpPr>
             <a:spLocks noGrp="1"/>
           </p:cNvSpPr>
           <p:nvPr>
-            <p:ph sz="quarter" idx="14"/>
+            <p:ph type="body" sz="half" idx="2"/>
           </p:nvPr>
         </p:nvSpPr>
         <p:spPr/>
         <p:txBody>
-          <a:bodyPr>
-            <a:normAutofit lnSpcReduction="10000"/>
-          </a:bodyPr>
+          <a:bodyPr/>
           <a:lstStyle/>
           <a:p>
             <a:r>
-              <a:rPr lang="en-US" sz="2000" dirty="0" smtClean="0"/>
-              <a:t>Caches Data Periodically on the server</a:t>
-            </a:r>
-          </a:p>
-          <a:p>
-            <a:r>
-              <a:rPr lang="en-US" sz="2000" dirty="0" smtClean="0"/>
-              <a:t>Performs Data Transforms on Server and Stores it Periodically</a:t>
-            </a:r>
-          </a:p>
-          <a:p>
-            <a:r>
-              <a:rPr lang="en-US" sz="2000" dirty="0" smtClean="0"/>
-              <a:t>Hierarchical Structure With Standard Interfaces Across Levels for Data Exchange</a:t>
-            </a:r>
-          </a:p>
-          <a:p>
-            <a:r>
-              <a:rPr lang="en-US" sz="2000" dirty="0" smtClean="0"/>
-              <a:t>Will use NVD3 (in the future) for charting–nicer looking and easier to scale with new </a:t>
-            </a:r>
-            <a:r>
-              <a:rPr lang="en-US" sz="2000" dirty="0" smtClean="0"/>
-              <a:t>data</a:t>
-            </a:r>
-          </a:p>
-          <a:p>
-            <a:r>
-              <a:rPr lang="en-US" sz="2000" dirty="0" smtClean="0"/>
-              <a:t>Much Faster Upon Start Up</a:t>
-            </a:r>
-            <a:endParaRPr lang="en-US" sz="2000" dirty="0"/>
+              <a:rPr lang="en-US" dirty="0" smtClean="0"/>
+              <a:t>For Tom Clifto</a:t>
+            </a:r>
+            <a:r>
+              <a:rPr lang="en-US" dirty="0" smtClean="0"/>
+              <a:t>n to Evaluate the Feature</a:t>
+            </a:r>
+            <a:endParaRPr lang="en-US" dirty="0"/>
           </a:p>
         </p:txBody>
       </p:sp>
     </p:spTree>
     <p:extLst>
       <p:ext uri="{BB962C8B-B14F-4D97-AF65-F5344CB8AC3E}">
-        <p14:creationId xmlns:p14="http://schemas.microsoft.com/office/powerpoint/2010/main" val="1779531623"/>
+        <p14:creationId xmlns:p14="http://schemas.microsoft.com/office/powerpoint/2010/main" val="335278862"/>
       </p:ext>
     </p:extLst>
   </p:cSld>

--- a/TechTalk.pptx
+++ b/TechTalk.pptx
@@ -3563,11 +3563,7 @@
         <a:p>
           <a:r>
             <a:rPr lang="en-US" dirty="0" smtClean="0"/>
-            <a:t>Unpack </a:t>
-          </a:r>
-          <a:r>
-            <a:rPr lang="en-US" dirty="0" smtClean="0"/>
-            <a:t>Pre-Parsed JSON</a:t>
+            <a:t>Unpack Pre-Parsed JSON</a:t>
           </a:r>
           <a:endParaRPr lang="en-US" dirty="0"/>
         </a:p>
@@ -6362,11 +6358,7 @@
           </a:pPr>
           <a:r>
             <a:rPr lang="en-US" sz="2100" kern="1200" dirty="0" smtClean="0"/>
-            <a:t>Unpack </a:t>
-          </a:r>
-          <a:r>
-            <a:rPr lang="en-US" sz="2100" kern="1200" dirty="0" smtClean="0"/>
-            <a:t>Pre-Parsed JSON</a:t>
+            <a:t>Unpack Pre-Parsed JSON</a:t>
           </a:r>
           <a:endParaRPr lang="en-US" sz="2100" kern="1200" dirty="0"/>
         </a:p>
@@ -12102,7 +12094,7 @@
           <a:p>
             <a:fld id="{3A4B4888-17FE-CA4E-8B53-0D9711543E69}" type="datetimeFigureOut">
               <a:rPr lang="en-US" smtClean="0"/>
-              <a:t>7/30/13</a:t>
+              <a:t>7/31/13</a:t>
             </a:fld>
             <a:endParaRPr lang="en-US"/>
           </a:p>
@@ -14991,7 +14983,7 @@
             <a:fld id="{25AE17C7-B787-4E50-994D-5E804113A1E9}" type="datetime4">
               <a:rPr lang="en-US" smtClean="0"/>
               <a:pPr/>
-              <a:t>July 30, 2013</a:t>
+              <a:t>July 31, 2013</a:t>
             </a:fld>
             <a:endParaRPr lang="en-US" dirty="0"/>
           </a:p>
@@ -15219,7 +15211,7 @@
             <a:fld id="{E694C003-38E8-486A-9BFD-47E55D87241C}" type="datetime1">
               <a:rPr lang="en-US" smtClean="0"/>
               <a:pPr/>
-              <a:t>7/30/13</a:t>
+              <a:t>7/31/13</a:t>
             </a:fld>
             <a:endParaRPr lang="en-US"/>
           </a:p>
@@ -15396,7 +15388,7 @@
             <a:fld id="{E059EAA3-934B-41DB-B3B1-806F4BE5CC37}" type="datetime1">
               <a:rPr lang="en-US" smtClean="0"/>
               <a:pPr/>
-              <a:t>7/30/13</a:t>
+              <a:t>7/31/13</a:t>
             </a:fld>
             <a:endParaRPr lang="en-US"/>
           </a:p>
@@ -15563,7 +15555,7 @@
             <a:fld id="{8F97F932-D99A-4087-BFB1-EA42FAFC8D2C}" type="datetime1">
               <a:rPr lang="en-US" smtClean="0"/>
               <a:pPr/>
-              <a:t>7/30/13</a:t>
+              <a:t>7/31/13</a:t>
             </a:fld>
             <a:endParaRPr lang="en-US"/>
           </a:p>
@@ -15806,7 +15798,7 @@
             <a:fld id="{679F0FCF-2EA5-4FF5-AF14-1CA9C8854AAB}" type="datetime4">
               <a:rPr lang="en-US" smtClean="0"/>
               <a:pPr/>
-              <a:t>July 30, 2013</a:t>
+              <a:t>July 31, 2013</a:t>
             </a:fld>
             <a:endParaRPr lang="en-US" dirty="0"/>
           </a:p>
@@ -15921,7 +15913,7 @@
             <a:fld id="{8FB3498D-21C7-408B-8EF5-5B55DEF0BFD5}" type="datetime1">
               <a:rPr lang="en-US" smtClean="0"/>
               <a:pPr/>
-              <a:t>7/30/13</a:t>
+              <a:t>7/31/13</a:t>
             </a:fld>
             <a:endParaRPr lang="en-US"/>
           </a:p>
@@ -16300,7 +16292,7 @@
             <a:fld id="{84DB246E-8FD1-42FF-94A4-E4133095C37A}" type="datetime1">
               <a:rPr lang="en-US" smtClean="0"/>
               <a:pPr/>
-              <a:t>7/30/13</a:t>
+              <a:t>7/31/13</a:t>
             </a:fld>
             <a:endParaRPr lang="en-US"/>
           </a:p>
@@ -21947,7 +21939,7 @@
             <a:fld id="{A93939D4-B818-4372-B1EE-7CB6D5BBC74A}" type="datetime1">
               <a:rPr lang="en-US" smtClean="0"/>
               <a:pPr/>
-              <a:t>7/30/13</a:t>
+              <a:t>7/31/13</a:t>
             </a:fld>
             <a:endParaRPr lang="en-US"/>
           </a:p>
@@ -22039,7 +22031,7 @@
             <a:fld id="{2F35E438-4D0D-4834-B658-A90420491D98}" type="datetime1">
               <a:rPr lang="en-US" smtClean="0"/>
               <a:pPr/>
-              <a:t>7/30/13</a:t>
+              <a:t>7/31/13</a:t>
             </a:fld>
             <a:endParaRPr lang="en-US"/>
           </a:p>
@@ -22313,7 +22305,7 @@
             <a:fld id="{76F8ADFA-7142-4015-85E6-1712F15FA709}" type="datetime1">
               <a:rPr lang="en-US" smtClean="0"/>
               <a:pPr/>
-              <a:t>7/30/13</a:t>
+              <a:t>7/31/13</a:t>
             </a:fld>
             <a:endParaRPr lang="en-US"/>
           </a:p>
@@ -22623,7 +22615,7 @@
             <a:fld id="{34A581E0-D653-4D78-A48F-41D80498BC7E}" type="datetime1">
               <a:rPr lang="en-US" smtClean="0"/>
               <a:pPr/>
-              <a:t>7/30/13</a:t>
+              <a:t>7/31/13</a:t>
             </a:fld>
             <a:endParaRPr lang="en-US"/>
           </a:p>
@@ -22862,7 +22854,7 @@
             <a:fld id="{8B3AFFF1-9C47-49F0-AE12-AF188F3F4E82}" type="datetime1">
               <a:rPr lang="en-US" smtClean="0"/>
               <a:pPr/>
-              <a:t>7/30/13</a:t>
+              <a:t>7/31/13</a:t>
             </a:fld>
             <a:endParaRPr lang="en-US" dirty="0"/>
           </a:p>
@@ -23592,7 +23584,6 @@
               <a:rPr lang="en-US" dirty="0"/>
               <a:t>For Tom Clifton to Evaluate the Feature</a:t>
             </a:r>
-            <a:endParaRPr lang="en-US" dirty="0"/>
           </a:p>
         </p:txBody>
       </p:sp>
@@ -23885,7 +23876,7 @@
         <p:spPr/>
         <p:txBody>
           <a:bodyPr>
-            <a:normAutofit fontScale="85000" lnSpcReduction="10000"/>
+            <a:normAutofit/>
           </a:bodyPr>
           <a:lstStyle/>
           <a:p>
@@ -23923,11 +23914,7 @@
             <a:pPr lvl="1"/>
             <a:r>
               <a:rPr lang="en-US" dirty="0" smtClean="0"/>
-              <a:t>Forcing </a:t>
-            </a:r>
-            <a:r>
-              <a:rPr lang="en-US" dirty="0" smtClean="0"/>
-              <a:t>Java (</a:t>
+              <a:t>Forcing Java (</a:t>
             </a:r>
             <a:r>
               <a:rPr lang="en-US" dirty="0" err="1" smtClean="0"/>
@@ -23935,41 +23922,20 @@
             </a:r>
             <a:r>
               <a:rPr lang="en-US" dirty="0" smtClean="0"/>
-              <a:t>) to Interpret Input and Write Output as UTF-</a:t>
-            </a:r>
-            <a:r>
-              <a:rPr lang="en-US" dirty="0" smtClean="0"/>
-              <a:t>8</a:t>
+              <a:t>) to Interpret Input and Write Output as UTF-8</a:t>
             </a:r>
           </a:p>
           <a:p>
             <a:pPr lvl="1"/>
             <a:r>
               <a:rPr lang="en-US" dirty="0" smtClean="0"/>
-              <a:t>Dealing </a:t>
-            </a:r>
-            <a:r>
-              <a:rPr lang="en-US" dirty="0" smtClean="0"/>
-              <a:t>With Right-to-Left </a:t>
+              <a:t>Dealing With Right-to-Left </a:t>
             </a:r>
             <a:r>
               <a:rPr lang="en-US" dirty="0" smtClean="0"/>
               <a:t>Characters</a:t>
             </a:r>
-          </a:p>
-          <a:p>
-            <a:pPr lvl="1"/>
             <a:endParaRPr lang="en-US" dirty="0" smtClean="0"/>
-          </a:p>
-          <a:p>
-            <a:pPr marL="0" indent="0">
-              <a:buNone/>
-            </a:pPr>
-            <a:r>
-              <a:rPr lang="en-US" dirty="0" smtClean="0"/>
-              <a:t>Results: English Characters Vast Majority, but wide variety of Japanese, Korean, and Chinese Characters Also Need to be Considered When Choosing Fonts</a:t>
-            </a:r>
-            <a:endParaRPr lang="en-US" dirty="0"/>
           </a:p>
         </p:txBody>
       </p:sp>
@@ -23990,15 +23956,7 @@
           <a:p>
             <a:r>
               <a:rPr lang="en-US" dirty="0" smtClean="0"/>
-              <a:t>For the Motion Design Team to </a:t>
-            </a:r>
-            <a:r>
-              <a:rPr lang="en-US" dirty="0" smtClean="0"/>
-              <a:t>Evaluate </a:t>
-            </a:r>
-            <a:r>
-              <a:rPr lang="en-US" dirty="0" smtClean="0"/>
-              <a:t>Rendering Quality of Fonts Over Different Character Planes</a:t>
+              <a:t>For the Motion Design Team to Evaluate Rendering Quality of Fonts Over Different Character Planes</a:t>
             </a:r>
             <a:endParaRPr lang="en-US" dirty="0"/>
           </a:p>
@@ -24380,11 +24338,7 @@
             </a:r>
             <a:r>
               <a:rPr lang="en-US" dirty="0" smtClean="0"/>
-              <a:t> Usage </a:t>
-            </a:r>
-            <a:r>
-              <a:rPr lang="en-US" dirty="0" smtClean="0"/>
-              <a:t>Data</a:t>
+              <a:t> Usage Data</a:t>
             </a:r>
             <a:endParaRPr lang="en-US" dirty="0"/>
           </a:p>
@@ -24528,21 +24482,8 @@
           <a:p>
             <a:r>
               <a:rPr lang="en-US" dirty="0" smtClean="0"/>
-              <a:t>From Scripting Style to Object-Oriented </a:t>
+              <a:t>From Scripting Style to Object-Oriented Style – Significant Performance Gain</a:t>
             </a:r>
-            <a:r>
-              <a:rPr lang="en-US" dirty="0" smtClean="0"/>
-              <a:t>Style – Significant </a:t>
-            </a:r>
-            <a:r>
-              <a:rPr lang="en-US" dirty="0" smtClean="0"/>
-              <a:t>Performance </a:t>
-            </a:r>
-            <a:r>
-              <a:rPr lang="en-US" dirty="0" smtClean="0"/>
-              <a:t>Gain</a:t>
-            </a:r>
-            <a:endParaRPr lang="en-US" dirty="0" smtClean="0"/>
           </a:p>
         </p:txBody>
       </p:sp>
@@ -25506,26 +25447,35 @@
           <a:p>
             <a:pPr lvl="1"/>
             <a:r>
-              <a:rPr lang="en-US" dirty="0" smtClean="0"/>
-              <a:t>Refactoring the Analytics </a:t>
+              <a:rPr lang="en-US" dirty="0"/>
+              <a:t>SQL Queries and </a:t>
             </a:r>
             <a:r>
               <a:rPr lang="en-US" dirty="0" smtClean="0"/>
-              <a:t>Dashboard</a:t>
+              <a:t>Their Insights</a:t>
             </a:r>
+            <a:endParaRPr lang="en-US" dirty="0"/>
           </a:p>
           <a:p>
             <a:pPr lvl="1"/>
             <a:r>
               <a:rPr lang="en-US" dirty="0" smtClean="0"/>
-              <a:t>SQL Queries and their insights</a:t>
+              <a:t>Refactoring </a:t>
+            </a:r>
+            <a:r>
+              <a:rPr lang="en-US" dirty="0" smtClean="0"/>
+              <a:t>the Analytics Dashboard</a:t>
             </a:r>
           </a:p>
           <a:p>
             <a:pPr lvl="1"/>
             <a:r>
               <a:rPr lang="en-US" dirty="0" smtClean="0"/>
-              <a:t>Statty2 Bugs</a:t>
+              <a:t>Statty2 </a:t>
+            </a:r>
+            <a:r>
+              <a:rPr lang="en-US" dirty="0" smtClean="0"/>
+              <a:t>Bugs</a:t>
             </a:r>
           </a:p>
           <a:p>
@@ -25926,11 +25876,7 @@
             </a:r>
             <a:r>
               <a:rPr lang="en-US" dirty="0" smtClean="0"/>
-              <a:t> </a:t>
-            </a:r>
-            <a:r>
-              <a:rPr lang="en-US" dirty="0" smtClean="0"/>
-              <a:t>In Statty2</a:t>
+              <a:t> In Statty2</a:t>
             </a:r>
             <a:endParaRPr lang="en-US" dirty="0"/>
           </a:p>
@@ -26567,13 +26513,7 @@
               <a:rPr lang="en-US" dirty="0" smtClean="0">
                 <a:hlinkClick r:id="rId3"/>
               </a:rPr>
-              <a:t>Ruby The Hard </a:t>
-            </a:r>
-            <a:r>
-              <a:rPr lang="en-US" dirty="0" smtClean="0">
-                <a:hlinkClick r:id="rId3"/>
-              </a:rPr>
-              <a:t>Way</a:t>
+              <a:t>Ruby The Hard Way</a:t>
             </a:r>
             <a:r>
               <a:rPr lang="en-US" dirty="0"/>
@@ -26581,11 +26521,7 @@
             </a:r>
             <a:r>
               <a:rPr lang="en-US" dirty="0" smtClean="0"/>
-              <a:t>(</a:t>
-            </a:r>
-            <a:r>
-              <a:rPr lang="en-US" dirty="0" smtClean="0"/>
-              <a:t>Also </a:t>
+              <a:t>(Also </a:t>
             </a:r>
             <a:r>
               <a:rPr lang="en-US" dirty="0" smtClean="0">
@@ -26610,11 +26546,7 @@
             </a:pPr>
             <a:r>
               <a:rPr lang="en-US" dirty="0" smtClean="0"/>
-              <a:t>For </a:t>
-            </a:r>
-            <a:r>
-              <a:rPr lang="en-US" dirty="0" smtClean="0"/>
-              <a:t>the Technical Details: The Ruby Programming Language</a:t>
+              <a:t>For the Technical Details: The Ruby Programming Language</a:t>
             </a:r>
           </a:p>
           <a:p>
@@ -26629,11 +26561,7 @@
             </a:pPr>
             <a:r>
               <a:rPr lang="en-US" dirty="0" smtClean="0"/>
-              <a:t>JavaScript</a:t>
-            </a:r>
-            <a:r>
-              <a:rPr lang="en-US" dirty="0" smtClean="0"/>
-              <a:t>: All Over The Internet, But Primarily </a:t>
+              <a:t>JavaScript: All Over The Internet, But Primarily </a:t>
             </a:r>
             <a:r>
               <a:rPr lang="en-US" dirty="0" smtClean="0">
@@ -26763,19 +26691,7 @@
               <a:rPr lang="en-US" dirty="0" smtClean="0">
                 <a:hlinkClick r:id="rId3"/>
               </a:rPr>
-              <a:t>Official </a:t>
-            </a:r>
-            <a:r>
-              <a:rPr lang="en-US" dirty="0" smtClean="0">
-                <a:hlinkClick r:id="rId3"/>
-              </a:rPr>
-              <a:t>Reference </a:t>
-            </a:r>
-            <a:r>
-              <a:rPr lang="en-US" dirty="0" smtClean="0">
-                <a:hlinkClick r:id="rId3"/>
-              </a:rPr>
-              <a:t>Manual</a:t>
+              <a:t>Official Reference Manual</a:t>
             </a:r>
             <a:endParaRPr lang="en-US" dirty="0" smtClean="0"/>
           </a:p>
@@ -26783,11 +26699,7 @@
             <a:pPr lvl="1"/>
             <a:r>
               <a:rPr lang="en-US" dirty="0" smtClean="0"/>
-              <a:t>Basic </a:t>
-            </a:r>
-            <a:r>
-              <a:rPr lang="en-US" dirty="0" smtClean="0"/>
-              <a:t>Concepts from </a:t>
+              <a:t>Basic Concepts from </a:t>
             </a:r>
             <a:r>
               <a:rPr lang="en-US" dirty="0" smtClean="0">
@@ -26805,7 +26717,6 @@
               <a:rPr lang="en-US" dirty="0" smtClean="0"/>
               <a:t>Mongo: </a:t>
             </a:r>
-            <a:endParaRPr lang="en-US" dirty="0" smtClean="0"/>
           </a:p>
           <a:p>
             <a:pPr lvl="1"/>
@@ -26820,7 +26731,9 @@
           <a:p>
             <a:pPr lvl="1"/>
             <a:r>
-              <a:rPr lang="en-US" dirty="0" smtClean="0"/>
+              <a:rPr lang="en-US" dirty="0" smtClean="0">
+                <a:hlinkClick r:id="rId6"/>
+              </a:rPr>
               <a:t>SQL to Mongo Translation</a:t>
             </a:r>
             <a:endParaRPr lang="en-US" dirty="0" smtClean="0"/>
@@ -26838,7 +26751,7 @@
           </p:nvPr>
         </p:nvPicPr>
         <p:blipFill>
-          <a:blip r:embed="rId6">
+          <a:blip r:embed="rId7">
             <a:extLst>
               <a:ext uri="{28A0092B-C50C-407E-A947-70E740481C1C}">
                 <a14:useLocalDpi xmlns:a14="http://schemas.microsoft.com/office/drawing/2010/main" val="0"/>
@@ -26866,7 +26779,7 @@
           <p:nvPr/>
         </p:nvPicPr>
         <p:blipFill>
-          <a:blip r:embed="rId7">
+          <a:blip r:embed="rId8">
             <a:extLst>
               <a:ext uri="{28A0092B-C50C-407E-A947-70E740481C1C}">
                 <a14:useLocalDpi xmlns:a14="http://schemas.microsoft.com/office/drawing/2010/main" val="0"/>
@@ -27059,11 +26972,7 @@
           <a:p>
             <a:r>
               <a:rPr lang="en-US" dirty="0" smtClean="0"/>
-              <a:t>Database Queries For Different </a:t>
-            </a:r>
-            <a:r>
-              <a:rPr lang="en-US" dirty="0" smtClean="0"/>
-              <a:t>Teams</a:t>
+              <a:t>Database Queries For Different Teams</a:t>
             </a:r>
             <a:endParaRPr lang="en-US" dirty="0"/>
           </a:p>
@@ -27254,11 +27163,7 @@
           <a:p>
             <a:r>
               <a:rPr lang="en-US" dirty="0" smtClean="0"/>
-              <a:t>For Tom Clifto</a:t>
-            </a:r>
-            <a:r>
-              <a:rPr lang="en-US" dirty="0" smtClean="0"/>
-              <a:t>n to Evaluate the Feature</a:t>
+              <a:t>For Tom Clifton to Evaluate the Feature</a:t>
             </a:r>
             <a:endParaRPr lang="en-US" dirty="0"/>
           </a:p>

--- a/TechTalk.pptx
+++ b/TechTalk.pptx
@@ -23433,6 +23433,14 @@
   <p:clrMapOvr>
     <a:masterClrMapping/>
   </p:clrMapOvr>
+  <mc:AlternateContent xmlns:mc="http://schemas.openxmlformats.org/markup-compatibility/2006">
+    <mc:Choice xmlns:p14="http://schemas.microsoft.com/office/powerpoint/2010/main" Requires="p14">
+      <p:transition p14:dur="0"/>
+    </mc:Choice>
+    <mc:Fallback>
+      <p:transition xmlns:p14="http://schemas.microsoft.com/office/powerpoint/2010/main"/>
+    </mc:Fallback>
+  </mc:AlternateContent>
   <p:timing>
     <p:tnLst>
       <p:par>
@@ -23813,6 +23821,18 @@
   <p:clrMapOvr>
     <a:masterClrMapping/>
   </p:clrMapOvr>
+  <mc:AlternateContent xmlns:mc="http://schemas.openxmlformats.org/markup-compatibility/2006">
+    <mc:Choice xmlns:p14="http://schemas.microsoft.com/office/powerpoint/2010/main" Requires="p14">
+      <p:transition spd="med" p14:dur="700">
+        <p:fade/>
+      </p:transition>
+    </mc:Choice>
+    <mc:Fallback>
+      <p:transition xmlns:p14="http://schemas.microsoft.com/office/powerpoint/2010/main" spd="med">
+        <p:fade/>
+      </p:transition>
+    </mc:Fallback>
+  </mc:AlternateContent>
   <p:timing>
     <p:tnLst>
       <p:par>
@@ -23972,6 +23992,18 @@
   <p:clrMapOvr>
     <a:masterClrMapping/>
   </p:clrMapOvr>
+  <mc:AlternateContent xmlns:mc="http://schemas.openxmlformats.org/markup-compatibility/2006">
+    <mc:Choice xmlns:p14="http://schemas.microsoft.com/office/powerpoint/2010/main" Requires="p14">
+      <p:transition spd="slow" p14:dur="1400">
+        <p14:ripple/>
+      </p:transition>
+    </mc:Choice>
+    <mc:Fallback>
+      <p:transition xmlns:p14="http://schemas.microsoft.com/office/powerpoint/2010/main" spd="slow">
+        <p:fade/>
+      </p:transition>
+    </mc:Fallback>
+  </mc:AlternateContent>
   <p:timing>
     <p:tnLst>
       <p:par>
@@ -24145,6 +24177,18 @@
   <p:clrMapOvr>
     <a:masterClrMapping/>
   </p:clrMapOvr>
+  <mc:AlternateContent xmlns:mc="http://schemas.openxmlformats.org/markup-compatibility/2006">
+    <mc:Choice xmlns:p14="http://schemas.microsoft.com/office/powerpoint/2010/main" Requires="p14">
+      <p:transition spd="med" p14:dur="700">
+        <p:fade/>
+      </p:transition>
+    </mc:Choice>
+    <mc:Fallback>
+      <p:transition xmlns:p14="http://schemas.microsoft.com/office/powerpoint/2010/main" spd="med">
+        <p:fade/>
+      </p:transition>
+    </mc:Fallback>
+  </mc:AlternateContent>
   <p:timing>
     <p:tnLst>
       <p:par>
@@ -24290,6 +24334,18 @@
   <p:clrMapOvr>
     <a:masterClrMapping/>
   </p:clrMapOvr>
+  <mc:AlternateContent xmlns:mc="http://schemas.openxmlformats.org/markup-compatibility/2006">
+    <mc:Choice xmlns:p14="http://schemas.microsoft.com/office/powerpoint/2010/main" Requires="p14">
+      <p:transition spd="slow" p14:dur="2500">
+        <p:checker/>
+      </p:transition>
+    </mc:Choice>
+    <mc:Fallback>
+      <p:transition xmlns:p14="http://schemas.microsoft.com/office/powerpoint/2010/main" spd="slow">
+        <p:checker/>
+      </p:transition>
+    </mc:Fallback>
+  </mc:AlternateContent>
   <p:timing>
     <p:tnLst>
       <p:par>
@@ -24405,6 +24461,18 @@
   <p:clrMapOvr>
     <a:masterClrMapping/>
   </p:clrMapOvr>
+  <mc:AlternateContent xmlns:mc="http://schemas.openxmlformats.org/markup-compatibility/2006">
+    <mc:Choice xmlns:p14="http://schemas.microsoft.com/office/powerpoint/2010/main" Requires="p14">
+      <p:transition spd="med" p14:dur="700">
+        <p:fade/>
+      </p:transition>
+    </mc:Choice>
+    <mc:Fallback>
+      <p:transition xmlns:p14="http://schemas.microsoft.com/office/powerpoint/2010/main" spd="med">
+        <p:fade/>
+      </p:transition>
+    </mc:Fallback>
+  </mc:AlternateContent>
   <p:timing>
     <p:tnLst>
       <p:par>
@@ -24522,6 +24590,18 @@
   <p:clrMapOvr>
     <a:masterClrMapping/>
   </p:clrMapOvr>
+  <mc:AlternateContent xmlns:mc="http://schemas.openxmlformats.org/markup-compatibility/2006">
+    <mc:Choice xmlns:p14="http://schemas.microsoft.com/office/powerpoint/2010/main" Requires="p14">
+      <p:transition spd="slow" p14:dur="4000">
+        <p14:vortex dir="r"/>
+      </p:transition>
+    </mc:Choice>
+    <mc:Fallback>
+      <p:transition xmlns:p14="http://schemas.microsoft.com/office/powerpoint/2010/main" spd="slow">
+        <p:fade/>
+      </p:transition>
+    </mc:Fallback>
+  </mc:AlternateContent>
   <p:timing>
     <p:tnLst>
       <p:par>
@@ -24730,6 +24810,9 @@
   <p:clrMapOvr>
     <a:masterClrMapping/>
   </p:clrMapOvr>
+  <p:transition xmlns:p14="http://schemas.microsoft.com/office/powerpoint/2010/main" spd="slow">
+    <p:pull/>
+  </p:transition>
   <p:timing>
     <p:tnLst>
       <p:par>
@@ -25131,6 +25214,18 @@
   <p:clrMapOvr>
     <a:masterClrMapping/>
   </p:clrMapOvr>
+  <mc:AlternateContent xmlns:mc="http://schemas.openxmlformats.org/markup-compatibility/2006">
+    <mc:Choice xmlns:p14="http://schemas.microsoft.com/office/powerpoint/2010/main" Requires="p14">
+      <p:transition spd="slow" p14:dur="1200">
+        <p:dissolve/>
+      </p:transition>
+    </mc:Choice>
+    <mc:Fallback>
+      <p:transition xmlns:p14="http://schemas.microsoft.com/office/powerpoint/2010/main" spd="slow">
+        <p:dissolve/>
+      </p:transition>
+    </mc:Fallback>
+  </mc:AlternateContent>
   <p:timing>
     <p:tnLst>
       <p:par>
@@ -25239,6 +25334,18 @@
   <p:clrMapOvr>
     <a:masterClrMapping/>
   </p:clrMapOvr>
+  <mc:AlternateContent xmlns:mc="http://schemas.openxmlformats.org/markup-compatibility/2006">
+    <mc:Choice xmlns:p14="http://schemas.microsoft.com/office/powerpoint/2010/main" Requires="p14">
+      <p:transition spd="slow" p14:dur="1600">
+        <p:blinds dir="vert"/>
+      </p:transition>
+    </mc:Choice>
+    <mc:Fallback>
+      <p:transition xmlns:p14="http://schemas.microsoft.com/office/powerpoint/2010/main" spd="slow">
+        <p:blinds dir="vert"/>
+      </p:transition>
+    </mc:Fallback>
+  </mc:AlternateContent>
   <p:timing>
     <p:tnLst>
       <p:par>
@@ -25329,6 +25436,18 @@
   <p:clrMapOvr>
     <a:masterClrMapping/>
   </p:clrMapOvr>
+  <mc:AlternateContent xmlns:mc="http://schemas.openxmlformats.org/markup-compatibility/2006">
+    <mc:Choice xmlns:p14="http://schemas.microsoft.com/office/powerpoint/2010/main" Requires="p14">
+      <p:transition spd="slow" p14:dur="3000">
+        <p14:shred/>
+      </p:transition>
+    </mc:Choice>
+    <mc:Fallback>
+      <p:transition xmlns:p14="http://schemas.microsoft.com/office/powerpoint/2010/main" spd="slow">
+        <p:fade/>
+      </p:transition>
+    </mc:Fallback>
+  </mc:AlternateContent>
   <p:timing>
     <p:tnLst>
       <p:par>
@@ -25518,6 +25637,18 @@
   <p:clrMapOvr>
     <a:masterClrMapping/>
   </p:clrMapOvr>
+  <mc:AlternateContent xmlns:mc="http://schemas.openxmlformats.org/markup-compatibility/2006">
+    <mc:Choice xmlns:p14="http://schemas.microsoft.com/office/powerpoint/2010/main" Requires="p14">
+      <p:transition spd="slow" p14:dur="1600">
+        <p14:prism isContent="1" isInverted="1"/>
+      </p:transition>
+    </mc:Choice>
+    <mc:Fallback>
+      <p:transition xmlns:p14="http://schemas.microsoft.com/office/powerpoint/2010/main" spd="slow">
+        <p:fade/>
+      </p:transition>
+    </mc:Fallback>
+  </mc:AlternateContent>
   <p:timing>
     <p:tnLst>
       <p:par>
@@ -25709,6 +25840,18 @@
   <p:clrMapOvr>
     <a:masterClrMapping/>
   </p:clrMapOvr>
+  <mc:AlternateContent xmlns:mc="http://schemas.openxmlformats.org/markup-compatibility/2006">
+    <mc:Choice xmlns:p14="http://schemas.microsoft.com/office/powerpoint/2010/main" Requires="p14">
+      <p:transition spd="slow" p14:dur="1600">
+        <p14:gallery dir="l"/>
+      </p:transition>
+    </mc:Choice>
+    <mc:Fallback>
+      <p:transition xmlns:p14="http://schemas.microsoft.com/office/powerpoint/2010/main" spd="slow">
+        <p:fade/>
+      </p:transition>
+    </mc:Fallback>
+  </mc:AlternateContent>
   <p:timing>
     <p:tnLst>
       <p:par>
@@ -25822,6 +25965,18 @@
   <p:clrMapOvr>
     <a:masterClrMapping/>
   </p:clrMapOvr>
+  <mc:AlternateContent xmlns:mc="http://schemas.openxmlformats.org/markup-compatibility/2006">
+    <mc:Choice xmlns:p14="http://schemas.microsoft.com/office/powerpoint/2010/main" Requires="p14">
+      <p:transition spd="slow">
+        <p14:flash/>
+      </p:transition>
+    </mc:Choice>
+    <mc:Fallback>
+      <p:transition xmlns:p14="http://schemas.microsoft.com/office/powerpoint/2010/main" spd="slow">
+        <p:fade/>
+      </p:transition>
+    </mc:Fallback>
+  </mc:AlternateContent>
   <p:timing>
     <p:tnLst>
       <p:par>
@@ -25945,6 +26100,18 @@
   <p:clrMapOvr>
     <a:masterClrMapping/>
   </p:clrMapOvr>
+  <mc:AlternateContent xmlns:mc="http://schemas.openxmlformats.org/markup-compatibility/2006">
+    <mc:Choice xmlns:p14="http://schemas.microsoft.com/office/powerpoint/2010/main" Requires="p14">
+      <p:transition spd="slow" p14:dur="3900">
+        <p14:glitter pattern="hexagon"/>
+      </p:transition>
+    </mc:Choice>
+    <mc:Fallback>
+      <p:transition xmlns:p14="http://schemas.microsoft.com/office/powerpoint/2010/main" spd="slow">
+        <p:fade/>
+      </p:transition>
+    </mc:Fallback>
+  </mc:AlternateContent>
   <p:timing>
     <p:tnLst>
       <p:par>
@@ -26055,6 +26222,18 @@
   <p:clrMapOvr>
     <a:masterClrMapping/>
   </p:clrMapOvr>
+  <mc:AlternateContent xmlns:mc="http://schemas.openxmlformats.org/markup-compatibility/2006">
+    <mc:Choice xmlns:p14="http://schemas.microsoft.com/office/powerpoint/2010/main" Requires="p14">
+      <p:transition spd="slow" p14:dur="6500">
+        <p14:vortex dir="r"/>
+      </p:transition>
+    </mc:Choice>
+    <mc:Fallback>
+      <p:transition xmlns:p14="http://schemas.microsoft.com/office/powerpoint/2010/main" spd="slow">
+        <p:fade/>
+      </p:transition>
+    </mc:Fallback>
+  </mc:AlternateContent>
   <p:timing>
     <p:tnLst>
       <p:par>
@@ -26198,6 +26377,9 @@
   <p:clrMapOvr>
     <a:masterClrMapping/>
   </p:clrMapOvr>
+  <p:transition xmlns:p14="http://schemas.microsoft.com/office/powerpoint/2010/main" spd="slow">
+    <p:wipe/>
+  </p:transition>
   <p:timing>
     <p:tnLst>
       <p:par>
@@ -26435,6 +26617,18 @@
   <p:clrMapOvr>
     <a:masterClrMapping/>
   </p:clrMapOvr>
+  <mc:AlternateContent xmlns:mc="http://schemas.openxmlformats.org/markup-compatibility/2006">
+    <mc:Choice xmlns:p14="http://schemas.microsoft.com/office/powerpoint/2010/main" Requires="p14">
+      <p:transition spd="slow" p14:dur="900">
+        <p14:warp dir="in"/>
+      </p:transition>
+    </mc:Choice>
+    <mc:Fallback>
+      <p:transition xmlns:p14="http://schemas.microsoft.com/office/powerpoint/2010/main" spd="slow">
+        <p:fade/>
+      </p:transition>
+    </mc:Fallback>
+  </mc:AlternateContent>
   <p:timing>
     <p:tnLst>
       <p:par>
@@ -26612,6 +26806,9 @@
   <p:clrMapOvr>
     <a:masterClrMapping/>
   </p:clrMapOvr>
+  <p:transition xmlns:p14="http://schemas.microsoft.com/office/powerpoint/2010/main" spd="slow">
+    <p:randomBar dir="vert"/>
+  </p:transition>
   <p:timing>
     <p:tnLst>
       <p:par>
@@ -26810,6 +27007,18 @@
   <p:clrMapOvr>
     <a:masterClrMapping/>
   </p:clrMapOvr>
+  <mc:AlternateContent xmlns:mc="http://schemas.openxmlformats.org/markup-compatibility/2006">
+    <mc:Choice xmlns:p14="http://schemas.microsoft.com/office/powerpoint/2010/main" Requires="p14">
+      <p:transition spd="slow" p14:dur="800">
+        <p14:flythrough/>
+      </p:transition>
+    </mc:Choice>
+    <mc:Fallback>
+      <p:transition xmlns:p14="http://schemas.microsoft.com/office/powerpoint/2010/main" spd="slow">
+        <p:fade/>
+      </p:transition>
+    </mc:Fallback>
+  </mc:AlternateContent>
   <p:timing>
     <p:tnLst>
       <p:par>
@@ -26928,6 +27137,18 @@
   <p:clrMapOvr>
     <a:masterClrMapping/>
   </p:clrMapOvr>
+  <mc:AlternateContent xmlns:mc="http://schemas.openxmlformats.org/markup-compatibility/2006">
+    <mc:Choice xmlns:p14="http://schemas.microsoft.com/office/powerpoint/2010/main" Requires="p14">
+      <p:transition spd="slow" p14:dur="2000">
+        <p14:honeycomb/>
+      </p:transition>
+    </mc:Choice>
+    <mc:Fallback>
+      <p:transition xmlns:p14="http://schemas.microsoft.com/office/powerpoint/2010/main" spd="slow">
+        <p:fade/>
+      </p:transition>
+    </mc:Fallback>
+  </mc:AlternateContent>
   <p:timing>
     <p:tnLst>
       <p:par>
@@ -27040,6 +27261,18 @@
   <p:clrMapOvr>
     <a:masterClrMapping/>
   </p:clrMapOvr>
+  <mc:AlternateContent xmlns:mc="http://schemas.openxmlformats.org/markup-compatibility/2006">
+    <mc:Choice xmlns:p14="http://schemas.microsoft.com/office/powerpoint/2010/main" Requires="p14">
+      <p:transition spd="slow" p14:dur="3000">
+        <p14:vortex dir="r"/>
+      </p:transition>
+    </mc:Choice>
+    <mc:Fallback>
+      <p:transition xmlns:p14="http://schemas.microsoft.com/office/powerpoint/2010/main" spd="slow">
+        <p:fade/>
+      </p:transition>
+    </mc:Fallback>
+  </mc:AlternateContent>
   <p:timing>
     <p:tnLst>
       <p:par>
@@ -27179,6 +27412,9 @@
   <p:clrMapOvr>
     <a:masterClrMapping/>
   </p:clrMapOvr>
+  <p:transition xmlns:p14="http://schemas.microsoft.com/office/powerpoint/2010/main" spd="slow">
+    <p:push dir="u"/>
+  </p:transition>
   <p:timing>
     <p:tnLst>
       <p:par>

--- a/TechTalk.pptx
+++ b/TechTalk.pptx
@@ -25438,7 +25438,7 @@
   </p:clrMapOvr>
   <mc:AlternateContent xmlns:mc="http://schemas.openxmlformats.org/markup-compatibility/2006">
     <mc:Choice xmlns:p14="http://schemas.microsoft.com/office/powerpoint/2010/main" Requires="p14">
-      <p:transition spd="slow" p14:dur="3000">
+      <p:transition spd="slow" p14:dur="1800">
         <p14:shred/>
       </p:transition>
     </mc:Choice>
@@ -26304,8 +26304,18 @@
             </a:pPr>
             <a:r>
               <a:rPr lang="en-US" dirty="0" smtClean="0"/>
-              <a:t>Primarily Java</a:t>
+              <a:t>Primarily </a:t>
             </a:r>
+            <a:r>
+              <a:rPr lang="en-US" dirty="0" smtClean="0"/>
+              <a:t>Java</a:t>
+            </a:r>
+          </a:p>
+          <a:p>
+            <a:pPr marL="0" indent="0">
+              <a:buNone/>
+            </a:pPr>
+            <a:endParaRPr lang="en-US" dirty="0" smtClean="0"/>
           </a:p>
           <a:p>
             <a:pPr marL="0" indent="0">
@@ -26313,8 +26323,18 @@
             </a:pPr>
             <a:r>
               <a:rPr lang="en-US" dirty="0" smtClean="0"/>
-              <a:t>Good Bit of C</a:t>
+              <a:t>Good Bit of </a:t>
             </a:r>
+            <a:r>
+              <a:rPr lang="en-US" dirty="0" smtClean="0"/>
+              <a:t>C</a:t>
+            </a:r>
+          </a:p>
+          <a:p>
+            <a:pPr marL="0" indent="0">
+              <a:buNone/>
+            </a:pPr>
+            <a:endParaRPr lang="en-US" dirty="0" smtClean="0"/>
           </a:p>
           <a:p>
             <a:pPr marL="0" indent="0">
@@ -26322,8 +26342,18 @@
             </a:pPr>
             <a:r>
               <a:rPr lang="en-US" dirty="0" smtClean="0"/>
-              <a:t>Very Little in High-Level Languages</a:t>
+              <a:t>Very Little in High-Level </a:t>
             </a:r>
+            <a:r>
+              <a:rPr lang="en-US" dirty="0" smtClean="0"/>
+              <a:t>Languages</a:t>
+            </a:r>
+          </a:p>
+          <a:p>
+            <a:pPr marL="0" indent="0">
+              <a:buNone/>
+            </a:pPr>
+            <a:endParaRPr lang="en-US" dirty="0" smtClean="0"/>
           </a:p>
           <a:p>
             <a:pPr marL="0" indent="0">
